--- a/img/Presentation1.pptx
+++ b/img/Presentation1.pptx
@@ -6,6 +6,11 @@
   </p:sldMasterIdLst>
   <p:sldIdLst>
     <p:sldId id="256" r:id="rId2"/>
+    <p:sldId id="257" r:id="rId3"/>
+    <p:sldId id="258" r:id="rId4"/>
+    <p:sldId id="259" r:id="rId5"/>
+    <p:sldId id="260" r:id="rId6"/>
+    <p:sldId id="261" r:id="rId7"/>
   </p:sldIdLst>
   <p:sldSz cx="12192000" cy="6858000"/>
   <p:notesSz cx="6858000" cy="9144000"/>
@@ -106,7 +111,18 @@
   </p:defaultTextStyle>
   <p:extLst>
     <p:ext uri="{EFAFB233-063F-42B5-8137-9DF3F51BA10A}">
-      <p15:sldGuideLst xmlns:p15="http://schemas.microsoft.com/office/powerpoint/2012/main"/>
+      <p15:sldGuideLst xmlns:p15="http://schemas.microsoft.com/office/powerpoint/2012/main">
+        <p15:guide id="1" orient="horz" pos="3612" userDrawn="1">
+          <p15:clr>
+            <a:srgbClr val="A4A3A4"/>
+          </p15:clr>
+        </p15:guide>
+        <p15:guide id="2" pos="5790" userDrawn="1">
+          <p15:clr>
+            <a:srgbClr val="A4A3A4"/>
+          </p15:clr>
+        </p15:guide>
+      </p15:sldGuideLst>
     </p:ext>
   </p:extLst>
 </p:presentation>
@@ -261,7 +277,7 @@
           <a:p>
             <a:fld id="{074071C5-6962-B347-AEEA-207A5EC41F54}" type="datetimeFigureOut">
               <a:rPr lang="en-US" smtClean="0"/>
-              <a:t>8/18/19</a:t>
+              <a:t>8/27/19</a:t>
             </a:fld>
             <a:endParaRPr lang="en-US"/>
           </a:p>
@@ -461,7 +477,7 @@
           <a:p>
             <a:fld id="{074071C5-6962-B347-AEEA-207A5EC41F54}" type="datetimeFigureOut">
               <a:rPr lang="en-US" smtClean="0"/>
-              <a:t>8/18/19</a:t>
+              <a:t>8/27/19</a:t>
             </a:fld>
             <a:endParaRPr lang="en-US"/>
           </a:p>
@@ -671,7 +687,7 @@
           <a:p>
             <a:fld id="{074071C5-6962-B347-AEEA-207A5EC41F54}" type="datetimeFigureOut">
               <a:rPr lang="en-US" smtClean="0"/>
-              <a:t>8/18/19</a:t>
+              <a:t>8/27/19</a:t>
             </a:fld>
             <a:endParaRPr lang="en-US"/>
           </a:p>
@@ -871,7 +887,7 @@
           <a:p>
             <a:fld id="{074071C5-6962-B347-AEEA-207A5EC41F54}" type="datetimeFigureOut">
               <a:rPr lang="en-US" smtClean="0"/>
-              <a:t>8/18/19</a:t>
+              <a:t>8/27/19</a:t>
             </a:fld>
             <a:endParaRPr lang="en-US"/>
           </a:p>
@@ -1147,7 +1163,7 @@
           <a:p>
             <a:fld id="{074071C5-6962-B347-AEEA-207A5EC41F54}" type="datetimeFigureOut">
               <a:rPr lang="en-US" smtClean="0"/>
-              <a:t>8/18/19</a:t>
+              <a:t>8/27/19</a:t>
             </a:fld>
             <a:endParaRPr lang="en-US"/>
           </a:p>
@@ -1415,7 +1431,7 @@
           <a:p>
             <a:fld id="{074071C5-6962-B347-AEEA-207A5EC41F54}" type="datetimeFigureOut">
               <a:rPr lang="en-US" smtClean="0"/>
-              <a:t>8/18/19</a:t>
+              <a:t>8/27/19</a:t>
             </a:fld>
             <a:endParaRPr lang="en-US"/>
           </a:p>
@@ -1830,7 +1846,7 @@
           <a:p>
             <a:fld id="{074071C5-6962-B347-AEEA-207A5EC41F54}" type="datetimeFigureOut">
               <a:rPr lang="en-US" smtClean="0"/>
-              <a:t>8/18/19</a:t>
+              <a:t>8/27/19</a:t>
             </a:fld>
             <a:endParaRPr lang="en-US"/>
           </a:p>
@@ -1972,7 +1988,7 @@
           <a:p>
             <a:fld id="{074071C5-6962-B347-AEEA-207A5EC41F54}" type="datetimeFigureOut">
               <a:rPr lang="en-US" smtClean="0"/>
-              <a:t>8/18/19</a:t>
+              <a:t>8/27/19</a:t>
             </a:fld>
             <a:endParaRPr lang="en-US"/>
           </a:p>
@@ -2085,7 +2101,7 @@
           <a:p>
             <a:fld id="{074071C5-6962-B347-AEEA-207A5EC41F54}" type="datetimeFigureOut">
               <a:rPr lang="en-US" smtClean="0"/>
-              <a:t>8/18/19</a:t>
+              <a:t>8/27/19</a:t>
             </a:fld>
             <a:endParaRPr lang="en-US"/>
           </a:p>
@@ -2398,7 +2414,7 @@
           <a:p>
             <a:fld id="{074071C5-6962-B347-AEEA-207A5EC41F54}" type="datetimeFigureOut">
               <a:rPr lang="en-US" smtClean="0"/>
-              <a:t>8/18/19</a:t>
+              <a:t>8/27/19</a:t>
             </a:fld>
             <a:endParaRPr lang="en-US"/>
           </a:p>
@@ -2687,7 +2703,7 @@
           <a:p>
             <a:fld id="{074071C5-6962-B347-AEEA-207A5EC41F54}" type="datetimeFigureOut">
               <a:rPr lang="en-US" smtClean="0"/>
-              <a:t>8/18/19</a:t>
+              <a:t>8/27/19</a:t>
             </a:fld>
             <a:endParaRPr lang="en-US"/>
           </a:p>
@@ -2930,7 +2946,7 @@
           <a:p>
             <a:fld id="{074071C5-6962-B347-AEEA-207A5EC41F54}" type="datetimeFigureOut">
               <a:rPr lang="en-US" smtClean="0"/>
-              <a:t>8/18/19</a:t>
+              <a:t>8/27/19</a:t>
             </a:fld>
             <a:endParaRPr lang="en-US"/>
           </a:p>
@@ -4940,6 +4956,6863 @@
 </p:sld>
 </file>
 
+<file path=ppt/slides/slide2.xml><?xml version="1.0" encoding="utf-8"?>
+<p:sld xmlns:a="http://schemas.openxmlformats.org/drawingml/2006/main" xmlns:r="http://schemas.openxmlformats.org/officeDocument/2006/relationships" xmlns:p="http://schemas.openxmlformats.org/presentationml/2006/main">
+  <p:cSld>
+    <p:spTree>
+      <p:nvGrpSpPr>
+        <p:cNvPr id="1" name=""/>
+        <p:cNvGrpSpPr/>
+        <p:nvPr/>
+      </p:nvGrpSpPr>
+      <p:grpSpPr>
+        <a:xfrm>
+          <a:off x="0" y="0"/>
+          <a:ext cx="0" cy="0"/>
+          <a:chOff x="0" y="0"/>
+          <a:chExt cx="0" cy="0"/>
+        </a:xfrm>
+      </p:grpSpPr>
+      <p:sp>
+        <p:nvSpPr>
+          <p:cNvPr id="4" name="Rectangle 3">
+            <a:extLst>
+              <a:ext uri="{FF2B5EF4-FFF2-40B4-BE49-F238E27FC236}">
+                <a16:creationId xmlns:a16="http://schemas.microsoft.com/office/drawing/2014/main" id="{B099679B-E5A6-9642-B139-D6BAB26A8552}"/>
+              </a:ext>
+            </a:extLst>
+          </p:cNvPr>
+          <p:cNvSpPr/>
+          <p:nvPr/>
+        </p:nvSpPr>
+        <p:spPr>
+          <a:xfrm>
+            <a:off x="2506315" y="947062"/>
+            <a:ext cx="1615858" cy="613776"/>
+          </a:xfrm>
+          <a:prstGeom prst="rect">
+            <a:avLst/>
+          </a:prstGeom>
+        </p:spPr>
+        <p:style>
+          <a:lnRef idx="2">
+            <a:schemeClr val="dk1"/>
+          </a:lnRef>
+          <a:fillRef idx="1">
+            <a:schemeClr val="lt1"/>
+          </a:fillRef>
+          <a:effectRef idx="0">
+            <a:schemeClr val="dk1"/>
+          </a:effectRef>
+          <a:fontRef idx="minor">
+            <a:schemeClr val="dk1"/>
+          </a:fontRef>
+        </p:style>
+        <p:txBody>
+          <a:bodyPr rtlCol="0" anchor="ctr"/>
+          <a:lstStyle/>
+          <a:p>
+            <a:pPr algn="ctr"/>
+            <a:r>
+              <a:rPr lang="en-US" sz="1200" dirty="0"/>
+              <a:t>Call</a:t>
+            </a:r>
+          </a:p>
+        </p:txBody>
+      </p:sp>
+      <p:sp>
+        <p:nvSpPr>
+          <p:cNvPr id="5" name="Rectangle 4">
+            <a:extLst>
+              <a:ext uri="{FF2B5EF4-FFF2-40B4-BE49-F238E27FC236}">
+                <a16:creationId xmlns:a16="http://schemas.microsoft.com/office/drawing/2014/main" id="{495CA20B-0C46-7A4B-AABC-4FC391210C68}"/>
+              </a:ext>
+            </a:extLst>
+          </p:cNvPr>
+          <p:cNvSpPr/>
+          <p:nvPr/>
+        </p:nvSpPr>
+        <p:spPr>
+          <a:xfrm>
+            <a:off x="4834755" y="947062"/>
+            <a:ext cx="1615858" cy="613776"/>
+          </a:xfrm>
+          <a:prstGeom prst="rect">
+            <a:avLst/>
+          </a:prstGeom>
+        </p:spPr>
+        <p:style>
+          <a:lnRef idx="2">
+            <a:schemeClr val="dk1"/>
+          </a:lnRef>
+          <a:fillRef idx="1">
+            <a:schemeClr val="lt1"/>
+          </a:fillRef>
+          <a:effectRef idx="0">
+            <a:schemeClr val="dk1"/>
+          </a:effectRef>
+          <a:fontRef idx="minor">
+            <a:schemeClr val="dk1"/>
+          </a:fontRef>
+        </p:style>
+        <p:txBody>
+          <a:bodyPr rtlCol="0" anchor="ctr"/>
+          <a:lstStyle/>
+          <a:p>
+            <a:pPr algn="ctr"/>
+            <a:r>
+              <a:rPr lang="en-US" sz="1200" dirty="0"/>
+              <a:t>Calculate echoes</a:t>
+            </a:r>
+          </a:p>
+        </p:txBody>
+      </p:sp>
+      <p:sp>
+        <p:nvSpPr>
+          <p:cNvPr id="6" name="Rectangle 5">
+            <a:extLst>
+              <a:ext uri="{FF2B5EF4-FFF2-40B4-BE49-F238E27FC236}">
+                <a16:creationId xmlns:a16="http://schemas.microsoft.com/office/drawing/2014/main" id="{0DDBA1A3-31F7-2940-8837-89E83EA3A5EE}"/>
+              </a:ext>
+            </a:extLst>
+          </p:cNvPr>
+          <p:cNvSpPr/>
+          <p:nvPr/>
+        </p:nvSpPr>
+        <p:spPr>
+          <a:xfrm>
+            <a:off x="7550058" y="947062"/>
+            <a:ext cx="1615858" cy="613776"/>
+          </a:xfrm>
+          <a:prstGeom prst="rect">
+            <a:avLst/>
+          </a:prstGeom>
+        </p:spPr>
+        <p:style>
+          <a:lnRef idx="2">
+            <a:schemeClr val="dk1"/>
+          </a:lnRef>
+          <a:fillRef idx="1">
+            <a:schemeClr val="lt1"/>
+          </a:fillRef>
+          <a:effectRef idx="0">
+            <a:schemeClr val="dk1"/>
+          </a:effectRef>
+          <a:fontRef idx="minor">
+            <a:schemeClr val="dk1"/>
+          </a:fontRef>
+        </p:style>
+        <p:txBody>
+          <a:bodyPr rtlCol="0" anchor="ctr"/>
+          <a:lstStyle/>
+          <a:p>
+            <a:pPr algn="ctr"/>
+            <a:r>
+              <a:rPr lang="en-US" sz="1200" dirty="0"/>
+              <a:t>Wait for echoes</a:t>
+            </a:r>
+          </a:p>
+        </p:txBody>
+      </p:sp>
+      <p:sp>
+        <p:nvSpPr>
+          <p:cNvPr id="7" name="Rectangle 6">
+            <a:extLst>
+              <a:ext uri="{FF2B5EF4-FFF2-40B4-BE49-F238E27FC236}">
+                <a16:creationId xmlns:a16="http://schemas.microsoft.com/office/drawing/2014/main" id="{42F050EF-EA0D-2A44-B162-7DA268332542}"/>
+              </a:ext>
+            </a:extLst>
+          </p:cNvPr>
+          <p:cNvSpPr/>
+          <p:nvPr/>
+        </p:nvSpPr>
+        <p:spPr>
+          <a:xfrm>
+            <a:off x="7550057" y="2251299"/>
+            <a:ext cx="1615858" cy="613776"/>
+          </a:xfrm>
+          <a:prstGeom prst="rect">
+            <a:avLst/>
+          </a:prstGeom>
+        </p:spPr>
+        <p:style>
+          <a:lnRef idx="2">
+            <a:schemeClr val="dk1"/>
+          </a:lnRef>
+          <a:fillRef idx="1">
+            <a:schemeClr val="lt1"/>
+          </a:fillRef>
+          <a:effectRef idx="0">
+            <a:schemeClr val="dk1"/>
+          </a:effectRef>
+          <a:fontRef idx="minor">
+            <a:schemeClr val="dk1"/>
+          </a:fontRef>
+        </p:style>
+        <p:txBody>
+          <a:bodyPr rtlCol="0" anchor="ctr"/>
+          <a:lstStyle/>
+          <a:p>
+            <a:pPr algn="ctr"/>
+            <a:r>
+              <a:rPr lang="en-US" sz="1200" dirty="0"/>
+              <a:t>Process echoes</a:t>
+            </a:r>
+          </a:p>
+          <a:p>
+            <a:pPr algn="ctr"/>
+            <a:r>
+              <a:rPr lang="en-US" sz="1200" dirty="0"/>
+              <a:t>50 + 1ms</a:t>
+            </a:r>
+          </a:p>
+        </p:txBody>
+      </p:sp>
+      <p:sp>
+        <p:nvSpPr>
+          <p:cNvPr id="8" name="Rectangle 7">
+            <a:extLst>
+              <a:ext uri="{FF2B5EF4-FFF2-40B4-BE49-F238E27FC236}">
+                <a16:creationId xmlns:a16="http://schemas.microsoft.com/office/drawing/2014/main" id="{E18CC2E9-1CB2-1446-80C3-6CE6E66D62FA}"/>
+              </a:ext>
+            </a:extLst>
+          </p:cNvPr>
+          <p:cNvSpPr/>
+          <p:nvPr/>
+        </p:nvSpPr>
+        <p:spPr>
+          <a:xfrm>
+            <a:off x="7550057" y="2876650"/>
+            <a:ext cx="1615858" cy="613776"/>
+          </a:xfrm>
+          <a:prstGeom prst="rect">
+            <a:avLst/>
+          </a:prstGeom>
+          <a:ln>
+            <a:prstDash val="lgDash"/>
+          </a:ln>
+        </p:spPr>
+        <p:style>
+          <a:lnRef idx="2">
+            <a:schemeClr val="dk1"/>
+          </a:lnRef>
+          <a:fillRef idx="1">
+            <a:schemeClr val="lt1"/>
+          </a:fillRef>
+          <a:effectRef idx="0">
+            <a:schemeClr val="dk1"/>
+          </a:effectRef>
+          <a:fontRef idx="minor">
+            <a:schemeClr val="dk1"/>
+          </a:fontRef>
+        </p:style>
+        <p:txBody>
+          <a:bodyPr rtlCol="0" anchor="ctr"/>
+          <a:lstStyle/>
+          <a:p>
+            <a:pPr algn="ctr"/>
+            <a:r>
+              <a:rPr lang="en-US" sz="1200" dirty="0"/>
+              <a:t>Nearest obstacle</a:t>
+            </a:r>
+          </a:p>
+        </p:txBody>
+      </p:sp>
+      <p:sp>
+        <p:nvSpPr>
+          <p:cNvPr id="9" name="Rectangle 8">
+            <a:extLst>
+              <a:ext uri="{FF2B5EF4-FFF2-40B4-BE49-F238E27FC236}">
+                <a16:creationId xmlns:a16="http://schemas.microsoft.com/office/drawing/2014/main" id="{06BDC64B-3CC8-D24C-9090-DE32C9C07C5B}"/>
+              </a:ext>
+            </a:extLst>
+          </p:cNvPr>
+          <p:cNvSpPr/>
+          <p:nvPr/>
+        </p:nvSpPr>
+        <p:spPr>
+          <a:xfrm>
+            <a:off x="4834755" y="3715657"/>
+            <a:ext cx="1615858" cy="613776"/>
+          </a:xfrm>
+          <a:prstGeom prst="rect">
+            <a:avLst/>
+          </a:prstGeom>
+        </p:spPr>
+        <p:style>
+          <a:lnRef idx="2">
+            <a:schemeClr val="dk1"/>
+          </a:lnRef>
+          <a:fillRef idx="1">
+            <a:schemeClr val="lt1"/>
+          </a:fillRef>
+          <a:effectRef idx="0">
+            <a:schemeClr val="dk1"/>
+          </a:effectRef>
+          <a:fontRef idx="minor">
+            <a:schemeClr val="dk1"/>
+          </a:fontRef>
+        </p:style>
+        <p:txBody>
+          <a:bodyPr rtlCol="0" anchor="ctr"/>
+          <a:lstStyle/>
+          <a:p>
+            <a:pPr algn="ctr"/>
+            <a:r>
+              <a:rPr lang="en-US" sz="1200" dirty="0"/>
+              <a:t>Obstacle avoidance</a:t>
+            </a:r>
+          </a:p>
+        </p:txBody>
+      </p:sp>
+      <p:sp>
+        <p:nvSpPr>
+          <p:cNvPr id="10" name="Rectangle 9">
+            <a:extLst>
+              <a:ext uri="{FF2B5EF4-FFF2-40B4-BE49-F238E27FC236}">
+                <a16:creationId xmlns:a16="http://schemas.microsoft.com/office/drawing/2014/main" id="{7CF37187-B08F-F040-A738-9FAE09A3A2C7}"/>
+              </a:ext>
+            </a:extLst>
+          </p:cNvPr>
+          <p:cNvSpPr/>
+          <p:nvPr/>
+        </p:nvSpPr>
+        <p:spPr>
+          <a:xfrm>
+            <a:off x="4834755" y="2876650"/>
+            <a:ext cx="1615858" cy="613776"/>
+          </a:xfrm>
+          <a:prstGeom prst="rect">
+            <a:avLst/>
+          </a:prstGeom>
+        </p:spPr>
+        <p:style>
+          <a:lnRef idx="2">
+            <a:schemeClr val="dk1"/>
+          </a:lnRef>
+          <a:fillRef idx="1">
+            <a:schemeClr val="lt1"/>
+          </a:fillRef>
+          <a:effectRef idx="0">
+            <a:schemeClr val="dk1"/>
+          </a:effectRef>
+          <a:fontRef idx="minor">
+            <a:schemeClr val="dk1"/>
+          </a:fontRef>
+        </p:style>
+        <p:txBody>
+          <a:bodyPr rtlCol="0" anchor="ctr"/>
+          <a:lstStyle/>
+          <a:p>
+            <a:pPr algn="ctr"/>
+            <a:r>
+              <a:rPr lang="en-US" sz="1200" dirty="0"/>
+              <a:t>Mixed</a:t>
+            </a:r>
+          </a:p>
+        </p:txBody>
+      </p:sp>
+      <p:sp>
+        <p:nvSpPr>
+          <p:cNvPr id="11" name="Rectangle 10">
+            <a:extLst>
+              <a:ext uri="{FF2B5EF4-FFF2-40B4-BE49-F238E27FC236}">
+                <a16:creationId xmlns:a16="http://schemas.microsoft.com/office/drawing/2014/main" id="{36AC896B-644E-714C-BC0B-D7ACB0D4FC31}"/>
+              </a:ext>
+            </a:extLst>
+          </p:cNvPr>
+          <p:cNvSpPr/>
+          <p:nvPr/>
+        </p:nvSpPr>
+        <p:spPr>
+          <a:xfrm>
+            <a:off x="4834755" y="2037643"/>
+            <a:ext cx="1615858" cy="613776"/>
+          </a:xfrm>
+          <a:prstGeom prst="rect">
+            <a:avLst/>
+          </a:prstGeom>
+        </p:spPr>
+        <p:style>
+          <a:lnRef idx="2">
+            <a:schemeClr val="dk1"/>
+          </a:lnRef>
+          <a:fillRef idx="1">
+            <a:schemeClr val="lt1"/>
+          </a:fillRef>
+          <a:effectRef idx="0">
+            <a:schemeClr val="dk1"/>
+          </a:effectRef>
+          <a:fontRef idx="minor">
+            <a:schemeClr val="dk1"/>
+          </a:fontRef>
+        </p:style>
+        <p:txBody>
+          <a:bodyPr rtlCol="0" anchor="ctr"/>
+          <a:lstStyle/>
+          <a:p>
+            <a:pPr algn="ctr"/>
+            <a:r>
+              <a:rPr lang="en-US" sz="1200" dirty="0"/>
+              <a:t>Target search</a:t>
+            </a:r>
+          </a:p>
+        </p:txBody>
+      </p:sp>
+      <p:sp>
+        <p:nvSpPr>
+          <p:cNvPr id="12" name="Rectangle 11">
+            <a:extLst>
+              <a:ext uri="{FF2B5EF4-FFF2-40B4-BE49-F238E27FC236}">
+                <a16:creationId xmlns:a16="http://schemas.microsoft.com/office/drawing/2014/main" id="{766D2734-A5E1-A941-A259-D65CA78F21F2}"/>
+              </a:ext>
+            </a:extLst>
+          </p:cNvPr>
+          <p:cNvSpPr/>
+          <p:nvPr/>
+        </p:nvSpPr>
+        <p:spPr>
+          <a:xfrm>
+            <a:off x="2506314" y="3715657"/>
+            <a:ext cx="1615858" cy="613776"/>
+          </a:xfrm>
+          <a:prstGeom prst="rect">
+            <a:avLst/>
+          </a:prstGeom>
+        </p:spPr>
+        <p:style>
+          <a:lnRef idx="2">
+            <a:schemeClr val="dk1"/>
+          </a:lnRef>
+          <a:fillRef idx="1">
+            <a:schemeClr val="lt1"/>
+          </a:fillRef>
+          <a:effectRef idx="0">
+            <a:schemeClr val="dk1"/>
+          </a:effectRef>
+          <a:fontRef idx="minor">
+            <a:schemeClr val="dk1"/>
+          </a:fontRef>
+        </p:style>
+        <p:txBody>
+          <a:bodyPr rtlCol="0" anchor="ctr"/>
+          <a:lstStyle/>
+          <a:p>
+            <a:pPr algn="ctr"/>
+            <a:r>
+              <a:rPr lang="en-US" sz="1200" dirty="0"/>
+              <a:t>Rotate bat</a:t>
+            </a:r>
+          </a:p>
+        </p:txBody>
+      </p:sp>
+      <p:sp>
+        <p:nvSpPr>
+          <p:cNvPr id="13" name="Rectangle 12">
+            <a:extLst>
+              <a:ext uri="{FF2B5EF4-FFF2-40B4-BE49-F238E27FC236}">
+                <a16:creationId xmlns:a16="http://schemas.microsoft.com/office/drawing/2014/main" id="{34022258-C10B-6D46-8E36-5492D3C93AC7}"/>
+              </a:ext>
+            </a:extLst>
+          </p:cNvPr>
+          <p:cNvSpPr/>
+          <p:nvPr/>
+        </p:nvSpPr>
+        <p:spPr>
+          <a:xfrm>
+            <a:off x="2506314" y="2037643"/>
+            <a:ext cx="1615858" cy="613776"/>
+          </a:xfrm>
+          <a:prstGeom prst="rect">
+            <a:avLst/>
+          </a:prstGeom>
+        </p:spPr>
+        <p:style>
+          <a:lnRef idx="2">
+            <a:schemeClr val="dk1"/>
+          </a:lnRef>
+          <a:fillRef idx="1">
+            <a:schemeClr val="lt1"/>
+          </a:fillRef>
+          <a:effectRef idx="0">
+            <a:schemeClr val="dk1"/>
+          </a:effectRef>
+          <a:fontRef idx="minor">
+            <a:schemeClr val="dk1"/>
+          </a:fontRef>
+        </p:style>
+        <p:txBody>
+          <a:bodyPr rtlCol="0" anchor="ctr"/>
+          <a:lstStyle/>
+          <a:p>
+            <a:pPr algn="ctr"/>
+            <a:r>
+              <a:rPr lang="en-US" sz="1200" dirty="0"/>
+              <a:t>Move bat during the remainder of IPI</a:t>
+            </a:r>
+          </a:p>
+        </p:txBody>
+      </p:sp>
+      <p:cxnSp>
+        <p:nvCxnSpPr>
+          <p:cNvPr id="15" name="Straight Arrow Connector 14">
+            <a:extLst>
+              <a:ext uri="{FF2B5EF4-FFF2-40B4-BE49-F238E27FC236}">
+                <a16:creationId xmlns:a16="http://schemas.microsoft.com/office/drawing/2014/main" id="{2AE13EDC-5BC1-0441-8F5B-4FA793DD5630}"/>
+              </a:ext>
+            </a:extLst>
+          </p:cNvPr>
+          <p:cNvCxnSpPr>
+            <a:stCxn id="4" idx="3"/>
+            <a:endCxn id="5" idx="1"/>
+          </p:cNvCxnSpPr>
+          <p:nvPr/>
+        </p:nvCxnSpPr>
+        <p:spPr>
+          <a:xfrm>
+            <a:off x="4122173" y="1253950"/>
+            <a:ext cx="712582" cy="0"/>
+          </a:xfrm>
+          <a:prstGeom prst="straightConnector1">
+            <a:avLst/>
+          </a:prstGeom>
+          <a:ln>
+            <a:tailEnd type="triangle"/>
+          </a:ln>
+        </p:spPr>
+        <p:style>
+          <a:lnRef idx="1">
+            <a:schemeClr val="dk1"/>
+          </a:lnRef>
+          <a:fillRef idx="0">
+            <a:schemeClr val="dk1"/>
+          </a:fillRef>
+          <a:effectRef idx="0">
+            <a:schemeClr val="dk1"/>
+          </a:effectRef>
+          <a:fontRef idx="minor">
+            <a:schemeClr val="tx1"/>
+          </a:fontRef>
+        </p:style>
+      </p:cxnSp>
+      <p:cxnSp>
+        <p:nvCxnSpPr>
+          <p:cNvPr id="16" name="Straight Arrow Connector 15">
+            <a:extLst>
+              <a:ext uri="{FF2B5EF4-FFF2-40B4-BE49-F238E27FC236}">
+                <a16:creationId xmlns:a16="http://schemas.microsoft.com/office/drawing/2014/main" id="{3F617A56-1DB0-344C-AB1D-93594D484082}"/>
+              </a:ext>
+            </a:extLst>
+          </p:cNvPr>
+          <p:cNvCxnSpPr>
+            <a:cxnSpLocks/>
+            <a:stCxn id="5" idx="3"/>
+            <a:endCxn id="6" idx="1"/>
+          </p:cNvCxnSpPr>
+          <p:nvPr/>
+        </p:nvCxnSpPr>
+        <p:spPr>
+          <a:xfrm>
+            <a:off x="6450613" y="1253950"/>
+            <a:ext cx="1099445" cy="0"/>
+          </a:xfrm>
+          <a:prstGeom prst="straightConnector1">
+            <a:avLst/>
+          </a:prstGeom>
+          <a:ln>
+            <a:tailEnd type="triangle"/>
+          </a:ln>
+        </p:spPr>
+        <p:style>
+          <a:lnRef idx="1">
+            <a:schemeClr val="dk1"/>
+          </a:lnRef>
+          <a:fillRef idx="0">
+            <a:schemeClr val="dk1"/>
+          </a:fillRef>
+          <a:effectRef idx="0">
+            <a:schemeClr val="dk1"/>
+          </a:effectRef>
+          <a:fontRef idx="minor">
+            <a:schemeClr val="tx1"/>
+          </a:fontRef>
+        </p:style>
+      </p:cxnSp>
+      <p:cxnSp>
+        <p:nvCxnSpPr>
+          <p:cNvPr id="19" name="Straight Arrow Connector 18">
+            <a:extLst>
+              <a:ext uri="{FF2B5EF4-FFF2-40B4-BE49-F238E27FC236}">
+                <a16:creationId xmlns:a16="http://schemas.microsoft.com/office/drawing/2014/main" id="{AE7CF80C-495E-8B4B-8B75-A3F2D8EE6DB2}"/>
+              </a:ext>
+            </a:extLst>
+          </p:cNvPr>
+          <p:cNvCxnSpPr>
+            <a:cxnSpLocks/>
+            <a:stCxn id="6" idx="2"/>
+            <a:endCxn id="7" idx="0"/>
+          </p:cNvCxnSpPr>
+          <p:nvPr/>
+        </p:nvCxnSpPr>
+        <p:spPr>
+          <a:xfrm flipH="1">
+            <a:off x="8357986" y="1560838"/>
+            <a:ext cx="1" cy="690461"/>
+          </a:xfrm>
+          <a:prstGeom prst="straightConnector1">
+            <a:avLst/>
+          </a:prstGeom>
+          <a:ln>
+            <a:tailEnd type="triangle"/>
+          </a:ln>
+        </p:spPr>
+        <p:style>
+          <a:lnRef idx="1">
+            <a:schemeClr val="dk1"/>
+          </a:lnRef>
+          <a:fillRef idx="0">
+            <a:schemeClr val="dk1"/>
+          </a:fillRef>
+          <a:effectRef idx="0">
+            <a:schemeClr val="dk1"/>
+          </a:effectRef>
+          <a:fontRef idx="minor">
+            <a:schemeClr val="tx1"/>
+          </a:fontRef>
+        </p:style>
+      </p:cxnSp>
+      <p:cxnSp>
+        <p:nvCxnSpPr>
+          <p:cNvPr id="22" name="Straight Arrow Connector 21">
+            <a:extLst>
+              <a:ext uri="{FF2B5EF4-FFF2-40B4-BE49-F238E27FC236}">
+                <a16:creationId xmlns:a16="http://schemas.microsoft.com/office/drawing/2014/main" id="{05EC63AF-526D-1449-B457-31908CA59212}"/>
+              </a:ext>
+            </a:extLst>
+          </p:cNvPr>
+          <p:cNvCxnSpPr>
+            <a:cxnSpLocks/>
+            <a:stCxn id="13" idx="0"/>
+            <a:endCxn id="4" idx="2"/>
+          </p:cNvCxnSpPr>
+          <p:nvPr/>
+        </p:nvCxnSpPr>
+        <p:spPr>
+          <a:xfrm flipV="1">
+            <a:off x="3314243" y="1560838"/>
+            <a:ext cx="1" cy="476805"/>
+          </a:xfrm>
+          <a:prstGeom prst="straightConnector1">
+            <a:avLst/>
+          </a:prstGeom>
+          <a:ln>
+            <a:tailEnd type="triangle"/>
+          </a:ln>
+        </p:spPr>
+        <p:style>
+          <a:lnRef idx="1">
+            <a:schemeClr val="dk1"/>
+          </a:lnRef>
+          <a:fillRef idx="0">
+            <a:schemeClr val="dk1"/>
+          </a:fillRef>
+          <a:effectRef idx="0">
+            <a:schemeClr val="dk1"/>
+          </a:effectRef>
+          <a:fontRef idx="minor">
+            <a:schemeClr val="tx1"/>
+          </a:fontRef>
+        </p:style>
+      </p:cxnSp>
+      <p:cxnSp>
+        <p:nvCxnSpPr>
+          <p:cNvPr id="27" name="Straight Arrow Connector 26">
+            <a:extLst>
+              <a:ext uri="{FF2B5EF4-FFF2-40B4-BE49-F238E27FC236}">
+                <a16:creationId xmlns:a16="http://schemas.microsoft.com/office/drawing/2014/main" id="{48E2CEF5-8A16-D644-8267-83FA831E8481}"/>
+              </a:ext>
+            </a:extLst>
+          </p:cNvPr>
+          <p:cNvCxnSpPr>
+            <a:cxnSpLocks/>
+            <a:stCxn id="12" idx="0"/>
+            <a:endCxn id="13" idx="2"/>
+          </p:cNvCxnSpPr>
+          <p:nvPr/>
+        </p:nvCxnSpPr>
+        <p:spPr>
+          <a:xfrm flipV="1">
+            <a:off x="3314243" y="2651419"/>
+            <a:ext cx="0" cy="1064238"/>
+          </a:xfrm>
+          <a:prstGeom prst="straightConnector1">
+            <a:avLst/>
+          </a:prstGeom>
+          <a:ln>
+            <a:tailEnd type="triangle"/>
+          </a:ln>
+        </p:spPr>
+        <p:style>
+          <a:lnRef idx="1">
+            <a:schemeClr val="dk1"/>
+          </a:lnRef>
+          <a:fillRef idx="0">
+            <a:schemeClr val="dk1"/>
+          </a:fillRef>
+          <a:effectRef idx="0">
+            <a:schemeClr val="dk1"/>
+          </a:effectRef>
+          <a:fontRef idx="minor">
+            <a:schemeClr val="tx1"/>
+          </a:fontRef>
+        </p:style>
+      </p:cxnSp>
+      <p:cxnSp>
+        <p:nvCxnSpPr>
+          <p:cNvPr id="32" name="Elbow Connector 31">
+            <a:extLst>
+              <a:ext uri="{FF2B5EF4-FFF2-40B4-BE49-F238E27FC236}">
+                <a16:creationId xmlns:a16="http://schemas.microsoft.com/office/drawing/2014/main" id="{CBA9D0C1-E8F6-4A44-BB60-8BAAAF6A6179}"/>
+              </a:ext>
+            </a:extLst>
+          </p:cNvPr>
+          <p:cNvCxnSpPr>
+            <a:stCxn id="8" idx="1"/>
+            <a:endCxn id="11" idx="3"/>
+          </p:cNvCxnSpPr>
+          <p:nvPr/>
+        </p:nvCxnSpPr>
+        <p:spPr>
+          <a:xfrm rot="10800000">
+            <a:off x="6450613" y="2344532"/>
+            <a:ext cx="1099444" cy="839007"/>
+          </a:xfrm>
+          <a:prstGeom prst="bentConnector3">
+            <a:avLst>
+              <a:gd name="adj1" fmla="val 67593"/>
+            </a:avLst>
+          </a:prstGeom>
+          <a:ln>
+            <a:tailEnd type="triangle"/>
+          </a:ln>
+        </p:spPr>
+        <p:style>
+          <a:lnRef idx="1">
+            <a:schemeClr val="dk1"/>
+          </a:lnRef>
+          <a:fillRef idx="0">
+            <a:schemeClr val="dk1"/>
+          </a:fillRef>
+          <a:effectRef idx="0">
+            <a:schemeClr val="dk1"/>
+          </a:effectRef>
+          <a:fontRef idx="minor">
+            <a:schemeClr val="tx1"/>
+          </a:fontRef>
+        </p:style>
+      </p:cxnSp>
+      <p:cxnSp>
+        <p:nvCxnSpPr>
+          <p:cNvPr id="34" name="Elbow Connector 33">
+            <a:extLst>
+              <a:ext uri="{FF2B5EF4-FFF2-40B4-BE49-F238E27FC236}">
+                <a16:creationId xmlns:a16="http://schemas.microsoft.com/office/drawing/2014/main" id="{57A94BD1-E638-9742-A2DD-5AE336C6C3E7}"/>
+              </a:ext>
+            </a:extLst>
+          </p:cNvPr>
+          <p:cNvCxnSpPr>
+            <a:stCxn id="9" idx="3"/>
+            <a:endCxn id="10" idx="3"/>
+          </p:cNvCxnSpPr>
+          <p:nvPr/>
+        </p:nvCxnSpPr>
+        <p:spPr>
+          <a:xfrm flipV="1">
+            <a:off x="6450613" y="3183538"/>
+            <a:ext cx="12700" cy="839007"/>
+          </a:xfrm>
+          <a:prstGeom prst="bentConnector3">
+            <a:avLst>
+              <a:gd name="adj1" fmla="val 2802535"/>
+            </a:avLst>
+          </a:prstGeom>
+          <a:ln>
+            <a:headEnd type="triangle"/>
+            <a:tailEnd type="triangle"/>
+          </a:ln>
+        </p:spPr>
+        <p:style>
+          <a:lnRef idx="1">
+            <a:schemeClr val="dk1"/>
+          </a:lnRef>
+          <a:fillRef idx="0">
+            <a:schemeClr val="dk1"/>
+          </a:fillRef>
+          <a:effectRef idx="0">
+            <a:schemeClr val="dk1"/>
+          </a:effectRef>
+          <a:fontRef idx="minor">
+            <a:schemeClr val="tx1"/>
+          </a:fontRef>
+        </p:style>
+      </p:cxnSp>
+      <p:cxnSp>
+        <p:nvCxnSpPr>
+          <p:cNvPr id="36" name="Elbow Connector 35">
+            <a:extLst>
+              <a:ext uri="{FF2B5EF4-FFF2-40B4-BE49-F238E27FC236}">
+                <a16:creationId xmlns:a16="http://schemas.microsoft.com/office/drawing/2014/main" id="{1771E4E7-0F17-B44F-A465-66B866CF0C24}"/>
+              </a:ext>
+            </a:extLst>
+          </p:cNvPr>
+          <p:cNvCxnSpPr>
+            <a:cxnSpLocks/>
+            <a:stCxn id="11" idx="1"/>
+            <a:endCxn id="10" idx="1"/>
+          </p:cNvCxnSpPr>
+          <p:nvPr/>
+        </p:nvCxnSpPr>
+        <p:spPr>
+          <a:xfrm rot="10800000" flipV="1">
+            <a:off x="4834755" y="2344530"/>
+            <a:ext cx="12700" cy="839007"/>
+          </a:xfrm>
+          <a:prstGeom prst="bentConnector3">
+            <a:avLst>
+              <a:gd name="adj1" fmla="val 2880346"/>
+            </a:avLst>
+          </a:prstGeom>
+          <a:ln>
+            <a:tailEnd type="none"/>
+          </a:ln>
+        </p:spPr>
+        <p:style>
+          <a:lnRef idx="1">
+            <a:schemeClr val="dk1"/>
+          </a:lnRef>
+          <a:fillRef idx="0">
+            <a:schemeClr val="dk1"/>
+          </a:fillRef>
+          <a:effectRef idx="0">
+            <a:schemeClr val="dk1"/>
+          </a:effectRef>
+          <a:fontRef idx="minor">
+            <a:schemeClr val="tx1"/>
+          </a:fontRef>
+        </p:style>
+      </p:cxnSp>
+      <p:cxnSp>
+        <p:nvCxnSpPr>
+          <p:cNvPr id="47" name="Elbow Connector 46">
+            <a:extLst>
+              <a:ext uri="{FF2B5EF4-FFF2-40B4-BE49-F238E27FC236}">
+                <a16:creationId xmlns:a16="http://schemas.microsoft.com/office/drawing/2014/main" id="{F5D5A3C4-FB7C-8340-9C91-2FDD4FB9E1B1}"/>
+              </a:ext>
+            </a:extLst>
+          </p:cNvPr>
+          <p:cNvCxnSpPr>
+            <a:cxnSpLocks/>
+            <a:endCxn id="12" idx="3"/>
+          </p:cNvCxnSpPr>
+          <p:nvPr/>
+        </p:nvCxnSpPr>
+        <p:spPr>
+          <a:xfrm rot="5400000">
+            <a:off x="3880815" y="3424895"/>
+            <a:ext cx="839007" cy="356292"/>
+          </a:xfrm>
+          <a:prstGeom prst="bentConnector2">
+            <a:avLst/>
+          </a:prstGeom>
+          <a:ln>
+            <a:tailEnd type="triangle"/>
+          </a:ln>
+        </p:spPr>
+        <p:style>
+          <a:lnRef idx="1">
+            <a:schemeClr val="dk1"/>
+          </a:lnRef>
+          <a:fillRef idx="0">
+            <a:schemeClr val="dk1"/>
+          </a:fillRef>
+          <a:effectRef idx="0">
+            <a:schemeClr val="dk1"/>
+          </a:effectRef>
+          <a:fontRef idx="minor">
+            <a:schemeClr val="tx1"/>
+          </a:fontRef>
+        </p:style>
+      </p:cxnSp>
+      <p:cxnSp>
+        <p:nvCxnSpPr>
+          <p:cNvPr id="56" name="Straight Connector 55">
+            <a:extLst>
+              <a:ext uri="{FF2B5EF4-FFF2-40B4-BE49-F238E27FC236}">
+                <a16:creationId xmlns:a16="http://schemas.microsoft.com/office/drawing/2014/main" id="{17E89C51-8446-2749-9539-30187BC4DC82}"/>
+              </a:ext>
+            </a:extLst>
+          </p:cNvPr>
+          <p:cNvCxnSpPr>
+            <a:endCxn id="9" idx="1"/>
+          </p:cNvCxnSpPr>
+          <p:nvPr/>
+        </p:nvCxnSpPr>
+        <p:spPr>
+          <a:xfrm>
+            <a:off x="4478464" y="4022545"/>
+            <a:ext cx="356291" cy="0"/>
+          </a:xfrm>
+          <a:prstGeom prst="line">
+            <a:avLst/>
+          </a:prstGeom>
+        </p:spPr>
+        <p:style>
+          <a:lnRef idx="1">
+            <a:schemeClr val="dk1"/>
+          </a:lnRef>
+          <a:fillRef idx="0">
+            <a:schemeClr val="dk1"/>
+          </a:fillRef>
+          <a:effectRef idx="0">
+            <a:schemeClr val="dk1"/>
+          </a:effectRef>
+          <a:fontRef idx="minor">
+            <a:schemeClr val="tx1"/>
+          </a:fontRef>
+        </p:style>
+      </p:cxnSp>
+      <p:sp>
+        <p:nvSpPr>
+          <p:cNvPr id="57" name="TextBox 56">
+            <a:extLst>
+              <a:ext uri="{FF2B5EF4-FFF2-40B4-BE49-F238E27FC236}">
+                <a16:creationId xmlns:a16="http://schemas.microsoft.com/office/drawing/2014/main" id="{22213629-3882-8044-A1CC-1C804E399D9E}"/>
+              </a:ext>
+            </a:extLst>
+          </p:cNvPr>
+          <p:cNvSpPr txBox="1"/>
+          <p:nvPr/>
+        </p:nvSpPr>
+        <p:spPr>
+          <a:xfrm>
+            <a:off x="6830112" y="2764034"/>
+            <a:ext cx="707245" cy="430887"/>
+          </a:xfrm>
+          <a:prstGeom prst="rect">
+            <a:avLst/>
+          </a:prstGeom>
+          <a:noFill/>
+        </p:spPr>
+        <p:txBody>
+          <a:bodyPr wrap="none" rtlCol="0">
+            <a:spAutoFit/>
+          </a:bodyPr>
+          <a:lstStyle/>
+          <a:p>
+            <a:pPr algn="ctr"/>
+            <a:r>
+              <a:rPr lang="en-US" sz="1100" dirty="0"/>
+              <a:t>Task </a:t>
+            </a:r>
+          </a:p>
+          <a:p>
+            <a:pPr algn="ctr"/>
+            <a:r>
+              <a:rPr lang="en-US" sz="1100" dirty="0"/>
+              <a:t>Selection</a:t>
+            </a:r>
+          </a:p>
+        </p:txBody>
+      </p:sp>
+      <p:sp>
+        <p:nvSpPr>
+          <p:cNvPr id="62" name="TextBox 61">
+            <a:extLst>
+              <a:ext uri="{FF2B5EF4-FFF2-40B4-BE49-F238E27FC236}">
+                <a16:creationId xmlns:a16="http://schemas.microsoft.com/office/drawing/2014/main" id="{19BDFDE9-BF5E-0445-9080-B6995F702D44}"/>
+              </a:ext>
+            </a:extLst>
+          </p:cNvPr>
+          <p:cNvSpPr txBox="1"/>
+          <p:nvPr/>
+        </p:nvSpPr>
+        <p:spPr>
+          <a:xfrm>
+            <a:off x="2202878" y="808562"/>
+            <a:ext cx="356188" cy="276999"/>
+          </a:xfrm>
+          <a:prstGeom prst="rect">
+            <a:avLst/>
+          </a:prstGeom>
+          <a:noFill/>
+        </p:spPr>
+        <p:txBody>
+          <a:bodyPr wrap="none" rtlCol="0">
+            <a:spAutoFit/>
+          </a:bodyPr>
+          <a:lstStyle/>
+          <a:p>
+            <a:r>
+              <a:rPr lang="en-US" sz="1200" dirty="0"/>
+              <a:t>(1)</a:t>
+            </a:r>
+          </a:p>
+        </p:txBody>
+      </p:sp>
+      <p:sp>
+        <p:nvSpPr>
+          <p:cNvPr id="63" name="TextBox 62">
+            <a:extLst>
+              <a:ext uri="{FF2B5EF4-FFF2-40B4-BE49-F238E27FC236}">
+                <a16:creationId xmlns:a16="http://schemas.microsoft.com/office/drawing/2014/main" id="{40EE2277-7D13-9B4B-837A-C7367DBEE7F4}"/>
+              </a:ext>
+            </a:extLst>
+          </p:cNvPr>
+          <p:cNvSpPr txBox="1"/>
+          <p:nvPr/>
+        </p:nvSpPr>
+        <p:spPr>
+          <a:xfrm>
+            <a:off x="4520280" y="808561"/>
+            <a:ext cx="356188" cy="276999"/>
+          </a:xfrm>
+          <a:prstGeom prst="rect">
+            <a:avLst/>
+          </a:prstGeom>
+          <a:noFill/>
+        </p:spPr>
+        <p:txBody>
+          <a:bodyPr wrap="none" rtlCol="0">
+            <a:spAutoFit/>
+          </a:bodyPr>
+          <a:lstStyle/>
+          <a:p>
+            <a:r>
+              <a:rPr lang="en-US" sz="1200" dirty="0"/>
+              <a:t>(2)</a:t>
+            </a:r>
+          </a:p>
+        </p:txBody>
+      </p:sp>
+      <p:sp>
+        <p:nvSpPr>
+          <p:cNvPr id="64" name="TextBox 63">
+            <a:extLst>
+              <a:ext uri="{FF2B5EF4-FFF2-40B4-BE49-F238E27FC236}">
+                <a16:creationId xmlns:a16="http://schemas.microsoft.com/office/drawing/2014/main" id="{62BB508E-4945-5447-896A-329EF081162B}"/>
+              </a:ext>
+            </a:extLst>
+          </p:cNvPr>
+          <p:cNvSpPr txBox="1"/>
+          <p:nvPr/>
+        </p:nvSpPr>
+        <p:spPr>
+          <a:xfrm>
+            <a:off x="7246621" y="802775"/>
+            <a:ext cx="356188" cy="276999"/>
+          </a:xfrm>
+          <a:prstGeom prst="rect">
+            <a:avLst/>
+          </a:prstGeom>
+          <a:noFill/>
+        </p:spPr>
+        <p:txBody>
+          <a:bodyPr wrap="none" rtlCol="0">
+            <a:spAutoFit/>
+          </a:bodyPr>
+          <a:lstStyle/>
+          <a:p>
+            <a:r>
+              <a:rPr lang="en-US" sz="1200" dirty="0"/>
+              <a:t>(3)</a:t>
+            </a:r>
+          </a:p>
+        </p:txBody>
+      </p:sp>
+      <p:sp>
+        <p:nvSpPr>
+          <p:cNvPr id="65" name="TextBox 64">
+            <a:extLst>
+              <a:ext uri="{FF2B5EF4-FFF2-40B4-BE49-F238E27FC236}">
+                <a16:creationId xmlns:a16="http://schemas.microsoft.com/office/drawing/2014/main" id="{58C65D75-1E73-C143-AB0A-F2DF83E2067A}"/>
+              </a:ext>
+            </a:extLst>
+          </p:cNvPr>
+          <p:cNvSpPr txBox="1"/>
+          <p:nvPr/>
+        </p:nvSpPr>
+        <p:spPr>
+          <a:xfrm>
+            <a:off x="7246621" y="2085073"/>
+            <a:ext cx="356188" cy="276999"/>
+          </a:xfrm>
+          <a:prstGeom prst="rect">
+            <a:avLst/>
+          </a:prstGeom>
+          <a:noFill/>
+        </p:spPr>
+        <p:txBody>
+          <a:bodyPr wrap="none" rtlCol="0">
+            <a:spAutoFit/>
+          </a:bodyPr>
+          <a:lstStyle/>
+          <a:p>
+            <a:r>
+              <a:rPr lang="en-US" sz="1200" dirty="0"/>
+              <a:t>(4)</a:t>
+            </a:r>
+          </a:p>
+        </p:txBody>
+      </p:sp>
+      <p:sp>
+        <p:nvSpPr>
+          <p:cNvPr id="66" name="TextBox 65">
+            <a:extLst>
+              <a:ext uri="{FF2B5EF4-FFF2-40B4-BE49-F238E27FC236}">
+                <a16:creationId xmlns:a16="http://schemas.microsoft.com/office/drawing/2014/main" id="{FCBFACEC-246D-1F4D-9A33-7D33EA8BE075}"/>
+              </a:ext>
+            </a:extLst>
+          </p:cNvPr>
+          <p:cNvSpPr txBox="1"/>
+          <p:nvPr/>
+        </p:nvSpPr>
+        <p:spPr>
+          <a:xfrm>
+            <a:off x="4520726" y="1895013"/>
+            <a:ext cx="356188" cy="276999"/>
+          </a:xfrm>
+          <a:prstGeom prst="rect">
+            <a:avLst/>
+          </a:prstGeom>
+          <a:noFill/>
+        </p:spPr>
+        <p:txBody>
+          <a:bodyPr wrap="none" rtlCol="0">
+            <a:spAutoFit/>
+          </a:bodyPr>
+          <a:lstStyle/>
+          <a:p>
+            <a:r>
+              <a:rPr lang="en-US" sz="1200" dirty="0"/>
+              <a:t>(5)</a:t>
+            </a:r>
+          </a:p>
+        </p:txBody>
+      </p:sp>
+      <p:sp>
+        <p:nvSpPr>
+          <p:cNvPr id="67" name="TextBox 66">
+            <a:extLst>
+              <a:ext uri="{FF2B5EF4-FFF2-40B4-BE49-F238E27FC236}">
+                <a16:creationId xmlns:a16="http://schemas.microsoft.com/office/drawing/2014/main" id="{EED74A07-960C-9745-816D-644BDE1D102D}"/>
+              </a:ext>
+            </a:extLst>
+          </p:cNvPr>
+          <p:cNvSpPr txBox="1"/>
+          <p:nvPr/>
+        </p:nvSpPr>
+        <p:spPr>
+          <a:xfrm>
+            <a:off x="4520280" y="2738150"/>
+            <a:ext cx="356188" cy="276999"/>
+          </a:xfrm>
+          <a:prstGeom prst="rect">
+            <a:avLst/>
+          </a:prstGeom>
+          <a:noFill/>
+        </p:spPr>
+        <p:txBody>
+          <a:bodyPr wrap="none" rtlCol="0">
+            <a:spAutoFit/>
+          </a:bodyPr>
+          <a:lstStyle/>
+          <a:p>
+            <a:r>
+              <a:rPr lang="en-US" sz="1200" dirty="0"/>
+              <a:t>(6)</a:t>
+            </a:r>
+          </a:p>
+        </p:txBody>
+      </p:sp>
+      <p:sp>
+        <p:nvSpPr>
+          <p:cNvPr id="68" name="TextBox 67">
+            <a:extLst>
+              <a:ext uri="{FF2B5EF4-FFF2-40B4-BE49-F238E27FC236}">
+                <a16:creationId xmlns:a16="http://schemas.microsoft.com/office/drawing/2014/main" id="{AF7E8343-1092-6441-8A1D-86CA9D820D5C}"/>
+              </a:ext>
+            </a:extLst>
+          </p:cNvPr>
+          <p:cNvSpPr txBox="1"/>
+          <p:nvPr/>
+        </p:nvSpPr>
+        <p:spPr>
+          <a:xfrm>
+            <a:off x="4514769" y="3579087"/>
+            <a:ext cx="356188" cy="276999"/>
+          </a:xfrm>
+          <a:prstGeom prst="rect">
+            <a:avLst/>
+          </a:prstGeom>
+          <a:noFill/>
+        </p:spPr>
+        <p:txBody>
+          <a:bodyPr wrap="none" rtlCol="0">
+            <a:spAutoFit/>
+          </a:bodyPr>
+          <a:lstStyle/>
+          <a:p>
+            <a:r>
+              <a:rPr lang="en-US" sz="1200" dirty="0"/>
+              <a:t>(7)</a:t>
+            </a:r>
+          </a:p>
+        </p:txBody>
+      </p:sp>
+      <p:sp>
+        <p:nvSpPr>
+          <p:cNvPr id="69" name="TextBox 68">
+            <a:extLst>
+              <a:ext uri="{FF2B5EF4-FFF2-40B4-BE49-F238E27FC236}">
+                <a16:creationId xmlns:a16="http://schemas.microsoft.com/office/drawing/2014/main" id="{0C96C855-B67E-C249-B177-4CCEF058CADE}"/>
+              </a:ext>
+            </a:extLst>
+          </p:cNvPr>
+          <p:cNvSpPr txBox="1"/>
+          <p:nvPr/>
+        </p:nvSpPr>
+        <p:spPr>
+          <a:xfrm>
+            <a:off x="2202878" y="3577157"/>
+            <a:ext cx="356188" cy="276999"/>
+          </a:xfrm>
+          <a:prstGeom prst="rect">
+            <a:avLst/>
+          </a:prstGeom>
+          <a:noFill/>
+        </p:spPr>
+        <p:txBody>
+          <a:bodyPr wrap="none" rtlCol="0">
+            <a:spAutoFit/>
+          </a:bodyPr>
+          <a:lstStyle/>
+          <a:p>
+            <a:r>
+              <a:rPr lang="en-US" sz="1200" dirty="0"/>
+              <a:t>(8)</a:t>
+            </a:r>
+          </a:p>
+        </p:txBody>
+      </p:sp>
+      <p:sp>
+        <p:nvSpPr>
+          <p:cNvPr id="70" name="TextBox 69">
+            <a:extLst>
+              <a:ext uri="{FF2B5EF4-FFF2-40B4-BE49-F238E27FC236}">
+                <a16:creationId xmlns:a16="http://schemas.microsoft.com/office/drawing/2014/main" id="{C830F7A1-1FBB-8147-8B28-0C8C8BCB365E}"/>
+              </a:ext>
+            </a:extLst>
+          </p:cNvPr>
+          <p:cNvSpPr txBox="1"/>
+          <p:nvPr/>
+        </p:nvSpPr>
+        <p:spPr>
+          <a:xfrm>
+            <a:off x="2199612" y="1906068"/>
+            <a:ext cx="356188" cy="276999"/>
+          </a:xfrm>
+          <a:prstGeom prst="rect">
+            <a:avLst/>
+          </a:prstGeom>
+          <a:noFill/>
+        </p:spPr>
+        <p:txBody>
+          <a:bodyPr wrap="none" rtlCol="0">
+            <a:spAutoFit/>
+          </a:bodyPr>
+          <a:lstStyle/>
+          <a:p>
+            <a:r>
+              <a:rPr lang="en-US" sz="1200" dirty="0"/>
+              <a:t>(9)</a:t>
+            </a:r>
+          </a:p>
+        </p:txBody>
+      </p:sp>
+    </p:spTree>
+    <p:extLst>
+      <p:ext uri="{BB962C8B-B14F-4D97-AF65-F5344CB8AC3E}">
+        <p14:creationId xmlns:p14="http://schemas.microsoft.com/office/powerpoint/2010/main" val="630899971"/>
+      </p:ext>
+    </p:extLst>
+  </p:cSld>
+  <p:clrMapOvr>
+    <a:masterClrMapping/>
+  </p:clrMapOvr>
+</p:sld>
+</file>
+
+<file path=ppt/slides/slide3.xml><?xml version="1.0" encoding="utf-8"?>
+<p:sld xmlns:a="http://schemas.openxmlformats.org/drawingml/2006/main" xmlns:r="http://schemas.openxmlformats.org/officeDocument/2006/relationships" xmlns:p="http://schemas.openxmlformats.org/presentationml/2006/main">
+  <p:cSld>
+    <p:spTree>
+      <p:nvGrpSpPr>
+        <p:cNvPr id="1" name=""/>
+        <p:cNvGrpSpPr/>
+        <p:nvPr/>
+      </p:nvGrpSpPr>
+      <p:grpSpPr>
+        <a:xfrm>
+          <a:off x="0" y="0"/>
+          <a:ext cx="0" cy="0"/>
+          <a:chOff x="0" y="0"/>
+          <a:chExt cx="0" cy="0"/>
+        </a:xfrm>
+      </p:grpSpPr>
+      <p:cxnSp>
+        <p:nvCxnSpPr>
+          <p:cNvPr id="5" name="Straight Arrow Connector 4">
+            <a:extLst>
+              <a:ext uri="{FF2B5EF4-FFF2-40B4-BE49-F238E27FC236}">
+                <a16:creationId xmlns:a16="http://schemas.microsoft.com/office/drawing/2014/main" id="{BD26585E-3CF8-4347-A253-31A607960A84}"/>
+              </a:ext>
+            </a:extLst>
+          </p:cNvPr>
+          <p:cNvCxnSpPr>
+            <a:cxnSpLocks/>
+          </p:cNvCxnSpPr>
+          <p:nvPr/>
+        </p:nvCxnSpPr>
+        <p:spPr>
+          <a:xfrm>
+            <a:off x="2018371" y="2852482"/>
+            <a:ext cx="5374888" cy="0"/>
+          </a:xfrm>
+          <a:prstGeom prst="straightConnector1">
+            <a:avLst/>
+          </a:prstGeom>
+          <a:ln w="22225">
+            <a:tailEnd type="triangle"/>
+          </a:ln>
+        </p:spPr>
+        <p:style>
+          <a:lnRef idx="1">
+            <a:schemeClr val="dk1"/>
+          </a:lnRef>
+          <a:fillRef idx="0">
+            <a:schemeClr val="dk1"/>
+          </a:fillRef>
+          <a:effectRef idx="0">
+            <a:schemeClr val="dk1"/>
+          </a:effectRef>
+          <a:fontRef idx="minor">
+            <a:schemeClr val="tx1"/>
+          </a:fontRef>
+        </p:style>
+      </p:cxnSp>
+      <p:cxnSp>
+        <p:nvCxnSpPr>
+          <p:cNvPr id="10" name="Straight Connector 9">
+            <a:extLst>
+              <a:ext uri="{FF2B5EF4-FFF2-40B4-BE49-F238E27FC236}">
+                <a16:creationId xmlns:a16="http://schemas.microsoft.com/office/drawing/2014/main" id="{D47B120F-6D8F-B646-B7A2-7D996BDC04F7}"/>
+              </a:ext>
+            </a:extLst>
+          </p:cNvPr>
+          <p:cNvCxnSpPr/>
+          <p:nvPr/>
+        </p:nvCxnSpPr>
+        <p:spPr>
+          <a:xfrm>
+            <a:off x="2185640" y="2653990"/>
+            <a:ext cx="0" cy="245327"/>
+          </a:xfrm>
+          <a:prstGeom prst="line">
+            <a:avLst/>
+          </a:prstGeom>
+          <a:ln w="19050"/>
+        </p:spPr>
+        <p:style>
+          <a:lnRef idx="1">
+            <a:schemeClr val="dk1"/>
+          </a:lnRef>
+          <a:fillRef idx="0">
+            <a:schemeClr val="dk1"/>
+          </a:fillRef>
+          <a:effectRef idx="0">
+            <a:schemeClr val="dk1"/>
+          </a:effectRef>
+          <a:fontRef idx="minor">
+            <a:schemeClr val="tx1"/>
+          </a:fontRef>
+        </p:style>
+      </p:cxnSp>
+      <p:grpSp>
+        <p:nvGrpSpPr>
+          <p:cNvPr id="13" name="Group 12">
+            <a:extLst>
+              <a:ext uri="{FF2B5EF4-FFF2-40B4-BE49-F238E27FC236}">
+                <a16:creationId xmlns:a16="http://schemas.microsoft.com/office/drawing/2014/main" id="{CFA8CD03-3FBA-F54A-B186-26855626D1AF}"/>
+              </a:ext>
+            </a:extLst>
+          </p:cNvPr>
+          <p:cNvGrpSpPr/>
+          <p:nvPr/>
+        </p:nvGrpSpPr>
+        <p:grpSpPr>
+          <a:xfrm>
+            <a:off x="1971314" y="1734168"/>
+            <a:ext cx="450764" cy="808310"/>
+            <a:chOff x="1971314" y="1734168"/>
+            <a:chExt cx="450764" cy="808310"/>
+          </a:xfrm>
+        </p:grpSpPr>
+        <p:cxnSp>
+          <p:nvCxnSpPr>
+            <p:cNvPr id="7" name="Straight Arrow Connector 6">
+              <a:extLst>
+                <a:ext uri="{FF2B5EF4-FFF2-40B4-BE49-F238E27FC236}">
+                  <a16:creationId xmlns:a16="http://schemas.microsoft.com/office/drawing/2014/main" id="{7B42F1D4-97BE-3D45-9B1D-4123CD7B9FDD}"/>
+                </a:ext>
+              </a:extLst>
+            </p:cNvPr>
+            <p:cNvCxnSpPr>
+              <a:cxnSpLocks/>
+            </p:cNvCxnSpPr>
+            <p:nvPr/>
+          </p:nvCxnSpPr>
+          <p:spPr>
+            <a:xfrm>
+              <a:off x="2185640" y="2152185"/>
+              <a:ext cx="0" cy="390293"/>
+            </a:xfrm>
+            <a:prstGeom prst="straightConnector1">
+              <a:avLst/>
+            </a:prstGeom>
+            <a:ln>
+              <a:tailEnd type="stealth"/>
+            </a:ln>
+          </p:spPr>
+          <p:style>
+            <a:lnRef idx="1">
+              <a:schemeClr val="dk1"/>
+            </a:lnRef>
+            <a:fillRef idx="0">
+              <a:schemeClr val="dk1"/>
+            </a:fillRef>
+            <a:effectRef idx="0">
+              <a:schemeClr val="dk1"/>
+            </a:effectRef>
+            <a:fontRef idx="minor">
+              <a:schemeClr val="tx1"/>
+            </a:fontRef>
+          </p:style>
+        </p:cxnSp>
+        <p:sp>
+          <p:nvSpPr>
+            <p:cNvPr id="12" name="TextBox 11">
+              <a:extLst>
+                <a:ext uri="{FF2B5EF4-FFF2-40B4-BE49-F238E27FC236}">
+                  <a16:creationId xmlns:a16="http://schemas.microsoft.com/office/drawing/2014/main" id="{35EFEB2C-1EA8-2A4F-BDE9-D72FC80C50C1}"/>
+                </a:ext>
+              </a:extLst>
+            </p:cNvPr>
+            <p:cNvSpPr txBox="1"/>
+            <p:nvPr/>
+          </p:nvSpPr>
+          <p:spPr>
+            <a:xfrm>
+              <a:off x="1971314" y="1734168"/>
+              <a:ext cx="450764" cy="307777"/>
+            </a:xfrm>
+            <a:prstGeom prst="rect">
+              <a:avLst/>
+            </a:prstGeom>
+            <a:noFill/>
+          </p:spPr>
+          <p:txBody>
+            <a:bodyPr wrap="none" rtlCol="0">
+              <a:spAutoFit/>
+            </a:bodyPr>
+            <a:lstStyle/>
+            <a:p>
+              <a:r>
+                <a:rPr lang="en-US" sz="1400" dirty="0"/>
+                <a:t>Call</a:t>
+              </a:r>
+            </a:p>
+          </p:txBody>
+        </p:sp>
+      </p:grpSp>
+      <p:cxnSp>
+        <p:nvCxnSpPr>
+          <p:cNvPr id="14" name="Straight Connector 13">
+            <a:extLst>
+              <a:ext uri="{FF2B5EF4-FFF2-40B4-BE49-F238E27FC236}">
+                <a16:creationId xmlns:a16="http://schemas.microsoft.com/office/drawing/2014/main" id="{BAD0AB84-B7C7-5D4B-AFA8-99438BFE4D32}"/>
+              </a:ext>
+            </a:extLst>
+          </p:cNvPr>
+          <p:cNvCxnSpPr/>
+          <p:nvPr/>
+        </p:nvCxnSpPr>
+        <p:spPr>
+          <a:xfrm>
+            <a:off x="3174381" y="2653989"/>
+            <a:ext cx="0" cy="245327"/>
+          </a:xfrm>
+          <a:prstGeom prst="line">
+            <a:avLst/>
+          </a:prstGeom>
+          <a:ln w="19050"/>
+        </p:spPr>
+        <p:style>
+          <a:lnRef idx="1">
+            <a:schemeClr val="dk1"/>
+          </a:lnRef>
+          <a:fillRef idx="0">
+            <a:schemeClr val="dk1"/>
+          </a:fillRef>
+          <a:effectRef idx="0">
+            <a:schemeClr val="dk1"/>
+          </a:effectRef>
+          <a:fontRef idx="minor">
+            <a:schemeClr val="tx1"/>
+          </a:fontRef>
+        </p:style>
+      </p:cxnSp>
+      <p:grpSp>
+        <p:nvGrpSpPr>
+          <p:cNvPr id="15" name="Group 14">
+            <a:extLst>
+              <a:ext uri="{FF2B5EF4-FFF2-40B4-BE49-F238E27FC236}">
+                <a16:creationId xmlns:a16="http://schemas.microsoft.com/office/drawing/2014/main" id="{690399AD-A26E-D540-8E8D-27721D04DF66}"/>
+              </a:ext>
+            </a:extLst>
+          </p:cNvPr>
+          <p:cNvGrpSpPr/>
+          <p:nvPr/>
+        </p:nvGrpSpPr>
+        <p:grpSpPr>
+          <a:xfrm>
+            <a:off x="2907545" y="1691794"/>
+            <a:ext cx="538930" cy="845779"/>
+            <a:chOff x="1918804" y="1696699"/>
+            <a:chExt cx="538930" cy="845779"/>
+          </a:xfrm>
+        </p:grpSpPr>
+        <p:cxnSp>
+          <p:nvCxnSpPr>
+            <p:cNvPr id="16" name="Straight Arrow Connector 15">
+              <a:extLst>
+                <a:ext uri="{FF2B5EF4-FFF2-40B4-BE49-F238E27FC236}">
+                  <a16:creationId xmlns:a16="http://schemas.microsoft.com/office/drawing/2014/main" id="{0EDD2F99-F1ED-FB4D-9756-96D2D362C0BE}"/>
+                </a:ext>
+              </a:extLst>
+            </p:cNvPr>
+            <p:cNvCxnSpPr>
+              <a:cxnSpLocks/>
+            </p:cNvCxnSpPr>
+            <p:nvPr/>
+          </p:nvCxnSpPr>
+          <p:spPr>
+            <a:xfrm>
+              <a:off x="2185640" y="2152185"/>
+              <a:ext cx="0" cy="390293"/>
+            </a:xfrm>
+            <a:prstGeom prst="straightConnector1">
+              <a:avLst/>
+            </a:prstGeom>
+            <a:ln>
+              <a:tailEnd type="stealth"/>
+            </a:ln>
+          </p:spPr>
+          <p:style>
+            <a:lnRef idx="1">
+              <a:schemeClr val="dk1"/>
+            </a:lnRef>
+            <a:fillRef idx="0">
+              <a:schemeClr val="dk1"/>
+            </a:fillRef>
+            <a:effectRef idx="0">
+              <a:schemeClr val="dk1"/>
+            </a:effectRef>
+            <a:fontRef idx="minor">
+              <a:schemeClr val="tx1"/>
+            </a:fontRef>
+          </p:style>
+        </p:cxnSp>
+        <p:sp>
+          <p:nvSpPr>
+            <p:cNvPr id="17" name="TextBox 16">
+              <a:extLst>
+                <a:ext uri="{FF2B5EF4-FFF2-40B4-BE49-F238E27FC236}">
+                  <a16:creationId xmlns:a16="http://schemas.microsoft.com/office/drawing/2014/main" id="{DDC20912-6C2E-AC4E-B674-72227C47FF95}"/>
+                </a:ext>
+              </a:extLst>
+            </p:cNvPr>
+            <p:cNvSpPr txBox="1"/>
+            <p:nvPr/>
+          </p:nvSpPr>
+          <p:spPr>
+            <a:xfrm>
+              <a:off x="1918804" y="1696699"/>
+              <a:ext cx="538930" cy="523220"/>
+            </a:xfrm>
+            <a:prstGeom prst="rect">
+              <a:avLst/>
+            </a:prstGeom>
+            <a:noFill/>
+          </p:spPr>
+          <p:txBody>
+            <a:bodyPr wrap="none" rtlCol="0">
+              <a:spAutoFit/>
+            </a:bodyPr>
+            <a:lstStyle/>
+            <a:p>
+              <a:r>
+                <a:rPr lang="en-US" sz="1400" dirty="0"/>
+                <a:t>First </a:t>
+              </a:r>
+            </a:p>
+            <a:p>
+              <a:r>
+                <a:rPr lang="en-US" sz="1400" dirty="0"/>
+                <a:t>echo</a:t>
+              </a:r>
+            </a:p>
+          </p:txBody>
+        </p:sp>
+      </p:grpSp>
+      <p:grpSp>
+        <p:nvGrpSpPr>
+          <p:cNvPr id="18" name="Group 17">
+            <a:extLst>
+              <a:ext uri="{FF2B5EF4-FFF2-40B4-BE49-F238E27FC236}">
+                <a16:creationId xmlns:a16="http://schemas.microsoft.com/office/drawing/2014/main" id="{425325AC-CDC1-5148-B022-9CE4F2B8CF95}"/>
+              </a:ext>
+            </a:extLst>
+          </p:cNvPr>
+          <p:cNvGrpSpPr/>
+          <p:nvPr/>
+        </p:nvGrpSpPr>
+        <p:grpSpPr>
+          <a:xfrm>
+            <a:off x="3427715" y="1698618"/>
+            <a:ext cx="538930" cy="838955"/>
+            <a:chOff x="1918804" y="1703523"/>
+            <a:chExt cx="538930" cy="838955"/>
+          </a:xfrm>
+        </p:grpSpPr>
+        <p:cxnSp>
+          <p:nvCxnSpPr>
+            <p:cNvPr id="19" name="Straight Arrow Connector 18">
+              <a:extLst>
+                <a:ext uri="{FF2B5EF4-FFF2-40B4-BE49-F238E27FC236}">
+                  <a16:creationId xmlns:a16="http://schemas.microsoft.com/office/drawing/2014/main" id="{400D2A06-A49C-FF48-AACC-F9A621CD716C}"/>
+                </a:ext>
+              </a:extLst>
+            </p:cNvPr>
+            <p:cNvCxnSpPr>
+              <a:cxnSpLocks/>
+            </p:cNvCxnSpPr>
+            <p:nvPr/>
+          </p:nvCxnSpPr>
+          <p:spPr>
+            <a:xfrm>
+              <a:off x="2185640" y="2152185"/>
+              <a:ext cx="0" cy="390293"/>
+            </a:xfrm>
+            <a:prstGeom prst="straightConnector1">
+              <a:avLst/>
+            </a:prstGeom>
+            <a:ln>
+              <a:tailEnd type="stealth"/>
+            </a:ln>
+          </p:spPr>
+          <p:style>
+            <a:lnRef idx="1">
+              <a:schemeClr val="dk1"/>
+            </a:lnRef>
+            <a:fillRef idx="0">
+              <a:schemeClr val="dk1"/>
+            </a:fillRef>
+            <a:effectRef idx="0">
+              <a:schemeClr val="dk1"/>
+            </a:effectRef>
+            <a:fontRef idx="minor">
+              <a:schemeClr val="tx1"/>
+            </a:fontRef>
+          </p:style>
+        </p:cxnSp>
+        <p:sp>
+          <p:nvSpPr>
+            <p:cNvPr id="20" name="TextBox 19">
+              <a:extLst>
+                <a:ext uri="{FF2B5EF4-FFF2-40B4-BE49-F238E27FC236}">
+                  <a16:creationId xmlns:a16="http://schemas.microsoft.com/office/drawing/2014/main" id="{7459FF15-6D31-FC49-869C-2AE520C4A9E3}"/>
+                </a:ext>
+              </a:extLst>
+            </p:cNvPr>
+            <p:cNvSpPr txBox="1"/>
+            <p:nvPr/>
+          </p:nvSpPr>
+          <p:spPr>
+            <a:xfrm>
+              <a:off x="1918804" y="1703523"/>
+              <a:ext cx="538930" cy="523220"/>
+            </a:xfrm>
+            <a:prstGeom prst="rect">
+              <a:avLst/>
+            </a:prstGeom>
+            <a:noFill/>
+          </p:spPr>
+          <p:txBody>
+            <a:bodyPr wrap="none" rtlCol="0">
+              <a:spAutoFit/>
+            </a:bodyPr>
+            <a:lstStyle/>
+            <a:p>
+              <a:r>
+                <a:rPr lang="en-US" sz="1400" dirty="0"/>
+                <a:t>Last </a:t>
+              </a:r>
+            </a:p>
+            <a:p>
+              <a:r>
+                <a:rPr lang="en-US" sz="1400" dirty="0"/>
+                <a:t>echo</a:t>
+              </a:r>
+            </a:p>
+          </p:txBody>
+        </p:sp>
+      </p:grpSp>
+      <p:cxnSp>
+        <p:nvCxnSpPr>
+          <p:cNvPr id="21" name="Straight Connector 20">
+            <a:extLst>
+              <a:ext uri="{FF2B5EF4-FFF2-40B4-BE49-F238E27FC236}">
+                <a16:creationId xmlns:a16="http://schemas.microsoft.com/office/drawing/2014/main" id="{1E5126FB-3677-DE48-A99D-02EB1F078432}"/>
+              </a:ext>
+            </a:extLst>
+          </p:cNvPr>
+          <p:cNvCxnSpPr>
+            <a:cxnSpLocks/>
+          </p:cNvCxnSpPr>
+          <p:nvPr/>
+        </p:nvCxnSpPr>
+        <p:spPr>
+          <a:xfrm>
+            <a:off x="3687117" y="2661421"/>
+            <a:ext cx="0" cy="245327"/>
+          </a:xfrm>
+          <a:prstGeom prst="line">
+            <a:avLst/>
+          </a:prstGeom>
+          <a:ln w="19050"/>
+        </p:spPr>
+        <p:style>
+          <a:lnRef idx="1">
+            <a:schemeClr val="dk1"/>
+          </a:lnRef>
+          <a:fillRef idx="0">
+            <a:schemeClr val="dk1"/>
+          </a:fillRef>
+          <a:effectRef idx="0">
+            <a:schemeClr val="dk1"/>
+          </a:effectRef>
+          <a:fontRef idx="minor">
+            <a:schemeClr val="tx1"/>
+          </a:fontRef>
+        </p:style>
+      </p:cxnSp>
+      <p:cxnSp>
+        <p:nvCxnSpPr>
+          <p:cNvPr id="23" name="Straight Connector 22">
+            <a:extLst>
+              <a:ext uri="{FF2B5EF4-FFF2-40B4-BE49-F238E27FC236}">
+                <a16:creationId xmlns:a16="http://schemas.microsoft.com/office/drawing/2014/main" id="{1FB4B133-5F14-F64E-840E-D2D020F08AF9}"/>
+              </a:ext>
+            </a:extLst>
+          </p:cNvPr>
+          <p:cNvCxnSpPr>
+            <a:cxnSpLocks/>
+          </p:cNvCxnSpPr>
+          <p:nvPr/>
+        </p:nvCxnSpPr>
+        <p:spPr>
+          <a:xfrm>
+            <a:off x="2185639" y="2899316"/>
+            <a:ext cx="0" cy="724830"/>
+          </a:xfrm>
+          <a:prstGeom prst="line">
+            <a:avLst/>
+          </a:prstGeom>
+          <a:ln>
+            <a:prstDash val="dash"/>
+          </a:ln>
+        </p:spPr>
+        <p:style>
+          <a:lnRef idx="1">
+            <a:schemeClr val="dk1"/>
+          </a:lnRef>
+          <a:fillRef idx="0">
+            <a:schemeClr val="dk1"/>
+          </a:fillRef>
+          <a:effectRef idx="0">
+            <a:schemeClr val="dk1"/>
+          </a:effectRef>
+          <a:fontRef idx="minor">
+            <a:schemeClr val="tx1"/>
+          </a:fontRef>
+        </p:style>
+      </p:cxnSp>
+      <p:cxnSp>
+        <p:nvCxnSpPr>
+          <p:cNvPr id="28" name="Straight Connector 27">
+            <a:extLst>
+              <a:ext uri="{FF2B5EF4-FFF2-40B4-BE49-F238E27FC236}">
+                <a16:creationId xmlns:a16="http://schemas.microsoft.com/office/drawing/2014/main" id="{57E52B7D-6ED6-0C46-8107-5B4306E3AA8C}"/>
+              </a:ext>
+            </a:extLst>
+          </p:cNvPr>
+          <p:cNvCxnSpPr/>
+          <p:nvPr/>
+        </p:nvCxnSpPr>
+        <p:spPr>
+          <a:xfrm>
+            <a:off x="2185639" y="3592922"/>
+            <a:ext cx="0" cy="245327"/>
+          </a:xfrm>
+          <a:prstGeom prst="line">
+            <a:avLst/>
+          </a:prstGeom>
+        </p:spPr>
+        <p:style>
+          <a:lnRef idx="1">
+            <a:schemeClr val="dk1"/>
+          </a:lnRef>
+          <a:fillRef idx="0">
+            <a:schemeClr val="dk1"/>
+          </a:fillRef>
+          <a:effectRef idx="0">
+            <a:schemeClr val="dk1"/>
+          </a:effectRef>
+          <a:fontRef idx="minor">
+            <a:schemeClr val="tx1"/>
+          </a:fontRef>
+        </p:style>
+      </p:cxnSp>
+      <p:cxnSp>
+        <p:nvCxnSpPr>
+          <p:cNvPr id="29" name="Straight Connector 28">
+            <a:extLst>
+              <a:ext uri="{FF2B5EF4-FFF2-40B4-BE49-F238E27FC236}">
+                <a16:creationId xmlns:a16="http://schemas.microsoft.com/office/drawing/2014/main" id="{ED4F5B29-5E1E-894C-81A8-0E4ABFC41CEC}"/>
+              </a:ext>
+            </a:extLst>
+          </p:cNvPr>
+          <p:cNvCxnSpPr>
+            <a:cxnSpLocks/>
+          </p:cNvCxnSpPr>
+          <p:nvPr/>
+        </p:nvCxnSpPr>
+        <p:spPr>
+          <a:xfrm>
+            <a:off x="3174381" y="2906748"/>
+            <a:ext cx="0" cy="724830"/>
+          </a:xfrm>
+          <a:prstGeom prst="line">
+            <a:avLst/>
+          </a:prstGeom>
+          <a:ln>
+            <a:prstDash val="dash"/>
+          </a:ln>
+        </p:spPr>
+        <p:style>
+          <a:lnRef idx="1">
+            <a:schemeClr val="dk1"/>
+          </a:lnRef>
+          <a:fillRef idx="0">
+            <a:schemeClr val="dk1"/>
+          </a:fillRef>
+          <a:effectRef idx="0">
+            <a:schemeClr val="dk1"/>
+          </a:effectRef>
+          <a:fontRef idx="minor">
+            <a:schemeClr val="tx1"/>
+          </a:fontRef>
+        </p:style>
+      </p:cxnSp>
+      <p:cxnSp>
+        <p:nvCxnSpPr>
+          <p:cNvPr id="30" name="Straight Connector 29">
+            <a:extLst>
+              <a:ext uri="{FF2B5EF4-FFF2-40B4-BE49-F238E27FC236}">
+                <a16:creationId xmlns:a16="http://schemas.microsoft.com/office/drawing/2014/main" id="{83DEE2FD-DC8F-9E4A-B01A-AEC6FCCF52D7}"/>
+              </a:ext>
+            </a:extLst>
+          </p:cNvPr>
+          <p:cNvCxnSpPr/>
+          <p:nvPr/>
+        </p:nvCxnSpPr>
+        <p:spPr>
+          <a:xfrm>
+            <a:off x="3174381" y="3600354"/>
+            <a:ext cx="0" cy="245327"/>
+          </a:xfrm>
+          <a:prstGeom prst="line">
+            <a:avLst/>
+          </a:prstGeom>
+        </p:spPr>
+        <p:style>
+          <a:lnRef idx="1">
+            <a:schemeClr val="dk1"/>
+          </a:lnRef>
+          <a:fillRef idx="0">
+            <a:schemeClr val="dk1"/>
+          </a:fillRef>
+          <a:effectRef idx="0">
+            <a:schemeClr val="dk1"/>
+          </a:effectRef>
+          <a:fontRef idx="minor">
+            <a:schemeClr val="tx1"/>
+          </a:fontRef>
+        </p:style>
+      </p:cxnSp>
+      <p:grpSp>
+        <p:nvGrpSpPr>
+          <p:cNvPr id="39" name="Group 38">
+            <a:extLst>
+              <a:ext uri="{FF2B5EF4-FFF2-40B4-BE49-F238E27FC236}">
+                <a16:creationId xmlns:a16="http://schemas.microsoft.com/office/drawing/2014/main" id="{36D0CD00-2A82-9346-BBDA-7EA5E24DDCBC}"/>
+              </a:ext>
+            </a:extLst>
+          </p:cNvPr>
+          <p:cNvGrpSpPr/>
+          <p:nvPr/>
+        </p:nvGrpSpPr>
+        <p:grpSpPr>
+          <a:xfrm>
+            <a:off x="5713142" y="2668852"/>
+            <a:ext cx="0" cy="1184260"/>
+            <a:chOff x="5713142" y="2668852"/>
+            <a:chExt cx="0" cy="1184260"/>
+          </a:xfrm>
+        </p:grpSpPr>
+        <p:cxnSp>
+          <p:nvCxnSpPr>
+            <p:cNvPr id="26" name="Straight Connector 25">
+              <a:extLst>
+                <a:ext uri="{FF2B5EF4-FFF2-40B4-BE49-F238E27FC236}">
+                  <a16:creationId xmlns:a16="http://schemas.microsoft.com/office/drawing/2014/main" id="{F1C53554-2A61-6B4A-B13C-AF4F784E15C4}"/>
+                </a:ext>
+              </a:extLst>
+            </p:cNvPr>
+            <p:cNvCxnSpPr/>
+            <p:nvPr/>
+          </p:nvCxnSpPr>
+          <p:spPr>
+            <a:xfrm>
+              <a:off x="5713142" y="2668852"/>
+              <a:ext cx="0" cy="245327"/>
+            </a:xfrm>
+            <a:prstGeom prst="line">
+              <a:avLst/>
+            </a:prstGeom>
+            <a:ln w="19050"/>
+          </p:spPr>
+          <p:style>
+            <a:lnRef idx="1">
+              <a:schemeClr val="dk1"/>
+            </a:lnRef>
+            <a:fillRef idx="0">
+              <a:schemeClr val="dk1"/>
+            </a:fillRef>
+            <a:effectRef idx="0">
+              <a:schemeClr val="dk1"/>
+            </a:effectRef>
+            <a:fontRef idx="minor">
+              <a:schemeClr val="tx1"/>
+            </a:fontRef>
+          </p:style>
+        </p:cxnSp>
+        <p:grpSp>
+          <p:nvGrpSpPr>
+            <p:cNvPr id="35" name="Group 34">
+              <a:extLst>
+                <a:ext uri="{FF2B5EF4-FFF2-40B4-BE49-F238E27FC236}">
+                  <a16:creationId xmlns:a16="http://schemas.microsoft.com/office/drawing/2014/main" id="{A7D1ABA1-F1BE-9C46-8B52-7FBDA0574B84}"/>
+                </a:ext>
+              </a:extLst>
+            </p:cNvPr>
+            <p:cNvGrpSpPr/>
+            <p:nvPr/>
+          </p:nvGrpSpPr>
+          <p:grpSpPr>
+            <a:xfrm>
+              <a:off x="5713142" y="2914179"/>
+              <a:ext cx="0" cy="938933"/>
+              <a:chOff x="5713142" y="2914179"/>
+              <a:chExt cx="0" cy="938933"/>
+            </a:xfrm>
+          </p:grpSpPr>
+          <p:cxnSp>
+            <p:nvCxnSpPr>
+              <p:cNvPr id="33" name="Straight Connector 32">
+                <a:extLst>
+                  <a:ext uri="{FF2B5EF4-FFF2-40B4-BE49-F238E27FC236}">
+                    <a16:creationId xmlns:a16="http://schemas.microsoft.com/office/drawing/2014/main" id="{84DEEF57-1A14-1F4D-9DB0-17A8E0697A57}"/>
+                  </a:ext>
+                </a:extLst>
+              </p:cNvPr>
+              <p:cNvCxnSpPr>
+                <a:cxnSpLocks/>
+              </p:cNvCxnSpPr>
+              <p:nvPr/>
+            </p:nvCxnSpPr>
+            <p:spPr>
+              <a:xfrm>
+                <a:off x="5713142" y="2914179"/>
+                <a:ext cx="0" cy="724830"/>
+              </a:xfrm>
+              <a:prstGeom prst="line">
+                <a:avLst/>
+              </a:prstGeom>
+              <a:ln>
+                <a:prstDash val="dash"/>
+              </a:ln>
+            </p:spPr>
+            <p:style>
+              <a:lnRef idx="1">
+                <a:schemeClr val="dk1"/>
+              </a:lnRef>
+              <a:fillRef idx="0">
+                <a:schemeClr val="dk1"/>
+              </a:fillRef>
+              <a:effectRef idx="0">
+                <a:schemeClr val="dk1"/>
+              </a:effectRef>
+              <a:fontRef idx="minor">
+                <a:schemeClr val="tx1"/>
+              </a:fontRef>
+            </p:style>
+          </p:cxnSp>
+          <p:cxnSp>
+            <p:nvCxnSpPr>
+              <p:cNvPr id="34" name="Straight Connector 33">
+                <a:extLst>
+                  <a:ext uri="{FF2B5EF4-FFF2-40B4-BE49-F238E27FC236}">
+                    <a16:creationId xmlns:a16="http://schemas.microsoft.com/office/drawing/2014/main" id="{14FEEE64-51F9-1144-B8B7-E47B5C3AE0C7}"/>
+                  </a:ext>
+                </a:extLst>
+              </p:cNvPr>
+              <p:cNvCxnSpPr/>
+              <p:nvPr/>
+            </p:nvCxnSpPr>
+            <p:spPr>
+              <a:xfrm>
+                <a:off x="5713142" y="3607785"/>
+                <a:ext cx="0" cy="245327"/>
+              </a:xfrm>
+              <a:prstGeom prst="line">
+                <a:avLst/>
+              </a:prstGeom>
+            </p:spPr>
+            <p:style>
+              <a:lnRef idx="1">
+                <a:schemeClr val="dk1"/>
+              </a:lnRef>
+              <a:fillRef idx="0">
+                <a:schemeClr val="dk1"/>
+              </a:fillRef>
+              <a:effectRef idx="0">
+                <a:schemeClr val="dk1"/>
+              </a:effectRef>
+              <a:fontRef idx="minor">
+                <a:schemeClr val="tx1"/>
+              </a:fontRef>
+            </p:style>
+          </p:cxnSp>
+        </p:grpSp>
+      </p:grpSp>
+      <p:grpSp>
+        <p:nvGrpSpPr>
+          <p:cNvPr id="40" name="Group 39">
+            <a:extLst>
+              <a:ext uri="{FF2B5EF4-FFF2-40B4-BE49-F238E27FC236}">
+                <a16:creationId xmlns:a16="http://schemas.microsoft.com/office/drawing/2014/main" id="{BDEB58A7-9931-2147-A931-8133C2EF5065}"/>
+              </a:ext>
+            </a:extLst>
+          </p:cNvPr>
+          <p:cNvGrpSpPr/>
+          <p:nvPr/>
+        </p:nvGrpSpPr>
+        <p:grpSpPr>
+          <a:xfrm>
+            <a:off x="7026830" y="2669601"/>
+            <a:ext cx="0" cy="1184260"/>
+            <a:chOff x="5713142" y="2668852"/>
+            <a:chExt cx="0" cy="1184260"/>
+          </a:xfrm>
+        </p:grpSpPr>
+        <p:cxnSp>
+          <p:nvCxnSpPr>
+            <p:cNvPr id="41" name="Straight Connector 40">
+              <a:extLst>
+                <a:ext uri="{FF2B5EF4-FFF2-40B4-BE49-F238E27FC236}">
+                  <a16:creationId xmlns:a16="http://schemas.microsoft.com/office/drawing/2014/main" id="{05FA066E-5FA3-D549-BB72-CEB1C29F8B4A}"/>
+                </a:ext>
+              </a:extLst>
+            </p:cNvPr>
+            <p:cNvCxnSpPr/>
+            <p:nvPr/>
+          </p:nvCxnSpPr>
+          <p:spPr>
+            <a:xfrm>
+              <a:off x="5713142" y="2668852"/>
+              <a:ext cx="0" cy="245327"/>
+            </a:xfrm>
+            <a:prstGeom prst="line">
+              <a:avLst/>
+            </a:prstGeom>
+            <a:ln w="19050"/>
+          </p:spPr>
+          <p:style>
+            <a:lnRef idx="1">
+              <a:schemeClr val="dk1"/>
+            </a:lnRef>
+            <a:fillRef idx="0">
+              <a:schemeClr val="dk1"/>
+            </a:fillRef>
+            <a:effectRef idx="0">
+              <a:schemeClr val="dk1"/>
+            </a:effectRef>
+            <a:fontRef idx="minor">
+              <a:schemeClr val="tx1"/>
+            </a:fontRef>
+          </p:style>
+        </p:cxnSp>
+        <p:grpSp>
+          <p:nvGrpSpPr>
+            <p:cNvPr id="42" name="Group 41">
+              <a:extLst>
+                <a:ext uri="{FF2B5EF4-FFF2-40B4-BE49-F238E27FC236}">
+                  <a16:creationId xmlns:a16="http://schemas.microsoft.com/office/drawing/2014/main" id="{BAB31BF6-EBE9-E54F-A5EC-7610F271C74C}"/>
+                </a:ext>
+              </a:extLst>
+            </p:cNvPr>
+            <p:cNvGrpSpPr/>
+            <p:nvPr/>
+          </p:nvGrpSpPr>
+          <p:grpSpPr>
+            <a:xfrm>
+              <a:off x="5713142" y="2914179"/>
+              <a:ext cx="0" cy="938933"/>
+              <a:chOff x="5713142" y="2914179"/>
+              <a:chExt cx="0" cy="938933"/>
+            </a:xfrm>
+          </p:grpSpPr>
+          <p:cxnSp>
+            <p:nvCxnSpPr>
+              <p:cNvPr id="43" name="Straight Connector 42">
+                <a:extLst>
+                  <a:ext uri="{FF2B5EF4-FFF2-40B4-BE49-F238E27FC236}">
+                    <a16:creationId xmlns:a16="http://schemas.microsoft.com/office/drawing/2014/main" id="{114D191E-2648-534B-8C3B-9CFD2A47B741}"/>
+                  </a:ext>
+                </a:extLst>
+              </p:cNvPr>
+              <p:cNvCxnSpPr>
+                <a:cxnSpLocks/>
+              </p:cNvCxnSpPr>
+              <p:nvPr/>
+            </p:nvCxnSpPr>
+            <p:spPr>
+              <a:xfrm>
+                <a:off x="5713142" y="2914179"/>
+                <a:ext cx="0" cy="724830"/>
+              </a:xfrm>
+              <a:prstGeom prst="line">
+                <a:avLst/>
+              </a:prstGeom>
+              <a:ln>
+                <a:prstDash val="dash"/>
+              </a:ln>
+            </p:spPr>
+            <p:style>
+              <a:lnRef idx="1">
+                <a:schemeClr val="dk1"/>
+              </a:lnRef>
+              <a:fillRef idx="0">
+                <a:schemeClr val="dk1"/>
+              </a:fillRef>
+              <a:effectRef idx="0">
+                <a:schemeClr val="dk1"/>
+              </a:effectRef>
+              <a:fontRef idx="minor">
+                <a:schemeClr val="tx1"/>
+              </a:fontRef>
+            </p:style>
+          </p:cxnSp>
+          <p:cxnSp>
+            <p:nvCxnSpPr>
+              <p:cNvPr id="44" name="Straight Connector 43">
+                <a:extLst>
+                  <a:ext uri="{FF2B5EF4-FFF2-40B4-BE49-F238E27FC236}">
+                    <a16:creationId xmlns:a16="http://schemas.microsoft.com/office/drawing/2014/main" id="{D25CC868-0EDB-EA4D-9A67-C5FE236FB7B6}"/>
+                  </a:ext>
+                </a:extLst>
+              </p:cNvPr>
+              <p:cNvCxnSpPr/>
+              <p:nvPr/>
+            </p:nvCxnSpPr>
+            <p:spPr>
+              <a:xfrm>
+                <a:off x="5713142" y="3607785"/>
+                <a:ext cx="0" cy="245327"/>
+              </a:xfrm>
+              <a:prstGeom prst="line">
+                <a:avLst/>
+              </a:prstGeom>
+            </p:spPr>
+            <p:style>
+              <a:lnRef idx="1">
+                <a:schemeClr val="dk1"/>
+              </a:lnRef>
+              <a:fillRef idx="0">
+                <a:schemeClr val="dk1"/>
+              </a:fillRef>
+              <a:effectRef idx="0">
+                <a:schemeClr val="dk1"/>
+              </a:effectRef>
+              <a:fontRef idx="minor">
+                <a:schemeClr val="tx1"/>
+              </a:fontRef>
+            </p:style>
+          </p:cxnSp>
+        </p:grpSp>
+      </p:grpSp>
+      <p:grpSp>
+        <p:nvGrpSpPr>
+          <p:cNvPr id="47" name="Group 46">
+            <a:extLst>
+              <a:ext uri="{FF2B5EF4-FFF2-40B4-BE49-F238E27FC236}">
+                <a16:creationId xmlns:a16="http://schemas.microsoft.com/office/drawing/2014/main" id="{7174FF4E-118D-884C-88D5-F83DBBBFCD93}"/>
+              </a:ext>
+            </a:extLst>
+          </p:cNvPr>
+          <p:cNvGrpSpPr/>
+          <p:nvPr/>
+        </p:nvGrpSpPr>
+        <p:grpSpPr>
+          <a:xfrm>
+            <a:off x="3198403" y="2934758"/>
+            <a:ext cx="471776" cy="336452"/>
+            <a:chOff x="3198403" y="2934758"/>
+            <a:chExt cx="471776" cy="336452"/>
+          </a:xfrm>
+        </p:grpSpPr>
+        <p:sp>
+          <p:nvSpPr>
+            <p:cNvPr id="45" name="Right Brace 44">
+              <a:extLst>
+                <a:ext uri="{FF2B5EF4-FFF2-40B4-BE49-F238E27FC236}">
+                  <a16:creationId xmlns:a16="http://schemas.microsoft.com/office/drawing/2014/main" id="{62EB868C-AFDB-CE4C-8F0E-256B25887D61}"/>
+                </a:ext>
+              </a:extLst>
+            </p:cNvPr>
+            <p:cNvSpPr/>
+            <p:nvPr/>
+          </p:nvSpPr>
+          <p:spPr>
+            <a:xfrm rot="5400000">
+              <a:off x="3375282" y="2757879"/>
+              <a:ext cx="114941" cy="468699"/>
+            </a:xfrm>
+            <a:prstGeom prst="rightBrace">
+              <a:avLst>
+                <a:gd name="adj1" fmla="val 14914"/>
+                <a:gd name="adj2" fmla="val 50000"/>
+              </a:avLst>
+            </a:prstGeom>
+          </p:spPr>
+          <p:style>
+            <a:lnRef idx="1">
+              <a:schemeClr val="dk1"/>
+            </a:lnRef>
+            <a:fillRef idx="0">
+              <a:schemeClr val="dk1"/>
+            </a:fillRef>
+            <a:effectRef idx="0">
+              <a:schemeClr val="dk1"/>
+            </a:effectRef>
+            <a:fontRef idx="minor">
+              <a:schemeClr val="tx1"/>
+            </a:fontRef>
+          </p:style>
+          <p:txBody>
+            <a:bodyPr rtlCol="0" anchor="ctr"/>
+            <a:lstStyle/>
+            <a:p>
+              <a:pPr algn="ctr"/>
+              <a:endParaRPr lang="en-US" sz="1400"/>
+            </a:p>
+          </p:txBody>
+        </p:sp>
+        <p:sp>
+          <p:nvSpPr>
+            <p:cNvPr id="46" name="TextBox 45">
+              <a:extLst>
+                <a:ext uri="{FF2B5EF4-FFF2-40B4-BE49-F238E27FC236}">
+                  <a16:creationId xmlns:a16="http://schemas.microsoft.com/office/drawing/2014/main" id="{8562634B-39CA-C040-A468-A8C121A35A0F}"/>
+                </a:ext>
+              </a:extLst>
+            </p:cNvPr>
+            <p:cNvSpPr txBox="1"/>
+            <p:nvPr/>
+          </p:nvSpPr>
+          <p:spPr>
+            <a:xfrm>
+              <a:off x="3222621" y="2994211"/>
+              <a:ext cx="447558" cy="276999"/>
+            </a:xfrm>
+            <a:prstGeom prst="rect">
+              <a:avLst/>
+            </a:prstGeom>
+            <a:noFill/>
+          </p:spPr>
+          <p:txBody>
+            <a:bodyPr wrap="none" rtlCol="0">
+              <a:spAutoFit/>
+            </a:bodyPr>
+            <a:lstStyle/>
+            <a:p>
+              <a:r>
+                <a:rPr lang="en-US" altLang="zh-CN" sz="1200" dirty="0"/>
+                <a:t>1ms</a:t>
+              </a:r>
+              <a:endParaRPr lang="en-US" sz="1200" dirty="0"/>
+            </a:p>
+          </p:txBody>
+        </p:sp>
+      </p:grpSp>
+      <p:grpSp>
+        <p:nvGrpSpPr>
+          <p:cNvPr id="48" name="Group 47">
+            <a:extLst>
+              <a:ext uri="{FF2B5EF4-FFF2-40B4-BE49-F238E27FC236}">
+                <a16:creationId xmlns:a16="http://schemas.microsoft.com/office/drawing/2014/main" id="{14B20A6D-ABB2-B946-9974-FC0AD09FF8D6}"/>
+              </a:ext>
+            </a:extLst>
+          </p:cNvPr>
+          <p:cNvGrpSpPr/>
+          <p:nvPr/>
+        </p:nvGrpSpPr>
+        <p:grpSpPr>
+          <a:xfrm>
+            <a:off x="3704055" y="2940142"/>
+            <a:ext cx="1989067" cy="347305"/>
+            <a:chOff x="3198402" y="2934758"/>
+            <a:chExt cx="1989067" cy="347305"/>
+          </a:xfrm>
+        </p:grpSpPr>
+        <p:sp>
+          <p:nvSpPr>
+            <p:cNvPr id="49" name="Right Brace 48">
+              <a:extLst>
+                <a:ext uri="{FF2B5EF4-FFF2-40B4-BE49-F238E27FC236}">
+                  <a16:creationId xmlns:a16="http://schemas.microsoft.com/office/drawing/2014/main" id="{D7441989-E924-C64F-A46F-9CCFDD6C5F4A}"/>
+                </a:ext>
+              </a:extLst>
+            </p:cNvPr>
+            <p:cNvSpPr/>
+            <p:nvPr/>
+          </p:nvSpPr>
+          <p:spPr>
+            <a:xfrm rot="5400000">
+              <a:off x="4132362" y="2000798"/>
+              <a:ext cx="121148" cy="1989067"/>
+            </a:xfrm>
+            <a:prstGeom prst="rightBrace">
+              <a:avLst>
+                <a:gd name="adj1" fmla="val 14914"/>
+                <a:gd name="adj2" fmla="val 50000"/>
+              </a:avLst>
+            </a:prstGeom>
+          </p:spPr>
+          <p:style>
+            <a:lnRef idx="1">
+              <a:schemeClr val="dk1"/>
+            </a:lnRef>
+            <a:fillRef idx="0">
+              <a:schemeClr val="dk1"/>
+            </a:fillRef>
+            <a:effectRef idx="0">
+              <a:schemeClr val="dk1"/>
+            </a:effectRef>
+            <a:fontRef idx="minor">
+              <a:schemeClr val="tx1"/>
+            </a:fontRef>
+          </p:style>
+          <p:txBody>
+            <a:bodyPr rtlCol="0" anchor="ctr"/>
+            <a:lstStyle/>
+            <a:p>
+              <a:pPr algn="ctr"/>
+              <a:endParaRPr lang="en-US" sz="1400"/>
+            </a:p>
+          </p:txBody>
+        </p:sp>
+        <p:sp>
+          <p:nvSpPr>
+            <p:cNvPr id="50" name="TextBox 49">
+              <a:extLst>
+                <a:ext uri="{FF2B5EF4-FFF2-40B4-BE49-F238E27FC236}">
+                  <a16:creationId xmlns:a16="http://schemas.microsoft.com/office/drawing/2014/main" id="{B06A8071-69C6-A543-A6C0-8B0BE66CB125}"/>
+                </a:ext>
+              </a:extLst>
+            </p:cNvPr>
+            <p:cNvSpPr txBox="1"/>
+            <p:nvPr/>
+          </p:nvSpPr>
+          <p:spPr>
+            <a:xfrm>
+              <a:off x="3913791" y="3005064"/>
+              <a:ext cx="561372" cy="276999"/>
+            </a:xfrm>
+            <a:prstGeom prst="rect">
+              <a:avLst/>
+            </a:prstGeom>
+            <a:noFill/>
+          </p:spPr>
+          <p:txBody>
+            <a:bodyPr wrap="none" rtlCol="0">
+              <a:spAutoFit/>
+            </a:bodyPr>
+            <a:lstStyle/>
+            <a:p>
+              <a:r>
+                <a:rPr lang="en-US" altLang="zh-CN" sz="1200" dirty="0"/>
+                <a:t>50 ms</a:t>
+              </a:r>
+              <a:endParaRPr lang="en-US" sz="1200" dirty="0"/>
+            </a:p>
+          </p:txBody>
+        </p:sp>
+      </p:grpSp>
+      <p:cxnSp>
+        <p:nvCxnSpPr>
+          <p:cNvPr id="51" name="Straight Connector 50">
+            <a:extLst>
+              <a:ext uri="{FF2B5EF4-FFF2-40B4-BE49-F238E27FC236}">
+                <a16:creationId xmlns:a16="http://schemas.microsoft.com/office/drawing/2014/main" id="{29628784-8134-6945-AA38-712200CC1CB2}"/>
+              </a:ext>
+            </a:extLst>
+          </p:cNvPr>
+          <p:cNvCxnSpPr>
+            <a:cxnSpLocks/>
+          </p:cNvCxnSpPr>
+          <p:nvPr/>
+        </p:nvCxnSpPr>
+        <p:spPr>
+          <a:xfrm flipH="1">
+            <a:off x="2185639" y="3674641"/>
+            <a:ext cx="988742" cy="1"/>
+          </a:xfrm>
+          <a:prstGeom prst="line">
+            <a:avLst/>
+          </a:prstGeom>
+          <a:ln>
+            <a:headEnd type="stealth"/>
+            <a:tailEnd type="stealth"/>
+          </a:ln>
+        </p:spPr>
+        <p:style>
+          <a:lnRef idx="1">
+            <a:schemeClr val="dk1"/>
+          </a:lnRef>
+          <a:fillRef idx="0">
+            <a:schemeClr val="dk1"/>
+          </a:fillRef>
+          <a:effectRef idx="0">
+            <a:schemeClr val="dk1"/>
+          </a:effectRef>
+          <a:fontRef idx="minor">
+            <a:schemeClr val="tx1"/>
+          </a:fontRef>
+        </p:style>
+      </p:cxnSp>
+      <p:cxnSp>
+        <p:nvCxnSpPr>
+          <p:cNvPr id="55" name="Straight Connector 54">
+            <a:extLst>
+              <a:ext uri="{FF2B5EF4-FFF2-40B4-BE49-F238E27FC236}">
+                <a16:creationId xmlns:a16="http://schemas.microsoft.com/office/drawing/2014/main" id="{0D476FD8-6348-C945-BA86-D8866172342C}"/>
+              </a:ext>
+            </a:extLst>
+          </p:cNvPr>
+          <p:cNvCxnSpPr>
+            <a:cxnSpLocks/>
+          </p:cNvCxnSpPr>
+          <p:nvPr/>
+        </p:nvCxnSpPr>
+        <p:spPr>
+          <a:xfrm flipH="1">
+            <a:off x="3174381" y="3672909"/>
+            <a:ext cx="2538760" cy="1732"/>
+          </a:xfrm>
+          <a:prstGeom prst="line">
+            <a:avLst/>
+          </a:prstGeom>
+          <a:ln>
+            <a:headEnd type="stealth"/>
+            <a:tailEnd type="stealth"/>
+          </a:ln>
+        </p:spPr>
+        <p:style>
+          <a:lnRef idx="1">
+            <a:schemeClr val="dk1"/>
+          </a:lnRef>
+          <a:fillRef idx="0">
+            <a:schemeClr val="dk1"/>
+          </a:fillRef>
+          <a:effectRef idx="0">
+            <a:schemeClr val="dk1"/>
+          </a:effectRef>
+          <a:fontRef idx="minor">
+            <a:schemeClr val="tx1"/>
+          </a:fontRef>
+        </p:style>
+      </p:cxnSp>
+      <p:cxnSp>
+        <p:nvCxnSpPr>
+          <p:cNvPr id="59" name="Straight Connector 58">
+            <a:extLst>
+              <a:ext uri="{FF2B5EF4-FFF2-40B4-BE49-F238E27FC236}">
+                <a16:creationId xmlns:a16="http://schemas.microsoft.com/office/drawing/2014/main" id="{79DE8371-D3A7-734F-B0DF-9FD98A0F13C6}"/>
+              </a:ext>
+            </a:extLst>
+          </p:cNvPr>
+          <p:cNvCxnSpPr>
+            <a:cxnSpLocks/>
+          </p:cNvCxnSpPr>
+          <p:nvPr/>
+        </p:nvCxnSpPr>
+        <p:spPr>
+          <a:xfrm flipH="1">
+            <a:off x="5713141" y="3672908"/>
+            <a:ext cx="1313687" cy="0"/>
+          </a:xfrm>
+          <a:prstGeom prst="line">
+            <a:avLst/>
+          </a:prstGeom>
+          <a:ln>
+            <a:headEnd type="stealth"/>
+            <a:tailEnd type="stealth"/>
+          </a:ln>
+        </p:spPr>
+        <p:style>
+          <a:lnRef idx="1">
+            <a:schemeClr val="dk1"/>
+          </a:lnRef>
+          <a:fillRef idx="0">
+            <a:schemeClr val="dk1"/>
+          </a:fillRef>
+          <a:effectRef idx="0">
+            <a:schemeClr val="dk1"/>
+          </a:effectRef>
+          <a:fontRef idx="minor">
+            <a:schemeClr val="tx1"/>
+          </a:fontRef>
+        </p:style>
+      </p:cxnSp>
+      <p:grpSp>
+        <p:nvGrpSpPr>
+          <p:cNvPr id="61" name="Group 60">
+            <a:extLst>
+              <a:ext uri="{FF2B5EF4-FFF2-40B4-BE49-F238E27FC236}">
+                <a16:creationId xmlns:a16="http://schemas.microsoft.com/office/drawing/2014/main" id="{D2F59C13-5E59-F740-9492-FA187834A9FE}"/>
+              </a:ext>
+            </a:extLst>
+          </p:cNvPr>
+          <p:cNvGrpSpPr/>
+          <p:nvPr/>
+        </p:nvGrpSpPr>
+        <p:grpSpPr>
+          <a:xfrm>
+            <a:off x="2212935" y="3283678"/>
+            <a:ext cx="4788360" cy="337984"/>
+            <a:chOff x="3198402" y="2934760"/>
+            <a:chExt cx="1989067" cy="337984"/>
+          </a:xfrm>
+        </p:grpSpPr>
+        <p:sp>
+          <p:nvSpPr>
+            <p:cNvPr id="62" name="Right Brace 61">
+              <a:extLst>
+                <a:ext uri="{FF2B5EF4-FFF2-40B4-BE49-F238E27FC236}">
+                  <a16:creationId xmlns:a16="http://schemas.microsoft.com/office/drawing/2014/main" id="{6FF12C7C-0C20-1C4F-8084-0F7EB95F2741}"/>
+                </a:ext>
+              </a:extLst>
+            </p:cNvPr>
+            <p:cNvSpPr/>
+            <p:nvPr/>
+          </p:nvSpPr>
+          <p:spPr>
+            <a:xfrm rot="5400000">
+              <a:off x="4132362" y="2000798"/>
+              <a:ext cx="121148" cy="1989067"/>
+            </a:xfrm>
+            <a:prstGeom prst="rightBrace">
+              <a:avLst>
+                <a:gd name="adj1" fmla="val 62778"/>
+                <a:gd name="adj2" fmla="val 50000"/>
+              </a:avLst>
+            </a:prstGeom>
+          </p:spPr>
+          <p:style>
+            <a:lnRef idx="1">
+              <a:schemeClr val="dk1"/>
+            </a:lnRef>
+            <a:fillRef idx="0">
+              <a:schemeClr val="dk1"/>
+            </a:fillRef>
+            <a:effectRef idx="0">
+              <a:schemeClr val="dk1"/>
+            </a:effectRef>
+            <a:fontRef idx="minor">
+              <a:schemeClr val="tx1"/>
+            </a:fontRef>
+          </p:style>
+          <p:txBody>
+            <a:bodyPr rtlCol="0" anchor="ctr"/>
+            <a:lstStyle/>
+            <a:p>
+              <a:pPr algn="ctr"/>
+              <a:endParaRPr lang="en-US" sz="1400"/>
+            </a:p>
+          </p:txBody>
+        </p:sp>
+        <p:sp>
+          <p:nvSpPr>
+            <p:cNvPr id="63" name="TextBox 62">
+              <a:extLst>
+                <a:ext uri="{FF2B5EF4-FFF2-40B4-BE49-F238E27FC236}">
+                  <a16:creationId xmlns:a16="http://schemas.microsoft.com/office/drawing/2014/main" id="{A90666D6-5898-7645-A2C6-B7194BF80014}"/>
+                </a:ext>
+              </a:extLst>
+            </p:cNvPr>
+            <p:cNvSpPr txBox="1"/>
+            <p:nvPr/>
+          </p:nvSpPr>
+          <p:spPr>
+            <a:xfrm>
+              <a:off x="4084512" y="2995745"/>
+              <a:ext cx="265820" cy="276999"/>
+            </a:xfrm>
+            <a:prstGeom prst="rect">
+              <a:avLst/>
+            </a:prstGeom>
+            <a:noFill/>
+          </p:spPr>
+          <p:txBody>
+            <a:bodyPr wrap="none" rtlCol="0">
+              <a:spAutoFit/>
+            </a:bodyPr>
+            <a:lstStyle/>
+            <a:p>
+              <a:r>
+                <a:rPr lang="en-US" altLang="zh-CN" sz="1200" dirty="0"/>
+                <a:t>100 ms</a:t>
+              </a:r>
+              <a:endParaRPr lang="en-US" sz="1200" dirty="0"/>
+            </a:p>
+          </p:txBody>
+        </p:sp>
+      </p:grpSp>
+      <p:grpSp>
+        <p:nvGrpSpPr>
+          <p:cNvPr id="64" name="Group 63">
+            <a:extLst>
+              <a:ext uri="{FF2B5EF4-FFF2-40B4-BE49-F238E27FC236}">
+                <a16:creationId xmlns:a16="http://schemas.microsoft.com/office/drawing/2014/main" id="{D0E58CD3-3E96-0847-A959-4C45B1C77B64}"/>
+              </a:ext>
+            </a:extLst>
+          </p:cNvPr>
+          <p:cNvGrpSpPr/>
+          <p:nvPr/>
+        </p:nvGrpSpPr>
+        <p:grpSpPr>
+          <a:xfrm>
+            <a:off x="6645269" y="1677429"/>
+            <a:ext cx="785793" cy="868741"/>
+            <a:chOff x="1792743" y="1673737"/>
+            <a:chExt cx="785793" cy="868741"/>
+          </a:xfrm>
+        </p:grpSpPr>
+        <p:cxnSp>
+          <p:nvCxnSpPr>
+            <p:cNvPr id="65" name="Straight Arrow Connector 64">
+              <a:extLst>
+                <a:ext uri="{FF2B5EF4-FFF2-40B4-BE49-F238E27FC236}">
+                  <a16:creationId xmlns:a16="http://schemas.microsoft.com/office/drawing/2014/main" id="{19CB9A1F-A34E-CB46-98E7-3C39203BD784}"/>
+                </a:ext>
+              </a:extLst>
+            </p:cNvPr>
+            <p:cNvCxnSpPr>
+              <a:cxnSpLocks/>
+            </p:cNvCxnSpPr>
+            <p:nvPr/>
+          </p:nvCxnSpPr>
+          <p:spPr>
+            <a:xfrm>
+              <a:off x="2185640" y="2152185"/>
+              <a:ext cx="0" cy="390293"/>
+            </a:xfrm>
+            <a:prstGeom prst="straightConnector1">
+              <a:avLst/>
+            </a:prstGeom>
+            <a:ln>
+              <a:tailEnd type="stealth"/>
+            </a:ln>
+          </p:spPr>
+          <p:style>
+            <a:lnRef idx="1">
+              <a:schemeClr val="dk1"/>
+            </a:lnRef>
+            <a:fillRef idx="0">
+              <a:schemeClr val="dk1"/>
+            </a:fillRef>
+            <a:effectRef idx="0">
+              <a:schemeClr val="dk1"/>
+            </a:effectRef>
+            <a:fontRef idx="minor">
+              <a:schemeClr val="tx1"/>
+            </a:fontRef>
+          </p:style>
+        </p:cxnSp>
+        <p:sp>
+          <p:nvSpPr>
+            <p:cNvPr id="66" name="TextBox 65">
+              <a:extLst>
+                <a:ext uri="{FF2B5EF4-FFF2-40B4-BE49-F238E27FC236}">
+                  <a16:creationId xmlns:a16="http://schemas.microsoft.com/office/drawing/2014/main" id="{6C5D6C97-3224-4446-89AC-2798EFA41639}"/>
+                </a:ext>
+              </a:extLst>
+            </p:cNvPr>
+            <p:cNvSpPr txBox="1"/>
+            <p:nvPr/>
+          </p:nvSpPr>
+          <p:spPr>
+            <a:xfrm>
+              <a:off x="1792743" y="1673737"/>
+              <a:ext cx="785793" cy="523220"/>
+            </a:xfrm>
+            <a:prstGeom prst="rect">
+              <a:avLst/>
+            </a:prstGeom>
+            <a:noFill/>
+          </p:spPr>
+          <p:txBody>
+            <a:bodyPr wrap="none" rtlCol="0">
+              <a:spAutoFit/>
+            </a:bodyPr>
+            <a:lstStyle/>
+            <a:p>
+              <a:r>
+                <a:rPr lang="en-US" sz="1400" dirty="0"/>
+                <a:t>Another</a:t>
+              </a:r>
+            </a:p>
+            <a:p>
+              <a:pPr algn="ctr"/>
+              <a:r>
+                <a:rPr lang="en-US" sz="1400" dirty="0"/>
+                <a:t>Call</a:t>
+              </a:r>
+            </a:p>
+          </p:txBody>
+        </p:sp>
+      </p:grpSp>
+      <p:sp>
+        <p:nvSpPr>
+          <p:cNvPr id="67" name="TextBox 66">
+            <a:extLst>
+              <a:ext uri="{FF2B5EF4-FFF2-40B4-BE49-F238E27FC236}">
+                <a16:creationId xmlns:a16="http://schemas.microsoft.com/office/drawing/2014/main" id="{2C7981D5-C9E1-874C-A465-80F18D9DFA6D}"/>
+              </a:ext>
+            </a:extLst>
+          </p:cNvPr>
+          <p:cNvSpPr txBox="1"/>
+          <p:nvPr/>
+        </p:nvSpPr>
+        <p:spPr>
+          <a:xfrm>
+            <a:off x="2348285" y="3646627"/>
+            <a:ext cx="663451" cy="461665"/>
+          </a:xfrm>
+          <a:prstGeom prst="rect">
+            <a:avLst/>
+          </a:prstGeom>
+          <a:noFill/>
+        </p:spPr>
+        <p:txBody>
+          <a:bodyPr wrap="none" rtlCol="0">
+            <a:spAutoFit/>
+          </a:bodyPr>
+          <a:lstStyle/>
+          <a:p>
+            <a:pPr algn="ctr"/>
+            <a:r>
+              <a:rPr lang="en-US" sz="1200" dirty="0"/>
+              <a:t>Waiting</a:t>
+            </a:r>
+          </a:p>
+          <a:p>
+            <a:pPr algn="ctr"/>
+            <a:r>
+              <a:rPr lang="en-US" sz="1200" dirty="0"/>
+              <a:t>stage</a:t>
+            </a:r>
+          </a:p>
+        </p:txBody>
+      </p:sp>
+      <p:sp>
+        <p:nvSpPr>
+          <p:cNvPr id="69" name="TextBox 68">
+            <a:extLst>
+              <a:ext uri="{FF2B5EF4-FFF2-40B4-BE49-F238E27FC236}">
+                <a16:creationId xmlns:a16="http://schemas.microsoft.com/office/drawing/2014/main" id="{FAA01726-E77D-6343-BB8B-9300B2681BD1}"/>
+              </a:ext>
+            </a:extLst>
+          </p:cNvPr>
+          <p:cNvSpPr txBox="1"/>
+          <p:nvPr/>
+        </p:nvSpPr>
+        <p:spPr>
+          <a:xfrm>
+            <a:off x="3994936" y="3646626"/>
+            <a:ext cx="849015" cy="461665"/>
+          </a:xfrm>
+          <a:prstGeom prst="rect">
+            <a:avLst/>
+          </a:prstGeom>
+          <a:noFill/>
+        </p:spPr>
+        <p:txBody>
+          <a:bodyPr wrap="none" rtlCol="0">
+            <a:spAutoFit/>
+          </a:bodyPr>
+          <a:lstStyle/>
+          <a:p>
+            <a:pPr algn="ctr"/>
+            <a:r>
+              <a:rPr lang="en-US" sz="1200" dirty="0"/>
+              <a:t>Processing</a:t>
+            </a:r>
+          </a:p>
+          <a:p>
+            <a:pPr algn="ctr"/>
+            <a:r>
+              <a:rPr lang="en-US" sz="1200" dirty="0"/>
+              <a:t>stage</a:t>
+            </a:r>
+          </a:p>
+        </p:txBody>
+      </p:sp>
+      <p:sp>
+        <p:nvSpPr>
+          <p:cNvPr id="70" name="TextBox 69">
+            <a:extLst>
+              <a:ext uri="{FF2B5EF4-FFF2-40B4-BE49-F238E27FC236}">
+                <a16:creationId xmlns:a16="http://schemas.microsoft.com/office/drawing/2014/main" id="{A49D47AC-CD37-3C4F-A56A-F65D61F1528B}"/>
+              </a:ext>
+            </a:extLst>
+          </p:cNvPr>
+          <p:cNvSpPr txBox="1"/>
+          <p:nvPr/>
+        </p:nvSpPr>
+        <p:spPr>
+          <a:xfrm>
+            <a:off x="6016361" y="3646625"/>
+            <a:ext cx="707245" cy="461665"/>
+          </a:xfrm>
+          <a:prstGeom prst="rect">
+            <a:avLst/>
+          </a:prstGeom>
+          <a:noFill/>
+        </p:spPr>
+        <p:txBody>
+          <a:bodyPr wrap="none" rtlCol="0">
+            <a:spAutoFit/>
+          </a:bodyPr>
+          <a:lstStyle/>
+          <a:p>
+            <a:pPr algn="ctr"/>
+            <a:r>
+              <a:rPr lang="en-US" sz="1200" dirty="0"/>
+              <a:t>Rotating</a:t>
+            </a:r>
+          </a:p>
+          <a:p>
+            <a:pPr algn="ctr"/>
+            <a:r>
+              <a:rPr lang="en-US" sz="1200" dirty="0"/>
+              <a:t>stage</a:t>
+            </a:r>
+          </a:p>
+        </p:txBody>
+      </p:sp>
+      <p:sp>
+        <p:nvSpPr>
+          <p:cNvPr id="71" name="TextBox 70">
+            <a:extLst>
+              <a:ext uri="{FF2B5EF4-FFF2-40B4-BE49-F238E27FC236}">
+                <a16:creationId xmlns:a16="http://schemas.microsoft.com/office/drawing/2014/main" id="{CD9119FB-30E5-2B4F-BEB6-CC3C0C243547}"/>
+              </a:ext>
+            </a:extLst>
+          </p:cNvPr>
+          <p:cNvSpPr txBox="1"/>
+          <p:nvPr/>
+        </p:nvSpPr>
+        <p:spPr>
+          <a:xfrm>
+            <a:off x="7309154" y="2796258"/>
+            <a:ext cx="479618" cy="276999"/>
+          </a:xfrm>
+          <a:prstGeom prst="rect">
+            <a:avLst/>
+          </a:prstGeom>
+          <a:noFill/>
+        </p:spPr>
+        <p:txBody>
+          <a:bodyPr wrap="none" rtlCol="0">
+            <a:spAutoFit/>
+          </a:bodyPr>
+          <a:lstStyle/>
+          <a:p>
+            <a:r>
+              <a:rPr lang="en-US" sz="1200" dirty="0"/>
+              <a:t>t/ms</a:t>
+            </a:r>
+          </a:p>
+        </p:txBody>
+      </p:sp>
+    </p:spTree>
+    <p:extLst>
+      <p:ext uri="{BB962C8B-B14F-4D97-AF65-F5344CB8AC3E}">
+        <p14:creationId xmlns:p14="http://schemas.microsoft.com/office/powerpoint/2010/main" val="3994435507"/>
+      </p:ext>
+    </p:extLst>
+  </p:cSld>
+  <p:clrMapOvr>
+    <a:masterClrMapping/>
+  </p:clrMapOvr>
+</p:sld>
+</file>
+
+<file path=ppt/slides/slide4.xml><?xml version="1.0" encoding="utf-8"?>
+<p:sld xmlns:a="http://schemas.openxmlformats.org/drawingml/2006/main" xmlns:r="http://schemas.openxmlformats.org/officeDocument/2006/relationships" xmlns:p="http://schemas.openxmlformats.org/presentationml/2006/main">
+  <p:cSld>
+    <p:spTree>
+      <p:nvGrpSpPr>
+        <p:cNvPr id="1" name=""/>
+        <p:cNvGrpSpPr/>
+        <p:nvPr/>
+      </p:nvGrpSpPr>
+      <p:grpSpPr>
+        <a:xfrm>
+          <a:off x="0" y="0"/>
+          <a:ext cx="0" cy="0"/>
+          <a:chOff x="0" y="0"/>
+          <a:chExt cx="0" cy="0"/>
+        </a:xfrm>
+      </p:grpSpPr>
+      <p:grpSp>
+        <p:nvGrpSpPr>
+          <p:cNvPr id="80" name="Group 79">
+            <a:extLst>
+              <a:ext uri="{FF2B5EF4-FFF2-40B4-BE49-F238E27FC236}">
+                <a16:creationId xmlns:a16="http://schemas.microsoft.com/office/drawing/2014/main" id="{70C1E77A-16F5-6447-8960-7BE5F7FD1CB0}"/>
+              </a:ext>
+            </a:extLst>
+          </p:cNvPr>
+          <p:cNvGrpSpPr/>
+          <p:nvPr/>
+        </p:nvGrpSpPr>
+        <p:grpSpPr>
+          <a:xfrm>
+            <a:off x="3311839" y="1489259"/>
+            <a:ext cx="3127798" cy="2407065"/>
+            <a:chOff x="3311839" y="1489259"/>
+            <a:chExt cx="3127798" cy="2407065"/>
+          </a:xfrm>
+        </p:grpSpPr>
+        <p:cxnSp>
+          <p:nvCxnSpPr>
+            <p:cNvPr id="7" name="Straight Arrow Connector 6">
+              <a:extLst>
+                <a:ext uri="{FF2B5EF4-FFF2-40B4-BE49-F238E27FC236}">
+                  <a16:creationId xmlns:a16="http://schemas.microsoft.com/office/drawing/2014/main" id="{E56BD39F-B5F2-0E4A-9948-1044A02795A6}"/>
+                </a:ext>
+              </a:extLst>
+            </p:cNvPr>
+            <p:cNvCxnSpPr>
+              <a:cxnSpLocks/>
+            </p:cNvCxnSpPr>
+            <p:nvPr/>
+          </p:nvCxnSpPr>
+          <p:spPr>
+            <a:xfrm flipV="1">
+              <a:off x="4853355" y="3103033"/>
+              <a:ext cx="1578267" cy="325967"/>
+            </a:xfrm>
+            <a:prstGeom prst="straightConnector1">
+              <a:avLst/>
+            </a:prstGeom>
+            <a:ln>
+              <a:tailEnd type="triangle"/>
+            </a:ln>
+          </p:spPr>
+          <p:style>
+            <a:lnRef idx="1">
+              <a:schemeClr val="dk1"/>
+            </a:lnRef>
+            <a:fillRef idx="0">
+              <a:schemeClr val="dk1"/>
+            </a:fillRef>
+            <a:effectRef idx="0">
+              <a:schemeClr val="dk1"/>
+            </a:effectRef>
+            <a:fontRef idx="minor">
+              <a:schemeClr val="tx1"/>
+            </a:fontRef>
+          </p:style>
+        </p:cxnSp>
+        <p:cxnSp>
+          <p:nvCxnSpPr>
+            <p:cNvPr id="8" name="Straight Arrow Connector 7">
+              <a:extLst>
+                <a:ext uri="{FF2B5EF4-FFF2-40B4-BE49-F238E27FC236}">
+                  <a16:creationId xmlns:a16="http://schemas.microsoft.com/office/drawing/2014/main" id="{504BCDA5-9BAD-DE4A-B452-C26C33374867}"/>
+                </a:ext>
+              </a:extLst>
+            </p:cNvPr>
+            <p:cNvCxnSpPr>
+              <a:cxnSpLocks/>
+            </p:cNvCxnSpPr>
+            <p:nvPr/>
+          </p:nvCxnSpPr>
+          <p:spPr>
+            <a:xfrm flipV="1">
+              <a:off x="4853355" y="1679825"/>
+              <a:ext cx="0" cy="1749176"/>
+            </a:xfrm>
+            <a:prstGeom prst="straightConnector1">
+              <a:avLst/>
+            </a:prstGeom>
+            <a:ln>
+              <a:tailEnd type="triangle"/>
+            </a:ln>
+          </p:spPr>
+          <p:style>
+            <a:lnRef idx="1">
+              <a:schemeClr val="dk1"/>
+            </a:lnRef>
+            <a:fillRef idx="0">
+              <a:schemeClr val="dk1"/>
+            </a:fillRef>
+            <a:effectRef idx="0">
+              <a:schemeClr val="dk1"/>
+            </a:effectRef>
+            <a:fontRef idx="minor">
+              <a:schemeClr val="tx1"/>
+            </a:fontRef>
+          </p:style>
+        </p:cxnSp>
+        <p:cxnSp>
+          <p:nvCxnSpPr>
+            <p:cNvPr id="13" name="Straight Arrow Connector 12">
+              <a:extLst>
+                <a:ext uri="{FF2B5EF4-FFF2-40B4-BE49-F238E27FC236}">
+                  <a16:creationId xmlns:a16="http://schemas.microsoft.com/office/drawing/2014/main" id="{AADD80D1-8EA6-674D-9A6A-79E690CAC325}"/>
+                </a:ext>
+              </a:extLst>
+            </p:cNvPr>
+            <p:cNvCxnSpPr>
+              <a:cxnSpLocks/>
+            </p:cNvCxnSpPr>
+            <p:nvPr/>
+          </p:nvCxnSpPr>
+          <p:spPr>
+            <a:xfrm flipH="1" flipV="1">
+              <a:off x="3376246" y="2843892"/>
+              <a:ext cx="1477108" cy="585109"/>
+            </a:xfrm>
+            <a:prstGeom prst="straightConnector1">
+              <a:avLst/>
+            </a:prstGeom>
+            <a:ln>
+              <a:tailEnd type="triangle"/>
+            </a:ln>
+          </p:spPr>
+          <p:style>
+            <a:lnRef idx="1">
+              <a:schemeClr val="dk1"/>
+            </a:lnRef>
+            <a:fillRef idx="0">
+              <a:schemeClr val="dk1"/>
+            </a:fillRef>
+            <a:effectRef idx="0">
+              <a:schemeClr val="dk1"/>
+            </a:effectRef>
+            <a:fontRef idx="minor">
+              <a:schemeClr val="tx1"/>
+            </a:fontRef>
+          </p:style>
+        </p:cxnSp>
+        <p:cxnSp>
+          <p:nvCxnSpPr>
+            <p:cNvPr id="19" name="Straight Arrow Connector 18">
+              <a:extLst>
+                <a:ext uri="{FF2B5EF4-FFF2-40B4-BE49-F238E27FC236}">
+                  <a16:creationId xmlns:a16="http://schemas.microsoft.com/office/drawing/2014/main" id="{590E4E5D-02C9-D246-A5A0-0E3E8BE4CE41}"/>
+                </a:ext>
+              </a:extLst>
+            </p:cNvPr>
+            <p:cNvCxnSpPr>
+              <a:cxnSpLocks/>
+            </p:cNvCxnSpPr>
+            <p:nvPr/>
+          </p:nvCxnSpPr>
+          <p:spPr>
+            <a:xfrm flipV="1">
+              <a:off x="3441843" y="3429002"/>
+              <a:ext cx="1411511" cy="269851"/>
+            </a:xfrm>
+            <a:prstGeom prst="straightConnector1">
+              <a:avLst/>
+            </a:prstGeom>
+            <a:ln>
+              <a:prstDash val="lgDash"/>
+              <a:tailEnd type="none"/>
+            </a:ln>
+          </p:spPr>
+          <p:style>
+            <a:lnRef idx="1">
+              <a:schemeClr val="dk1"/>
+            </a:lnRef>
+            <a:fillRef idx="0">
+              <a:schemeClr val="dk1"/>
+            </a:fillRef>
+            <a:effectRef idx="0">
+              <a:schemeClr val="dk1"/>
+            </a:effectRef>
+            <a:fontRef idx="minor">
+              <a:schemeClr val="tx1"/>
+            </a:fontRef>
+          </p:style>
+        </p:cxnSp>
+        <p:cxnSp>
+          <p:nvCxnSpPr>
+            <p:cNvPr id="24" name="Straight Arrow Connector 23">
+              <a:extLst>
+                <a:ext uri="{FF2B5EF4-FFF2-40B4-BE49-F238E27FC236}">
+                  <a16:creationId xmlns:a16="http://schemas.microsoft.com/office/drawing/2014/main" id="{8443B628-DDE6-EA4F-BA3C-FC42298AC746}"/>
+                </a:ext>
+              </a:extLst>
+            </p:cNvPr>
+            <p:cNvCxnSpPr>
+              <a:cxnSpLocks/>
+            </p:cNvCxnSpPr>
+            <p:nvPr/>
+          </p:nvCxnSpPr>
+          <p:spPr>
+            <a:xfrm>
+              <a:off x="4853354" y="3428998"/>
+              <a:ext cx="1153030" cy="467326"/>
+            </a:xfrm>
+            <a:prstGeom prst="straightConnector1">
+              <a:avLst/>
+            </a:prstGeom>
+            <a:ln>
+              <a:prstDash val="lgDash"/>
+              <a:tailEnd type="none"/>
+            </a:ln>
+          </p:spPr>
+          <p:style>
+            <a:lnRef idx="1">
+              <a:schemeClr val="dk1"/>
+            </a:lnRef>
+            <a:fillRef idx="0">
+              <a:schemeClr val="dk1"/>
+            </a:fillRef>
+            <a:effectRef idx="0">
+              <a:schemeClr val="dk1"/>
+            </a:effectRef>
+            <a:fontRef idx="minor">
+              <a:schemeClr val="tx1"/>
+            </a:fontRef>
+          </p:style>
+        </p:cxnSp>
+        <p:cxnSp>
+          <p:nvCxnSpPr>
+            <p:cNvPr id="36" name="Straight Arrow Connector 35">
+              <a:extLst>
+                <a:ext uri="{FF2B5EF4-FFF2-40B4-BE49-F238E27FC236}">
+                  <a16:creationId xmlns:a16="http://schemas.microsoft.com/office/drawing/2014/main" id="{93F0E90B-02E7-E440-A422-50268E80E7FE}"/>
+                </a:ext>
+              </a:extLst>
+            </p:cNvPr>
+            <p:cNvCxnSpPr>
+              <a:cxnSpLocks/>
+            </p:cNvCxnSpPr>
+            <p:nvPr/>
+          </p:nvCxnSpPr>
+          <p:spPr>
+            <a:xfrm flipV="1">
+              <a:off x="4853354" y="2475137"/>
+              <a:ext cx="739856" cy="946414"/>
+            </a:xfrm>
+            <a:prstGeom prst="straightConnector1">
+              <a:avLst/>
+            </a:prstGeom>
+            <a:ln w="15875">
+              <a:tailEnd type="triangle"/>
+            </a:ln>
+          </p:spPr>
+          <p:style>
+            <a:lnRef idx="1">
+              <a:schemeClr val="dk1"/>
+            </a:lnRef>
+            <a:fillRef idx="0">
+              <a:schemeClr val="dk1"/>
+            </a:fillRef>
+            <a:effectRef idx="0">
+              <a:schemeClr val="dk1"/>
+            </a:effectRef>
+            <a:fontRef idx="minor">
+              <a:schemeClr val="tx1"/>
+            </a:fontRef>
+          </p:style>
+        </p:cxnSp>
+        <p:cxnSp>
+          <p:nvCxnSpPr>
+            <p:cNvPr id="39" name="Straight Arrow Connector 38">
+              <a:extLst>
+                <a:ext uri="{FF2B5EF4-FFF2-40B4-BE49-F238E27FC236}">
+                  <a16:creationId xmlns:a16="http://schemas.microsoft.com/office/drawing/2014/main" id="{4F2C18DC-776F-CA47-80EF-E5E7DB343B72}"/>
+                </a:ext>
+              </a:extLst>
+            </p:cNvPr>
+            <p:cNvCxnSpPr>
+              <a:cxnSpLocks/>
+            </p:cNvCxnSpPr>
+            <p:nvPr/>
+          </p:nvCxnSpPr>
+          <p:spPr>
+            <a:xfrm flipH="1" flipV="1">
+              <a:off x="4073703" y="2777067"/>
+              <a:ext cx="777347" cy="651932"/>
+            </a:xfrm>
+            <a:prstGeom prst="straightConnector1">
+              <a:avLst/>
+            </a:prstGeom>
+            <a:ln w="15875">
+              <a:tailEnd type="triangle"/>
+            </a:ln>
+          </p:spPr>
+          <p:style>
+            <a:lnRef idx="1">
+              <a:schemeClr val="dk1"/>
+            </a:lnRef>
+            <a:fillRef idx="0">
+              <a:schemeClr val="dk1"/>
+            </a:fillRef>
+            <a:effectRef idx="0">
+              <a:schemeClr val="dk1"/>
+            </a:effectRef>
+            <a:fontRef idx="minor">
+              <a:schemeClr val="tx1"/>
+            </a:fontRef>
+          </p:style>
+        </p:cxnSp>
+        <p:cxnSp>
+          <p:nvCxnSpPr>
+            <p:cNvPr id="42" name="Straight Arrow Connector 41">
+              <a:extLst>
+                <a:ext uri="{FF2B5EF4-FFF2-40B4-BE49-F238E27FC236}">
+                  <a16:creationId xmlns:a16="http://schemas.microsoft.com/office/drawing/2014/main" id="{F8815C04-D382-5A43-83A2-CC36FAE86E72}"/>
+                </a:ext>
+              </a:extLst>
+            </p:cNvPr>
+            <p:cNvCxnSpPr>
+              <a:cxnSpLocks/>
+            </p:cNvCxnSpPr>
+            <p:nvPr/>
+          </p:nvCxnSpPr>
+          <p:spPr>
+            <a:xfrm flipV="1">
+              <a:off x="4114800" y="2507213"/>
+              <a:ext cx="1440621" cy="299530"/>
+            </a:xfrm>
+            <a:prstGeom prst="straightConnector1">
+              <a:avLst/>
+            </a:prstGeom>
+            <a:ln>
+              <a:prstDash val="lgDash"/>
+              <a:tailEnd type="none"/>
+            </a:ln>
+          </p:spPr>
+          <p:style>
+            <a:lnRef idx="1">
+              <a:schemeClr val="dk1"/>
+            </a:lnRef>
+            <a:fillRef idx="0">
+              <a:schemeClr val="dk1"/>
+            </a:fillRef>
+            <a:effectRef idx="0">
+              <a:schemeClr val="dk1"/>
+            </a:effectRef>
+            <a:fontRef idx="minor">
+              <a:schemeClr val="tx1"/>
+            </a:fontRef>
+          </p:style>
+        </p:cxnSp>
+        <p:cxnSp>
+          <p:nvCxnSpPr>
+            <p:cNvPr id="50" name="Straight Arrow Connector 49">
+              <a:extLst>
+                <a:ext uri="{FF2B5EF4-FFF2-40B4-BE49-F238E27FC236}">
+                  <a16:creationId xmlns:a16="http://schemas.microsoft.com/office/drawing/2014/main" id="{D62A931F-408E-6E4D-9112-A84C781840CD}"/>
+                </a:ext>
+              </a:extLst>
+            </p:cNvPr>
+            <p:cNvCxnSpPr>
+              <a:cxnSpLocks/>
+            </p:cNvCxnSpPr>
+            <p:nvPr/>
+          </p:nvCxnSpPr>
+          <p:spPr>
+            <a:xfrm>
+              <a:off x="5565695" y="2512348"/>
+              <a:ext cx="0" cy="790793"/>
+            </a:xfrm>
+            <a:prstGeom prst="straightConnector1">
+              <a:avLst/>
+            </a:prstGeom>
+            <a:ln>
+              <a:prstDash val="lgDash"/>
+              <a:tailEnd type="none"/>
+            </a:ln>
+          </p:spPr>
+          <p:style>
+            <a:lnRef idx="1">
+              <a:schemeClr val="dk1"/>
+            </a:lnRef>
+            <a:fillRef idx="0">
+              <a:schemeClr val="dk1"/>
+            </a:fillRef>
+            <a:effectRef idx="0">
+              <a:schemeClr val="dk1"/>
+            </a:effectRef>
+            <a:fontRef idx="minor">
+              <a:schemeClr val="tx1"/>
+            </a:fontRef>
+          </p:style>
+        </p:cxnSp>
+        <p:cxnSp>
+          <p:nvCxnSpPr>
+            <p:cNvPr id="53" name="Straight Arrow Connector 52">
+              <a:extLst>
+                <a:ext uri="{FF2B5EF4-FFF2-40B4-BE49-F238E27FC236}">
+                  <a16:creationId xmlns:a16="http://schemas.microsoft.com/office/drawing/2014/main" id="{03084E49-DCFA-1243-AA8E-95AF1793A733}"/>
+                </a:ext>
+              </a:extLst>
+            </p:cNvPr>
+            <p:cNvCxnSpPr>
+              <a:cxnSpLocks/>
+            </p:cNvCxnSpPr>
+            <p:nvPr/>
+          </p:nvCxnSpPr>
+          <p:spPr>
+            <a:xfrm>
+              <a:off x="4114800" y="2801606"/>
+              <a:ext cx="0" cy="790793"/>
+            </a:xfrm>
+            <a:prstGeom prst="straightConnector1">
+              <a:avLst/>
+            </a:prstGeom>
+            <a:ln>
+              <a:prstDash val="lgDash"/>
+              <a:tailEnd type="none"/>
+            </a:ln>
+          </p:spPr>
+          <p:style>
+            <a:lnRef idx="1">
+              <a:schemeClr val="dk1"/>
+            </a:lnRef>
+            <a:fillRef idx="0">
+              <a:schemeClr val="dk1"/>
+            </a:fillRef>
+            <a:effectRef idx="0">
+              <a:schemeClr val="dk1"/>
+            </a:effectRef>
+            <a:fontRef idx="minor">
+              <a:schemeClr val="tx1"/>
+            </a:fontRef>
+          </p:style>
+        </p:cxnSp>
+        <p:cxnSp>
+          <p:nvCxnSpPr>
+            <p:cNvPr id="54" name="Straight Arrow Connector 53">
+              <a:extLst>
+                <a:ext uri="{FF2B5EF4-FFF2-40B4-BE49-F238E27FC236}">
+                  <a16:creationId xmlns:a16="http://schemas.microsoft.com/office/drawing/2014/main" id="{C34C8D2C-9003-FC43-AE4A-A8A06291732E}"/>
+                </a:ext>
+              </a:extLst>
+            </p:cNvPr>
+            <p:cNvCxnSpPr>
+              <a:cxnSpLocks/>
+            </p:cNvCxnSpPr>
+            <p:nvPr/>
+          </p:nvCxnSpPr>
+          <p:spPr>
+            <a:xfrm flipV="1">
+              <a:off x="4856219" y="2388447"/>
+              <a:ext cx="441470" cy="1035570"/>
+            </a:xfrm>
+            <a:prstGeom prst="straightConnector1">
+              <a:avLst/>
+            </a:prstGeom>
+            <a:ln w="15875">
+              <a:tailEnd type="triangle"/>
+            </a:ln>
+          </p:spPr>
+          <p:style>
+            <a:lnRef idx="1">
+              <a:schemeClr val="dk1"/>
+            </a:lnRef>
+            <a:fillRef idx="0">
+              <a:schemeClr val="dk1"/>
+            </a:fillRef>
+            <a:effectRef idx="0">
+              <a:schemeClr val="dk1"/>
+            </a:effectRef>
+            <a:fontRef idx="minor">
+              <a:schemeClr val="tx1"/>
+            </a:fontRef>
+          </p:style>
+        </p:cxnSp>
+        <p:cxnSp>
+          <p:nvCxnSpPr>
+            <p:cNvPr id="63" name="Straight Arrow Connector 62">
+              <a:extLst>
+                <a:ext uri="{FF2B5EF4-FFF2-40B4-BE49-F238E27FC236}">
+                  <a16:creationId xmlns:a16="http://schemas.microsoft.com/office/drawing/2014/main" id="{B363AE18-F98F-E34A-ACE4-B3167FB9B06A}"/>
+                </a:ext>
+              </a:extLst>
+            </p:cNvPr>
+            <p:cNvCxnSpPr>
+              <a:cxnSpLocks/>
+            </p:cNvCxnSpPr>
+            <p:nvPr/>
+          </p:nvCxnSpPr>
+          <p:spPr>
+            <a:xfrm flipH="1" flipV="1">
+              <a:off x="4467502" y="2092223"/>
+              <a:ext cx="382151" cy="1329328"/>
+            </a:xfrm>
+            <a:prstGeom prst="straightConnector1">
+              <a:avLst/>
+            </a:prstGeom>
+            <a:ln w="15875">
+              <a:tailEnd type="triangle"/>
+            </a:ln>
+          </p:spPr>
+          <p:style>
+            <a:lnRef idx="1">
+              <a:schemeClr val="dk1"/>
+            </a:lnRef>
+            <a:fillRef idx="0">
+              <a:schemeClr val="dk1"/>
+            </a:fillRef>
+            <a:effectRef idx="0">
+              <a:schemeClr val="dk1"/>
+            </a:effectRef>
+            <a:fontRef idx="minor">
+              <a:schemeClr val="tx1"/>
+            </a:fontRef>
+          </p:style>
+        </p:cxnSp>
+        <p:cxnSp>
+          <p:nvCxnSpPr>
+            <p:cNvPr id="66" name="Straight Arrow Connector 65">
+              <a:extLst>
+                <a:ext uri="{FF2B5EF4-FFF2-40B4-BE49-F238E27FC236}">
+                  <a16:creationId xmlns:a16="http://schemas.microsoft.com/office/drawing/2014/main" id="{AA17F2ED-68AE-1A4A-9DAC-BF6DF1B086BE}"/>
+                </a:ext>
+              </a:extLst>
+            </p:cNvPr>
+            <p:cNvCxnSpPr>
+              <a:cxnSpLocks/>
+            </p:cNvCxnSpPr>
+            <p:nvPr/>
+          </p:nvCxnSpPr>
+          <p:spPr>
+            <a:xfrm>
+              <a:off x="5287415" y="2444308"/>
+              <a:ext cx="0" cy="1148091"/>
+            </a:xfrm>
+            <a:prstGeom prst="straightConnector1">
+              <a:avLst/>
+            </a:prstGeom>
+            <a:ln>
+              <a:prstDash val="lgDash"/>
+              <a:tailEnd type="none"/>
+            </a:ln>
+          </p:spPr>
+          <p:style>
+            <a:lnRef idx="1">
+              <a:schemeClr val="dk1"/>
+            </a:lnRef>
+            <a:fillRef idx="0">
+              <a:schemeClr val="dk1"/>
+            </a:fillRef>
+            <a:effectRef idx="0">
+              <a:schemeClr val="dk1"/>
+            </a:effectRef>
+            <a:fontRef idx="minor">
+              <a:schemeClr val="tx1"/>
+            </a:fontRef>
+          </p:style>
+        </p:cxnSp>
+        <p:cxnSp>
+          <p:nvCxnSpPr>
+            <p:cNvPr id="68" name="Straight Arrow Connector 67">
+              <a:extLst>
+                <a:ext uri="{FF2B5EF4-FFF2-40B4-BE49-F238E27FC236}">
+                  <a16:creationId xmlns:a16="http://schemas.microsoft.com/office/drawing/2014/main" id="{9DA76F74-7411-6642-B796-00FDF9E5178B}"/>
+                </a:ext>
+              </a:extLst>
+            </p:cNvPr>
+            <p:cNvCxnSpPr>
+              <a:cxnSpLocks/>
+            </p:cNvCxnSpPr>
+            <p:nvPr/>
+          </p:nvCxnSpPr>
+          <p:spPr>
+            <a:xfrm>
+              <a:off x="4477174" y="2129650"/>
+              <a:ext cx="0" cy="1148091"/>
+            </a:xfrm>
+            <a:prstGeom prst="straightConnector1">
+              <a:avLst/>
+            </a:prstGeom>
+            <a:ln>
+              <a:prstDash val="lgDash"/>
+              <a:tailEnd type="none"/>
+            </a:ln>
+          </p:spPr>
+          <p:style>
+            <a:lnRef idx="1">
+              <a:schemeClr val="dk1"/>
+            </a:lnRef>
+            <a:fillRef idx="0">
+              <a:schemeClr val="dk1"/>
+            </a:fillRef>
+            <a:effectRef idx="0">
+              <a:schemeClr val="dk1"/>
+            </a:effectRef>
+            <a:fontRef idx="minor">
+              <a:schemeClr val="tx1"/>
+            </a:fontRef>
+          </p:style>
+        </p:cxnSp>
+        <p:cxnSp>
+          <p:nvCxnSpPr>
+            <p:cNvPr id="69" name="Straight Arrow Connector 68">
+              <a:extLst>
+                <a:ext uri="{FF2B5EF4-FFF2-40B4-BE49-F238E27FC236}">
+                  <a16:creationId xmlns:a16="http://schemas.microsoft.com/office/drawing/2014/main" id="{87185B55-3C30-8646-A9C1-C90B268C32EF}"/>
+                </a:ext>
+              </a:extLst>
+            </p:cNvPr>
+            <p:cNvCxnSpPr>
+              <a:cxnSpLocks/>
+            </p:cNvCxnSpPr>
+            <p:nvPr/>
+          </p:nvCxnSpPr>
+          <p:spPr>
+            <a:xfrm>
+              <a:off x="4498923" y="2122199"/>
+              <a:ext cx="780983" cy="296946"/>
+            </a:xfrm>
+            <a:prstGeom prst="straightConnector1">
+              <a:avLst/>
+            </a:prstGeom>
+            <a:ln>
+              <a:prstDash val="lgDash"/>
+              <a:tailEnd type="none"/>
+            </a:ln>
+          </p:spPr>
+          <p:style>
+            <a:lnRef idx="1">
+              <a:schemeClr val="dk1"/>
+            </a:lnRef>
+            <a:fillRef idx="0">
+              <a:schemeClr val="dk1"/>
+            </a:fillRef>
+            <a:effectRef idx="0">
+              <a:schemeClr val="dk1"/>
+            </a:effectRef>
+            <a:fontRef idx="minor">
+              <a:schemeClr val="tx1"/>
+            </a:fontRef>
+          </p:style>
+        </p:cxnSp>
+        <p:sp>
+          <p:nvSpPr>
+            <p:cNvPr id="72" name="TextBox 71">
+              <a:extLst>
+                <a:ext uri="{FF2B5EF4-FFF2-40B4-BE49-F238E27FC236}">
+                  <a16:creationId xmlns:a16="http://schemas.microsoft.com/office/drawing/2014/main" id="{2592673C-1BAF-1942-B599-25FD34B9BDFA}"/>
+                </a:ext>
+              </a:extLst>
+            </p:cNvPr>
+            <p:cNvSpPr txBox="1"/>
+            <p:nvPr/>
+          </p:nvSpPr>
+          <p:spPr>
+            <a:xfrm>
+              <a:off x="4642375" y="1489259"/>
+              <a:ext cx="256802" cy="276999"/>
+            </a:xfrm>
+            <a:prstGeom prst="rect">
+              <a:avLst/>
+            </a:prstGeom>
+            <a:noFill/>
+          </p:spPr>
+          <p:txBody>
+            <a:bodyPr wrap="none" rtlCol="0">
+              <a:spAutoFit/>
+            </a:bodyPr>
+            <a:lstStyle/>
+            <a:p>
+              <a:r>
+                <a:rPr lang="en-US" sz="1200" dirty="0"/>
+                <a:t>Z</a:t>
+              </a:r>
+            </a:p>
+          </p:txBody>
+        </p:sp>
+        <p:sp>
+          <p:nvSpPr>
+            <p:cNvPr id="73" name="TextBox 72">
+              <a:extLst>
+                <a:ext uri="{FF2B5EF4-FFF2-40B4-BE49-F238E27FC236}">
+                  <a16:creationId xmlns:a16="http://schemas.microsoft.com/office/drawing/2014/main" id="{A97BE8CD-DCD5-2B48-9E70-21111F1269DB}"/>
+                </a:ext>
+              </a:extLst>
+            </p:cNvPr>
+            <p:cNvSpPr txBox="1"/>
+            <p:nvPr/>
+          </p:nvSpPr>
+          <p:spPr>
+            <a:xfrm>
+              <a:off x="3311839" y="2555136"/>
+              <a:ext cx="260008" cy="276999"/>
+            </a:xfrm>
+            <a:prstGeom prst="rect">
+              <a:avLst/>
+            </a:prstGeom>
+            <a:noFill/>
+          </p:spPr>
+          <p:txBody>
+            <a:bodyPr wrap="none" rtlCol="0">
+              <a:spAutoFit/>
+            </a:bodyPr>
+            <a:lstStyle/>
+            <a:p>
+              <a:r>
+                <a:rPr lang="en-US" sz="1200" dirty="0"/>
+                <a:t>Y</a:t>
+              </a:r>
+            </a:p>
+          </p:txBody>
+        </p:sp>
+        <p:sp>
+          <p:nvSpPr>
+            <p:cNvPr id="74" name="TextBox 73">
+              <a:extLst>
+                <a:ext uri="{FF2B5EF4-FFF2-40B4-BE49-F238E27FC236}">
+                  <a16:creationId xmlns:a16="http://schemas.microsoft.com/office/drawing/2014/main" id="{37D7A560-6C2C-0649-86AB-9CD0BD7CE7CC}"/>
+                </a:ext>
+              </a:extLst>
+            </p:cNvPr>
+            <p:cNvSpPr txBox="1"/>
+            <p:nvPr/>
+          </p:nvSpPr>
+          <p:spPr>
+            <a:xfrm>
+              <a:off x="6174821" y="2834963"/>
+              <a:ext cx="264816" cy="276999"/>
+            </a:xfrm>
+            <a:prstGeom prst="rect">
+              <a:avLst/>
+            </a:prstGeom>
+            <a:noFill/>
+          </p:spPr>
+          <p:txBody>
+            <a:bodyPr wrap="none" rtlCol="0">
+              <a:spAutoFit/>
+            </a:bodyPr>
+            <a:lstStyle/>
+            <a:p>
+              <a:r>
+                <a:rPr lang="en-US" sz="1200" dirty="0"/>
+                <a:t>X</a:t>
+              </a:r>
+            </a:p>
+          </p:txBody>
+        </p:sp>
+        <p:sp>
+          <p:nvSpPr>
+            <p:cNvPr id="75" name="TextBox 74">
+              <a:extLst>
+                <a:ext uri="{FF2B5EF4-FFF2-40B4-BE49-F238E27FC236}">
+                  <a16:creationId xmlns:a16="http://schemas.microsoft.com/office/drawing/2014/main" id="{3B94CD4B-AC96-F44E-8E80-1B394A1C1ED0}"/>
+                </a:ext>
+              </a:extLst>
+            </p:cNvPr>
+            <p:cNvSpPr txBox="1"/>
+            <p:nvPr/>
+          </p:nvSpPr>
+          <p:spPr>
+            <a:xfrm>
+              <a:off x="4287293" y="1902933"/>
+              <a:ext cx="268022" cy="276999"/>
+            </a:xfrm>
+            <a:prstGeom prst="rect">
+              <a:avLst/>
+            </a:prstGeom>
+            <a:noFill/>
+          </p:spPr>
+          <p:txBody>
+            <a:bodyPr wrap="none" rtlCol="0">
+              <a:spAutoFit/>
+            </a:bodyPr>
+            <a:lstStyle/>
+            <a:p>
+              <a:r>
+                <a:rPr lang="en-US" sz="1200" dirty="0"/>
+                <a:t>B</a:t>
+              </a:r>
+            </a:p>
+          </p:txBody>
+        </p:sp>
+        <p:sp>
+          <p:nvSpPr>
+            <p:cNvPr id="76" name="TextBox 75">
+              <a:extLst>
+                <a:ext uri="{FF2B5EF4-FFF2-40B4-BE49-F238E27FC236}">
+                  <a16:creationId xmlns:a16="http://schemas.microsoft.com/office/drawing/2014/main" id="{8682B3F3-566D-DD48-8AEE-AA5CAE37C934}"/>
+                </a:ext>
+              </a:extLst>
+            </p:cNvPr>
+            <p:cNvSpPr txBox="1"/>
+            <p:nvPr/>
+          </p:nvSpPr>
+          <p:spPr>
+            <a:xfrm>
+              <a:off x="5158794" y="2155050"/>
+              <a:ext cx="260008" cy="276999"/>
+            </a:xfrm>
+            <a:prstGeom prst="rect">
+              <a:avLst/>
+            </a:prstGeom>
+            <a:noFill/>
+          </p:spPr>
+          <p:txBody>
+            <a:bodyPr wrap="none" rtlCol="0">
+              <a:spAutoFit/>
+            </a:bodyPr>
+            <a:lstStyle/>
+            <a:p>
+              <a:r>
+                <a:rPr lang="en-US" sz="1200" dirty="0"/>
+                <a:t>T</a:t>
+              </a:r>
+            </a:p>
+          </p:txBody>
+        </p:sp>
+        <p:sp>
+          <p:nvSpPr>
+            <p:cNvPr id="77" name="TextBox 76">
+              <a:extLst>
+                <a:ext uri="{FF2B5EF4-FFF2-40B4-BE49-F238E27FC236}">
+                  <a16:creationId xmlns:a16="http://schemas.microsoft.com/office/drawing/2014/main" id="{FE28A668-12B7-1C4B-A6B6-31B92B39D952}"/>
+                </a:ext>
+              </a:extLst>
+            </p:cNvPr>
+            <p:cNvSpPr txBox="1"/>
+            <p:nvPr/>
+          </p:nvSpPr>
+          <p:spPr>
+            <a:xfrm>
+              <a:off x="5538463" y="2269066"/>
+              <a:ext cx="268022" cy="276999"/>
+            </a:xfrm>
+            <a:prstGeom prst="rect">
+              <a:avLst/>
+            </a:prstGeom>
+            <a:noFill/>
+          </p:spPr>
+          <p:txBody>
+            <a:bodyPr wrap="none" rtlCol="0">
+              <a:spAutoFit/>
+            </a:bodyPr>
+            <a:lstStyle/>
+            <a:p>
+              <a:r>
+                <a:rPr lang="en-US" sz="1200" dirty="0"/>
+                <a:t>R</a:t>
+              </a:r>
+            </a:p>
+          </p:txBody>
+        </p:sp>
+        <p:sp>
+          <p:nvSpPr>
+            <p:cNvPr id="78" name="TextBox 77">
+              <a:extLst>
+                <a:ext uri="{FF2B5EF4-FFF2-40B4-BE49-F238E27FC236}">
+                  <a16:creationId xmlns:a16="http://schemas.microsoft.com/office/drawing/2014/main" id="{259E32BB-8361-8446-AD15-6869740C698C}"/>
+                </a:ext>
+              </a:extLst>
+            </p:cNvPr>
+            <p:cNvSpPr txBox="1"/>
+            <p:nvPr/>
+          </p:nvSpPr>
+          <p:spPr>
+            <a:xfrm>
+              <a:off x="3899481" y="2561820"/>
+              <a:ext cx="248786" cy="276999"/>
+            </a:xfrm>
+            <a:prstGeom prst="rect">
+              <a:avLst/>
+            </a:prstGeom>
+            <a:noFill/>
+          </p:spPr>
+          <p:txBody>
+            <a:bodyPr wrap="none" rtlCol="0">
+              <a:spAutoFit/>
+            </a:bodyPr>
+            <a:lstStyle/>
+            <a:p>
+              <a:r>
+                <a:rPr lang="en-US" sz="1200" dirty="0"/>
+                <a:t>L</a:t>
+              </a:r>
+            </a:p>
+          </p:txBody>
+        </p:sp>
+        <p:sp>
+          <p:nvSpPr>
+            <p:cNvPr id="79" name="TextBox 78">
+              <a:extLst>
+                <a:ext uri="{FF2B5EF4-FFF2-40B4-BE49-F238E27FC236}">
+                  <a16:creationId xmlns:a16="http://schemas.microsoft.com/office/drawing/2014/main" id="{D647A631-EF9C-5B46-A1C8-CB31060FC2FA}"/>
+                </a:ext>
+              </a:extLst>
+            </p:cNvPr>
+            <p:cNvSpPr txBox="1"/>
+            <p:nvPr/>
+          </p:nvSpPr>
+          <p:spPr>
+            <a:xfrm>
+              <a:off x="4685181" y="3416872"/>
+              <a:ext cx="263214" cy="276999"/>
+            </a:xfrm>
+            <a:prstGeom prst="rect">
+              <a:avLst/>
+            </a:prstGeom>
+            <a:noFill/>
+          </p:spPr>
+          <p:txBody>
+            <a:bodyPr wrap="none" rtlCol="0">
+              <a:spAutoFit/>
+            </a:bodyPr>
+            <a:lstStyle/>
+            <a:p>
+              <a:r>
+                <a:rPr lang="en-US" sz="1200" dirty="0"/>
+                <a:t>0</a:t>
+              </a:r>
+            </a:p>
+          </p:txBody>
+        </p:sp>
+      </p:grpSp>
+      <p:sp>
+        <p:nvSpPr>
+          <p:cNvPr id="81" name="Arc 80">
+            <a:extLst>
+              <a:ext uri="{FF2B5EF4-FFF2-40B4-BE49-F238E27FC236}">
+                <a16:creationId xmlns:a16="http://schemas.microsoft.com/office/drawing/2014/main" id="{1EF963A9-B74C-0944-8392-27DF8F85BA25}"/>
+              </a:ext>
+            </a:extLst>
+          </p:cNvPr>
+          <p:cNvSpPr/>
+          <p:nvPr/>
+        </p:nvSpPr>
+        <p:spPr>
+          <a:xfrm rot="21039014">
+            <a:off x="4679578" y="3144552"/>
+            <a:ext cx="367063" cy="314325"/>
+          </a:xfrm>
+          <a:prstGeom prst="arc">
+            <a:avLst>
+              <a:gd name="adj1" fmla="val 16542691"/>
+              <a:gd name="adj2" fmla="val 20433947"/>
+            </a:avLst>
+          </a:prstGeom>
+        </p:spPr>
+        <p:style>
+          <a:lnRef idx="1">
+            <a:schemeClr val="dk1"/>
+          </a:lnRef>
+          <a:fillRef idx="0">
+            <a:schemeClr val="dk1"/>
+          </a:fillRef>
+          <a:effectRef idx="0">
+            <a:schemeClr val="dk1"/>
+          </a:effectRef>
+          <a:fontRef idx="minor">
+            <a:schemeClr val="tx1"/>
+          </a:fontRef>
+        </p:style>
+        <p:txBody>
+          <a:bodyPr rtlCol="0" anchor="ctr"/>
+          <a:lstStyle/>
+          <a:p>
+            <a:pPr algn="ctr"/>
+            <a:endParaRPr lang="en-US"/>
+          </a:p>
+        </p:txBody>
+      </p:sp>
+      <p:sp>
+        <p:nvSpPr>
+          <p:cNvPr id="82" name="Arc 81">
+            <a:extLst>
+              <a:ext uri="{FF2B5EF4-FFF2-40B4-BE49-F238E27FC236}">
+                <a16:creationId xmlns:a16="http://schemas.microsoft.com/office/drawing/2014/main" id="{2ECB656E-8859-4F48-9D38-CA3490C7611A}"/>
+              </a:ext>
+            </a:extLst>
+          </p:cNvPr>
+          <p:cNvSpPr/>
+          <p:nvPr/>
+        </p:nvSpPr>
+        <p:spPr>
+          <a:xfrm rot="1205351">
+            <a:off x="4666119" y="3016454"/>
+            <a:ext cx="367063" cy="314325"/>
+          </a:xfrm>
+          <a:prstGeom prst="arc">
+            <a:avLst>
+              <a:gd name="adj1" fmla="val 15041541"/>
+              <a:gd name="adj2" fmla="val 18612653"/>
+            </a:avLst>
+          </a:prstGeom>
+        </p:spPr>
+        <p:style>
+          <a:lnRef idx="1">
+            <a:schemeClr val="dk1"/>
+          </a:lnRef>
+          <a:fillRef idx="0">
+            <a:schemeClr val="dk1"/>
+          </a:fillRef>
+          <a:effectRef idx="0">
+            <a:schemeClr val="dk1"/>
+          </a:effectRef>
+          <a:fontRef idx="minor">
+            <a:schemeClr val="tx1"/>
+          </a:fontRef>
+        </p:style>
+        <p:txBody>
+          <a:bodyPr rtlCol="0" anchor="ctr"/>
+          <a:lstStyle/>
+          <a:p>
+            <a:pPr algn="ctr"/>
+            <a:endParaRPr lang="en-US"/>
+          </a:p>
+        </p:txBody>
+      </p:sp>
+      <mc:AlternateContent xmlns:mc="http://schemas.openxmlformats.org/markup-compatibility/2006">
+        <mc:Choice xmlns:a14="http://schemas.microsoft.com/office/drawing/2010/main" Requires="a14">
+          <p:sp>
+            <p:nvSpPr>
+              <p:cNvPr id="89" name="TextBox 88">
+                <a:extLst>
+                  <a:ext uri="{FF2B5EF4-FFF2-40B4-BE49-F238E27FC236}">
+                    <a16:creationId xmlns:a16="http://schemas.microsoft.com/office/drawing/2014/main" id="{6B74BE97-D9F9-B446-9596-B4B2803B8450}"/>
+                  </a:ext>
+                </a:extLst>
+              </p:cNvPr>
+              <p:cNvSpPr txBox="1"/>
+              <p:nvPr/>
+            </p:nvSpPr>
+            <p:spPr>
+              <a:xfrm>
+                <a:off x="5008071" y="3156178"/>
+                <a:ext cx="121315" cy="169277"/>
+              </a:xfrm>
+              <a:prstGeom prst="rect">
+                <a:avLst/>
+              </a:prstGeom>
+              <a:noFill/>
+            </p:spPr>
+            <p:txBody>
+              <a:bodyPr wrap="none" lIns="0" tIns="0" rIns="0" bIns="0" rtlCol="0">
+                <a:spAutoFit/>
+              </a:bodyPr>
+              <a:lstStyle/>
+              <a:p>
+                <a14:m>
+                  <m:oMathPara xmlns:m="http://schemas.openxmlformats.org/officeDocument/2006/math">
+                    <m:oMathParaPr>
+                      <m:jc m:val="centerGroup"/>
+                    </m:oMathParaPr>
+                    <m:oMath xmlns:m="http://schemas.openxmlformats.org/officeDocument/2006/math">
+                      <m:r>
+                        <a:rPr lang="en-US" sz="1100" i="1" smtClean="0">
+                          <a:latin typeface="Cambria Math" panose="02040503050406030204" pitchFamily="18" charset="0"/>
+                          <a:ea typeface="Cambria Math" panose="02040503050406030204" pitchFamily="18" charset="0"/>
+                        </a:rPr>
+                        <m:t>𝛼</m:t>
+                      </m:r>
+                    </m:oMath>
+                  </m:oMathPara>
+                </a14:m>
+                <a:endParaRPr lang="en-US" sz="1100" dirty="0"/>
+              </a:p>
+            </p:txBody>
+          </p:sp>
+        </mc:Choice>
+        <mc:Fallback>
+          <p:sp>
+            <p:nvSpPr>
+              <p:cNvPr id="89" name="TextBox 88">
+                <a:extLst>
+                  <a:ext uri="{FF2B5EF4-FFF2-40B4-BE49-F238E27FC236}">
+                    <a16:creationId xmlns:a16="http://schemas.microsoft.com/office/drawing/2014/main" id="{6B74BE97-D9F9-B446-9596-B4B2803B8450}"/>
+                  </a:ext>
+                </a:extLst>
+              </p:cNvPr>
+              <p:cNvSpPr txBox="1">
+                <a:spLocks noRot="1" noChangeAspect="1" noMove="1" noResize="1" noEditPoints="1" noAdjustHandles="1" noChangeArrowheads="1" noChangeShapeType="1" noTextEdit="1"/>
+              </p:cNvSpPr>
+              <p:nvPr/>
+            </p:nvSpPr>
+            <p:spPr>
+              <a:xfrm>
+                <a:off x="5008071" y="3156178"/>
+                <a:ext cx="121315" cy="169277"/>
+              </a:xfrm>
+              <a:prstGeom prst="rect">
+                <a:avLst/>
+              </a:prstGeom>
+              <a:blipFill>
+                <a:blip r:embed="rId2"/>
+                <a:stretch>
+                  <a:fillRect l="-9091" r="-9091"/>
+                </a:stretch>
+              </a:blipFill>
+            </p:spPr>
+            <p:txBody>
+              <a:bodyPr/>
+              <a:lstStyle/>
+              <a:p>
+                <a:r>
+                  <a:rPr lang="en-US">
+                    <a:noFill/>
+                  </a:rPr>
+                  <a:t> </a:t>
+                </a:r>
+              </a:p>
+            </p:txBody>
+          </p:sp>
+        </mc:Fallback>
+      </mc:AlternateContent>
+      <mc:AlternateContent xmlns:mc="http://schemas.openxmlformats.org/markup-compatibility/2006">
+        <mc:Choice xmlns:a14="http://schemas.microsoft.com/office/drawing/2010/main" Requires="a14">
+          <p:sp>
+            <p:nvSpPr>
+              <p:cNvPr id="90" name="TextBox 89">
+                <a:extLst>
+                  <a:ext uri="{FF2B5EF4-FFF2-40B4-BE49-F238E27FC236}">
+                    <a16:creationId xmlns:a16="http://schemas.microsoft.com/office/drawing/2014/main" id="{D9E76F9F-A3AD-FC48-9269-A764CF2C15FC}"/>
+                  </a:ext>
+                </a:extLst>
+              </p:cNvPr>
+              <p:cNvSpPr txBox="1"/>
+              <p:nvPr/>
+            </p:nvSpPr>
+            <p:spPr>
+              <a:xfrm>
+                <a:off x="4780127" y="2803613"/>
+                <a:ext cx="305981" cy="261610"/>
+              </a:xfrm>
+              <a:prstGeom prst="rect">
+                <a:avLst/>
+              </a:prstGeom>
+              <a:noFill/>
+            </p:spPr>
+            <p:txBody>
+              <a:bodyPr wrap="none" rtlCol="0">
+                <a:spAutoFit/>
+              </a:bodyPr>
+              <a:lstStyle/>
+              <a:p>
+                <a14:m>
+                  <m:oMathPara xmlns:m="http://schemas.openxmlformats.org/officeDocument/2006/math">
+                    <m:oMathParaPr>
+                      <m:jc m:val="centerGroup"/>
+                    </m:oMathParaPr>
+                    <m:oMath xmlns:m="http://schemas.openxmlformats.org/officeDocument/2006/math">
+                      <m:r>
+                        <a:rPr lang="en-US" sz="1100" i="1">
+                          <a:latin typeface="Cambria Math" panose="02040503050406030204" pitchFamily="18" charset="0"/>
+                          <a:ea typeface="Cambria Math" panose="02040503050406030204" pitchFamily="18" charset="0"/>
+                        </a:rPr>
+                        <m:t>𝛽</m:t>
+                      </m:r>
+                    </m:oMath>
+                  </m:oMathPara>
+                </a14:m>
+                <a:endParaRPr lang="en-US" sz="1100" dirty="0"/>
+              </a:p>
+            </p:txBody>
+          </p:sp>
+        </mc:Choice>
+        <mc:Fallback>
+          <p:sp>
+            <p:nvSpPr>
+              <p:cNvPr id="90" name="TextBox 89">
+                <a:extLst>
+                  <a:ext uri="{FF2B5EF4-FFF2-40B4-BE49-F238E27FC236}">
+                    <a16:creationId xmlns:a16="http://schemas.microsoft.com/office/drawing/2014/main" id="{D9E76F9F-A3AD-FC48-9269-A764CF2C15FC}"/>
+                  </a:ext>
+                </a:extLst>
+              </p:cNvPr>
+              <p:cNvSpPr txBox="1">
+                <a:spLocks noRot="1" noChangeAspect="1" noMove="1" noResize="1" noEditPoints="1" noAdjustHandles="1" noChangeArrowheads="1" noChangeShapeType="1" noTextEdit="1"/>
+              </p:cNvSpPr>
+              <p:nvPr/>
+            </p:nvSpPr>
+            <p:spPr>
+              <a:xfrm>
+                <a:off x="4780127" y="2803613"/>
+                <a:ext cx="305981" cy="261610"/>
+              </a:xfrm>
+              <a:prstGeom prst="rect">
+                <a:avLst/>
+              </a:prstGeom>
+              <a:blipFill>
+                <a:blip r:embed="rId3"/>
+                <a:stretch>
+                  <a:fillRect/>
+                </a:stretch>
+              </a:blipFill>
+            </p:spPr>
+            <p:txBody>
+              <a:bodyPr/>
+              <a:lstStyle/>
+              <a:p>
+                <a:r>
+                  <a:rPr lang="en-US">
+                    <a:noFill/>
+                  </a:rPr>
+                  <a:t> </a:t>
+                </a:r>
+              </a:p>
+            </p:txBody>
+          </p:sp>
+        </mc:Fallback>
+      </mc:AlternateContent>
+    </p:spTree>
+    <p:extLst>
+      <p:ext uri="{BB962C8B-B14F-4D97-AF65-F5344CB8AC3E}">
+        <p14:creationId xmlns:p14="http://schemas.microsoft.com/office/powerpoint/2010/main" val="4290250281"/>
+      </p:ext>
+    </p:extLst>
+  </p:cSld>
+  <p:clrMapOvr>
+    <a:masterClrMapping/>
+  </p:clrMapOvr>
+</p:sld>
+</file>
+
+<file path=ppt/slides/slide5.xml><?xml version="1.0" encoding="utf-8"?>
+<p:sld xmlns:a="http://schemas.openxmlformats.org/drawingml/2006/main" xmlns:r="http://schemas.openxmlformats.org/officeDocument/2006/relationships" xmlns:p="http://schemas.openxmlformats.org/presentationml/2006/main">
+  <p:cSld>
+    <p:spTree>
+      <p:nvGrpSpPr>
+        <p:cNvPr id="1" name=""/>
+        <p:cNvGrpSpPr/>
+        <p:nvPr/>
+      </p:nvGrpSpPr>
+      <p:grpSpPr>
+        <a:xfrm>
+          <a:off x="0" y="0"/>
+          <a:ext cx="0" cy="0"/>
+          <a:chOff x="0" y="0"/>
+          <a:chExt cx="0" cy="0"/>
+        </a:xfrm>
+      </p:grpSpPr>
+      <p:cxnSp>
+        <p:nvCxnSpPr>
+          <p:cNvPr id="13" name="Straight Arrow Connector 12">
+            <a:extLst>
+              <a:ext uri="{FF2B5EF4-FFF2-40B4-BE49-F238E27FC236}">
+                <a16:creationId xmlns:a16="http://schemas.microsoft.com/office/drawing/2014/main" id="{4FBD61A9-2895-B646-A845-7394CDD3A1FE}"/>
+              </a:ext>
+            </a:extLst>
+          </p:cNvPr>
+          <p:cNvCxnSpPr>
+            <a:cxnSpLocks/>
+          </p:cNvCxnSpPr>
+          <p:nvPr/>
+        </p:nvCxnSpPr>
+        <p:spPr>
+          <a:xfrm flipV="1">
+            <a:off x="4853355" y="3103033"/>
+            <a:ext cx="1578267" cy="325967"/>
+          </a:xfrm>
+          <a:prstGeom prst="straightConnector1">
+            <a:avLst/>
+          </a:prstGeom>
+          <a:ln>
+            <a:tailEnd type="triangle"/>
+          </a:ln>
+        </p:spPr>
+        <p:style>
+          <a:lnRef idx="1">
+            <a:schemeClr val="dk1"/>
+          </a:lnRef>
+          <a:fillRef idx="0">
+            <a:schemeClr val="dk1"/>
+          </a:fillRef>
+          <a:effectRef idx="0">
+            <a:schemeClr val="dk1"/>
+          </a:effectRef>
+          <a:fontRef idx="minor">
+            <a:schemeClr val="tx1"/>
+          </a:fontRef>
+        </p:style>
+      </p:cxnSp>
+      <p:cxnSp>
+        <p:nvCxnSpPr>
+          <p:cNvPr id="14" name="Straight Arrow Connector 13">
+            <a:extLst>
+              <a:ext uri="{FF2B5EF4-FFF2-40B4-BE49-F238E27FC236}">
+                <a16:creationId xmlns:a16="http://schemas.microsoft.com/office/drawing/2014/main" id="{9E566138-CAE1-3E40-8122-A6412F2DF226}"/>
+              </a:ext>
+            </a:extLst>
+          </p:cNvPr>
+          <p:cNvCxnSpPr>
+            <a:cxnSpLocks/>
+          </p:cNvCxnSpPr>
+          <p:nvPr/>
+        </p:nvCxnSpPr>
+        <p:spPr>
+          <a:xfrm flipV="1">
+            <a:off x="4853355" y="1679825"/>
+            <a:ext cx="0" cy="1749176"/>
+          </a:xfrm>
+          <a:prstGeom prst="straightConnector1">
+            <a:avLst/>
+          </a:prstGeom>
+          <a:ln>
+            <a:tailEnd type="triangle"/>
+          </a:ln>
+        </p:spPr>
+        <p:style>
+          <a:lnRef idx="1">
+            <a:schemeClr val="dk1"/>
+          </a:lnRef>
+          <a:fillRef idx="0">
+            <a:schemeClr val="dk1"/>
+          </a:fillRef>
+          <a:effectRef idx="0">
+            <a:schemeClr val="dk1"/>
+          </a:effectRef>
+          <a:fontRef idx="minor">
+            <a:schemeClr val="tx1"/>
+          </a:fontRef>
+        </p:style>
+      </p:cxnSp>
+      <p:cxnSp>
+        <p:nvCxnSpPr>
+          <p:cNvPr id="15" name="Straight Arrow Connector 14">
+            <a:extLst>
+              <a:ext uri="{FF2B5EF4-FFF2-40B4-BE49-F238E27FC236}">
+                <a16:creationId xmlns:a16="http://schemas.microsoft.com/office/drawing/2014/main" id="{77BFAA76-7EBF-694F-B5F2-69AFAF908BDF}"/>
+              </a:ext>
+            </a:extLst>
+          </p:cNvPr>
+          <p:cNvCxnSpPr>
+            <a:cxnSpLocks/>
+          </p:cNvCxnSpPr>
+          <p:nvPr/>
+        </p:nvCxnSpPr>
+        <p:spPr>
+          <a:xfrm flipH="1" flipV="1">
+            <a:off x="3376246" y="2843892"/>
+            <a:ext cx="1477108" cy="585109"/>
+          </a:xfrm>
+          <a:prstGeom prst="straightConnector1">
+            <a:avLst/>
+          </a:prstGeom>
+          <a:ln>
+            <a:tailEnd type="triangle"/>
+          </a:ln>
+        </p:spPr>
+        <p:style>
+          <a:lnRef idx="1">
+            <a:schemeClr val="dk1"/>
+          </a:lnRef>
+          <a:fillRef idx="0">
+            <a:schemeClr val="dk1"/>
+          </a:fillRef>
+          <a:effectRef idx="0">
+            <a:schemeClr val="dk1"/>
+          </a:effectRef>
+          <a:fontRef idx="minor">
+            <a:schemeClr val="tx1"/>
+          </a:fontRef>
+        </p:style>
+      </p:cxnSp>
+      <p:cxnSp>
+        <p:nvCxnSpPr>
+          <p:cNvPr id="16" name="Straight Arrow Connector 15">
+            <a:extLst>
+              <a:ext uri="{FF2B5EF4-FFF2-40B4-BE49-F238E27FC236}">
+                <a16:creationId xmlns:a16="http://schemas.microsoft.com/office/drawing/2014/main" id="{0787FA20-6A62-2645-8B90-CDE77494E474}"/>
+              </a:ext>
+            </a:extLst>
+          </p:cNvPr>
+          <p:cNvCxnSpPr>
+            <a:cxnSpLocks/>
+          </p:cNvCxnSpPr>
+          <p:nvPr/>
+        </p:nvCxnSpPr>
+        <p:spPr>
+          <a:xfrm flipV="1">
+            <a:off x="3441843" y="3429002"/>
+            <a:ext cx="1411511" cy="269851"/>
+          </a:xfrm>
+          <a:prstGeom prst="straightConnector1">
+            <a:avLst/>
+          </a:prstGeom>
+          <a:ln>
+            <a:prstDash val="lgDash"/>
+            <a:tailEnd type="none"/>
+          </a:ln>
+        </p:spPr>
+        <p:style>
+          <a:lnRef idx="1">
+            <a:schemeClr val="dk1"/>
+          </a:lnRef>
+          <a:fillRef idx="0">
+            <a:schemeClr val="dk1"/>
+          </a:fillRef>
+          <a:effectRef idx="0">
+            <a:schemeClr val="dk1"/>
+          </a:effectRef>
+          <a:fontRef idx="minor">
+            <a:schemeClr val="tx1"/>
+          </a:fontRef>
+        </p:style>
+      </p:cxnSp>
+      <p:cxnSp>
+        <p:nvCxnSpPr>
+          <p:cNvPr id="17" name="Straight Arrow Connector 16">
+            <a:extLst>
+              <a:ext uri="{FF2B5EF4-FFF2-40B4-BE49-F238E27FC236}">
+                <a16:creationId xmlns:a16="http://schemas.microsoft.com/office/drawing/2014/main" id="{90B3F29D-EC82-FF4C-A99D-55E91F8F0597}"/>
+              </a:ext>
+            </a:extLst>
+          </p:cNvPr>
+          <p:cNvCxnSpPr>
+            <a:cxnSpLocks/>
+          </p:cNvCxnSpPr>
+          <p:nvPr/>
+        </p:nvCxnSpPr>
+        <p:spPr>
+          <a:xfrm>
+            <a:off x="4853354" y="3428998"/>
+            <a:ext cx="1153030" cy="467326"/>
+          </a:xfrm>
+          <a:prstGeom prst="straightConnector1">
+            <a:avLst/>
+          </a:prstGeom>
+          <a:ln>
+            <a:prstDash val="lgDash"/>
+            <a:tailEnd type="none"/>
+          </a:ln>
+        </p:spPr>
+        <p:style>
+          <a:lnRef idx="1">
+            <a:schemeClr val="dk1"/>
+          </a:lnRef>
+          <a:fillRef idx="0">
+            <a:schemeClr val="dk1"/>
+          </a:fillRef>
+          <a:effectRef idx="0">
+            <a:schemeClr val="dk1"/>
+          </a:effectRef>
+          <a:fontRef idx="minor">
+            <a:schemeClr val="tx1"/>
+          </a:fontRef>
+        </p:style>
+      </p:cxnSp>
+      <p:cxnSp>
+        <p:nvCxnSpPr>
+          <p:cNvPr id="23" name="Straight Arrow Connector 22">
+            <a:extLst>
+              <a:ext uri="{FF2B5EF4-FFF2-40B4-BE49-F238E27FC236}">
+                <a16:creationId xmlns:a16="http://schemas.microsoft.com/office/drawing/2014/main" id="{E110CAF3-DDEE-CE4D-9B3E-08881EEE00F3}"/>
+              </a:ext>
+            </a:extLst>
+          </p:cNvPr>
+          <p:cNvCxnSpPr>
+            <a:cxnSpLocks/>
+          </p:cNvCxnSpPr>
+          <p:nvPr/>
+        </p:nvCxnSpPr>
+        <p:spPr>
+          <a:xfrm flipV="1">
+            <a:off x="4856219" y="2392989"/>
+            <a:ext cx="235898" cy="1031028"/>
+          </a:xfrm>
+          <a:prstGeom prst="straightConnector1">
+            <a:avLst/>
+          </a:prstGeom>
+          <a:ln w="15875">
+            <a:tailEnd type="triangle"/>
+          </a:ln>
+        </p:spPr>
+        <p:style>
+          <a:lnRef idx="1">
+            <a:schemeClr val="dk1"/>
+          </a:lnRef>
+          <a:fillRef idx="0">
+            <a:schemeClr val="dk1"/>
+          </a:fillRef>
+          <a:effectRef idx="0">
+            <a:schemeClr val="dk1"/>
+          </a:effectRef>
+          <a:fontRef idx="minor">
+            <a:schemeClr val="tx1"/>
+          </a:fontRef>
+        </p:style>
+      </p:cxnSp>
+      <p:sp>
+        <p:nvSpPr>
+          <p:cNvPr id="28" name="TextBox 27">
+            <a:extLst>
+              <a:ext uri="{FF2B5EF4-FFF2-40B4-BE49-F238E27FC236}">
+                <a16:creationId xmlns:a16="http://schemas.microsoft.com/office/drawing/2014/main" id="{64E5ADE9-4811-EE41-A92E-6E79052803AA}"/>
+              </a:ext>
+            </a:extLst>
+          </p:cNvPr>
+          <p:cNvSpPr txBox="1"/>
+          <p:nvPr/>
+        </p:nvSpPr>
+        <p:spPr>
+          <a:xfrm>
+            <a:off x="4590013" y="1541325"/>
+            <a:ext cx="256802" cy="276999"/>
+          </a:xfrm>
+          <a:prstGeom prst="rect">
+            <a:avLst/>
+          </a:prstGeom>
+          <a:noFill/>
+        </p:spPr>
+        <p:txBody>
+          <a:bodyPr wrap="none" rtlCol="0">
+            <a:spAutoFit/>
+          </a:bodyPr>
+          <a:lstStyle/>
+          <a:p>
+            <a:r>
+              <a:rPr lang="en-US" sz="1200" dirty="0"/>
+              <a:t>Z</a:t>
+            </a:r>
+          </a:p>
+        </p:txBody>
+      </p:sp>
+      <p:sp>
+        <p:nvSpPr>
+          <p:cNvPr id="29" name="TextBox 28">
+            <a:extLst>
+              <a:ext uri="{FF2B5EF4-FFF2-40B4-BE49-F238E27FC236}">
+                <a16:creationId xmlns:a16="http://schemas.microsoft.com/office/drawing/2014/main" id="{A1BF2E5C-635D-554A-BB56-5FD464A1659C}"/>
+              </a:ext>
+            </a:extLst>
+          </p:cNvPr>
+          <p:cNvSpPr txBox="1"/>
+          <p:nvPr/>
+        </p:nvSpPr>
+        <p:spPr>
+          <a:xfrm>
+            <a:off x="3311839" y="2555136"/>
+            <a:ext cx="260008" cy="276999"/>
+          </a:xfrm>
+          <a:prstGeom prst="rect">
+            <a:avLst/>
+          </a:prstGeom>
+          <a:noFill/>
+        </p:spPr>
+        <p:txBody>
+          <a:bodyPr wrap="none" rtlCol="0">
+            <a:spAutoFit/>
+          </a:bodyPr>
+          <a:lstStyle/>
+          <a:p>
+            <a:r>
+              <a:rPr lang="en-US" sz="1200" dirty="0"/>
+              <a:t>Y</a:t>
+            </a:r>
+          </a:p>
+        </p:txBody>
+      </p:sp>
+      <p:sp>
+        <p:nvSpPr>
+          <p:cNvPr id="30" name="TextBox 29">
+            <a:extLst>
+              <a:ext uri="{FF2B5EF4-FFF2-40B4-BE49-F238E27FC236}">
+                <a16:creationId xmlns:a16="http://schemas.microsoft.com/office/drawing/2014/main" id="{440C3998-CC3D-4948-98E3-C9364F10E950}"/>
+              </a:ext>
+            </a:extLst>
+          </p:cNvPr>
+          <p:cNvSpPr txBox="1"/>
+          <p:nvPr/>
+        </p:nvSpPr>
+        <p:spPr>
+          <a:xfrm>
+            <a:off x="6174821" y="2834963"/>
+            <a:ext cx="264816" cy="276999"/>
+          </a:xfrm>
+          <a:prstGeom prst="rect">
+            <a:avLst/>
+          </a:prstGeom>
+          <a:noFill/>
+        </p:spPr>
+        <p:txBody>
+          <a:bodyPr wrap="none" rtlCol="0">
+            <a:spAutoFit/>
+          </a:bodyPr>
+          <a:lstStyle/>
+          <a:p>
+            <a:r>
+              <a:rPr lang="en-US" sz="1200" dirty="0"/>
+              <a:t>X</a:t>
+            </a:r>
+          </a:p>
+        </p:txBody>
+      </p:sp>
+      <p:sp>
+        <p:nvSpPr>
+          <p:cNvPr id="32" name="TextBox 31">
+            <a:extLst>
+              <a:ext uri="{FF2B5EF4-FFF2-40B4-BE49-F238E27FC236}">
+                <a16:creationId xmlns:a16="http://schemas.microsoft.com/office/drawing/2014/main" id="{73AFF398-F07A-1847-AC21-06DC242EE0A1}"/>
+              </a:ext>
+            </a:extLst>
+          </p:cNvPr>
+          <p:cNvSpPr txBox="1"/>
+          <p:nvPr/>
+        </p:nvSpPr>
+        <p:spPr>
+          <a:xfrm>
+            <a:off x="4899177" y="2189659"/>
+            <a:ext cx="572593" cy="230832"/>
+          </a:xfrm>
+          <a:prstGeom prst="rect">
+            <a:avLst/>
+          </a:prstGeom>
+          <a:noFill/>
+        </p:spPr>
+        <p:txBody>
+          <a:bodyPr wrap="none" rtlCol="0">
+            <a:spAutoFit/>
+          </a:bodyPr>
+          <a:lstStyle/>
+          <a:p>
+            <a:r>
+              <a:rPr lang="en-US" sz="900" dirty="0"/>
+              <a:t>Heading</a:t>
+            </a:r>
+          </a:p>
+        </p:txBody>
+      </p:sp>
+      <p:sp>
+        <p:nvSpPr>
+          <p:cNvPr id="35" name="TextBox 34">
+            <a:extLst>
+              <a:ext uri="{FF2B5EF4-FFF2-40B4-BE49-F238E27FC236}">
+                <a16:creationId xmlns:a16="http://schemas.microsoft.com/office/drawing/2014/main" id="{0E9D986B-B570-C34A-B1FA-A3733B0AF80E}"/>
+              </a:ext>
+            </a:extLst>
+          </p:cNvPr>
+          <p:cNvSpPr txBox="1"/>
+          <p:nvPr/>
+        </p:nvSpPr>
+        <p:spPr>
+          <a:xfrm>
+            <a:off x="4685181" y="3416872"/>
+            <a:ext cx="263214" cy="276999"/>
+          </a:xfrm>
+          <a:prstGeom prst="rect">
+            <a:avLst/>
+          </a:prstGeom>
+          <a:noFill/>
+        </p:spPr>
+        <p:txBody>
+          <a:bodyPr wrap="none" rtlCol="0">
+            <a:spAutoFit/>
+          </a:bodyPr>
+          <a:lstStyle/>
+          <a:p>
+            <a:r>
+              <a:rPr lang="en-US" sz="1200" dirty="0"/>
+              <a:t>0</a:t>
+            </a:r>
+          </a:p>
+        </p:txBody>
+      </p:sp>
+      <p:cxnSp>
+        <p:nvCxnSpPr>
+          <p:cNvPr id="40" name="Straight Arrow Connector 39">
+            <a:extLst>
+              <a:ext uri="{FF2B5EF4-FFF2-40B4-BE49-F238E27FC236}">
+                <a16:creationId xmlns:a16="http://schemas.microsoft.com/office/drawing/2014/main" id="{003F211B-A8FB-CD4A-BC6F-C0E57E1746D7}"/>
+              </a:ext>
+            </a:extLst>
+          </p:cNvPr>
+          <p:cNvCxnSpPr>
+            <a:cxnSpLocks/>
+          </p:cNvCxnSpPr>
+          <p:nvPr/>
+        </p:nvCxnSpPr>
+        <p:spPr>
+          <a:xfrm>
+            <a:off x="4851119" y="3424018"/>
+            <a:ext cx="931517" cy="18183"/>
+          </a:xfrm>
+          <a:prstGeom prst="straightConnector1">
+            <a:avLst/>
+          </a:prstGeom>
+          <a:ln w="15875">
+            <a:tailEnd type="triangle"/>
+          </a:ln>
+        </p:spPr>
+        <p:style>
+          <a:lnRef idx="1">
+            <a:schemeClr val="dk1"/>
+          </a:lnRef>
+          <a:fillRef idx="0">
+            <a:schemeClr val="dk1"/>
+          </a:fillRef>
+          <a:effectRef idx="0">
+            <a:schemeClr val="dk1"/>
+          </a:effectRef>
+          <a:fontRef idx="minor">
+            <a:schemeClr val="tx1"/>
+          </a:fontRef>
+        </p:style>
+      </p:cxnSp>
+      <p:cxnSp>
+        <p:nvCxnSpPr>
+          <p:cNvPr id="45" name="Straight Arrow Connector 44">
+            <a:extLst>
+              <a:ext uri="{FF2B5EF4-FFF2-40B4-BE49-F238E27FC236}">
+                <a16:creationId xmlns:a16="http://schemas.microsoft.com/office/drawing/2014/main" id="{452E63EF-566D-6146-8DA0-83721899C26B}"/>
+              </a:ext>
+            </a:extLst>
+          </p:cNvPr>
+          <p:cNvCxnSpPr>
+            <a:cxnSpLocks/>
+          </p:cNvCxnSpPr>
+          <p:nvPr/>
+        </p:nvCxnSpPr>
+        <p:spPr>
+          <a:xfrm flipH="1" flipV="1">
+            <a:off x="4300863" y="2978127"/>
+            <a:ext cx="559033" cy="456613"/>
+          </a:xfrm>
+          <a:prstGeom prst="straightConnector1">
+            <a:avLst/>
+          </a:prstGeom>
+          <a:ln w="15875">
+            <a:tailEnd type="triangle"/>
+          </a:ln>
+        </p:spPr>
+        <p:style>
+          <a:lnRef idx="1">
+            <a:schemeClr val="dk1"/>
+          </a:lnRef>
+          <a:fillRef idx="0">
+            <a:schemeClr val="dk1"/>
+          </a:fillRef>
+          <a:effectRef idx="0">
+            <a:schemeClr val="dk1"/>
+          </a:effectRef>
+          <a:fontRef idx="minor">
+            <a:schemeClr val="tx1"/>
+          </a:fontRef>
+        </p:style>
+      </p:cxnSp>
+      <p:sp>
+        <p:nvSpPr>
+          <p:cNvPr id="51" name="TextBox 50">
+            <a:extLst>
+              <a:ext uri="{FF2B5EF4-FFF2-40B4-BE49-F238E27FC236}">
+                <a16:creationId xmlns:a16="http://schemas.microsoft.com/office/drawing/2014/main" id="{1F98DD53-CC50-494F-8D9C-25A77AAD6AF4}"/>
+              </a:ext>
+            </a:extLst>
+          </p:cNvPr>
+          <p:cNvSpPr txBox="1"/>
+          <p:nvPr/>
+        </p:nvSpPr>
+        <p:spPr>
+          <a:xfrm>
+            <a:off x="5702241" y="3266016"/>
+            <a:ext cx="272832" cy="230832"/>
+          </a:xfrm>
+          <a:prstGeom prst="rect">
+            <a:avLst/>
+          </a:prstGeom>
+          <a:noFill/>
+        </p:spPr>
+        <p:txBody>
+          <a:bodyPr wrap="none" rtlCol="0">
+            <a:spAutoFit/>
+          </a:bodyPr>
+          <a:lstStyle/>
+          <a:p>
+            <a:r>
+              <a:rPr lang="en-US" sz="900" dirty="0"/>
+              <a:t>X’</a:t>
+            </a:r>
+          </a:p>
+        </p:txBody>
+      </p:sp>
+      <p:sp>
+        <p:nvSpPr>
+          <p:cNvPr id="52" name="TextBox 51">
+            <a:extLst>
+              <a:ext uri="{FF2B5EF4-FFF2-40B4-BE49-F238E27FC236}">
+                <a16:creationId xmlns:a16="http://schemas.microsoft.com/office/drawing/2014/main" id="{8909876D-A3BB-F147-AB8B-A60EF576451E}"/>
+              </a:ext>
+            </a:extLst>
+          </p:cNvPr>
+          <p:cNvSpPr txBox="1"/>
+          <p:nvPr/>
+        </p:nvSpPr>
+        <p:spPr>
+          <a:xfrm>
+            <a:off x="4138960" y="2792518"/>
+            <a:ext cx="269626" cy="230832"/>
+          </a:xfrm>
+          <a:prstGeom prst="rect">
+            <a:avLst/>
+          </a:prstGeom>
+          <a:noFill/>
+        </p:spPr>
+        <p:txBody>
+          <a:bodyPr wrap="none" rtlCol="0">
+            <a:spAutoFit/>
+          </a:bodyPr>
+          <a:lstStyle/>
+          <a:p>
+            <a:r>
+              <a:rPr lang="en-US" sz="900" dirty="0"/>
+              <a:t>Y’</a:t>
+            </a:r>
+          </a:p>
+        </p:txBody>
+      </p:sp>
+      <p:grpSp>
+        <p:nvGrpSpPr>
+          <p:cNvPr id="60" name="Group 59">
+            <a:extLst>
+              <a:ext uri="{FF2B5EF4-FFF2-40B4-BE49-F238E27FC236}">
+                <a16:creationId xmlns:a16="http://schemas.microsoft.com/office/drawing/2014/main" id="{C97A7129-AAEA-3C45-A4C5-53ED70401217}"/>
+              </a:ext>
+            </a:extLst>
+          </p:cNvPr>
+          <p:cNvGrpSpPr/>
+          <p:nvPr/>
+        </p:nvGrpSpPr>
+        <p:grpSpPr>
+          <a:xfrm>
+            <a:off x="4433963" y="2986850"/>
+            <a:ext cx="137273" cy="255499"/>
+            <a:chOff x="4433963" y="2986850"/>
+            <a:chExt cx="137273" cy="255499"/>
+          </a:xfrm>
+        </p:grpSpPr>
+        <p:sp>
+          <p:nvSpPr>
+            <p:cNvPr id="58" name="Arc 57">
+              <a:extLst>
+                <a:ext uri="{FF2B5EF4-FFF2-40B4-BE49-F238E27FC236}">
+                  <a16:creationId xmlns:a16="http://schemas.microsoft.com/office/drawing/2014/main" id="{5843ED4D-EB8D-9842-B300-616A25EFF91C}"/>
+                </a:ext>
+              </a:extLst>
+            </p:cNvPr>
+            <p:cNvSpPr/>
+            <p:nvPr/>
+          </p:nvSpPr>
+          <p:spPr>
+            <a:xfrm rot="18552311">
+              <a:off x="4353371" y="3067442"/>
+              <a:ext cx="255499" cy="94315"/>
+            </a:xfrm>
+            <a:prstGeom prst="arc">
+              <a:avLst>
+                <a:gd name="adj1" fmla="val 8899170"/>
+                <a:gd name="adj2" fmla="val 2703869"/>
+              </a:avLst>
+            </a:prstGeom>
+          </p:spPr>
+          <p:style>
+            <a:lnRef idx="1">
+              <a:schemeClr val="dk1"/>
+            </a:lnRef>
+            <a:fillRef idx="0">
+              <a:schemeClr val="dk1"/>
+            </a:fillRef>
+            <a:effectRef idx="0">
+              <a:schemeClr val="dk1"/>
+            </a:effectRef>
+            <a:fontRef idx="minor">
+              <a:schemeClr val="tx1"/>
+            </a:fontRef>
+          </p:style>
+          <p:txBody>
+            <a:bodyPr rtlCol="0" anchor="ctr"/>
+            <a:lstStyle/>
+            <a:p>
+              <a:pPr algn="ctr"/>
+              <a:endParaRPr lang="en-US"/>
+            </a:p>
+          </p:txBody>
+        </p:sp>
+        <p:sp>
+          <p:nvSpPr>
+            <p:cNvPr id="59" name="Triangle 58">
+              <a:extLst>
+                <a:ext uri="{FF2B5EF4-FFF2-40B4-BE49-F238E27FC236}">
+                  <a16:creationId xmlns:a16="http://schemas.microsoft.com/office/drawing/2014/main" id="{5D54A70F-BF41-CD41-B848-EB53ADAD8311}"/>
+                </a:ext>
+              </a:extLst>
+            </p:cNvPr>
+            <p:cNvSpPr/>
+            <p:nvPr/>
+          </p:nvSpPr>
+          <p:spPr>
+            <a:xfrm rot="12950087">
+              <a:off x="4525517" y="3080025"/>
+              <a:ext cx="45719" cy="46015"/>
+            </a:xfrm>
+            <a:prstGeom prst="triangle">
+              <a:avLst/>
+            </a:prstGeom>
+          </p:spPr>
+          <p:style>
+            <a:lnRef idx="2">
+              <a:schemeClr val="dk1">
+                <a:shade val="50000"/>
+              </a:schemeClr>
+            </a:lnRef>
+            <a:fillRef idx="1">
+              <a:schemeClr val="dk1"/>
+            </a:fillRef>
+            <a:effectRef idx="0">
+              <a:schemeClr val="dk1"/>
+            </a:effectRef>
+            <a:fontRef idx="minor">
+              <a:schemeClr val="lt1"/>
+            </a:fontRef>
+          </p:style>
+          <p:txBody>
+            <a:bodyPr rtlCol="0" anchor="ctr"/>
+            <a:lstStyle/>
+            <a:p>
+              <a:pPr algn="ctr"/>
+              <a:endParaRPr lang="en-US"/>
+            </a:p>
+          </p:txBody>
+        </p:sp>
+      </p:grpSp>
+      <p:grpSp>
+        <p:nvGrpSpPr>
+          <p:cNvPr id="61" name="Group 60">
+            <a:extLst>
+              <a:ext uri="{FF2B5EF4-FFF2-40B4-BE49-F238E27FC236}">
+                <a16:creationId xmlns:a16="http://schemas.microsoft.com/office/drawing/2014/main" id="{60D1EFFF-7564-3D44-B84E-435F45EE4B29}"/>
+              </a:ext>
+            </a:extLst>
+          </p:cNvPr>
+          <p:cNvGrpSpPr/>
+          <p:nvPr/>
+        </p:nvGrpSpPr>
+        <p:grpSpPr>
+          <a:xfrm rot="19499753">
+            <a:off x="5489902" y="3314451"/>
+            <a:ext cx="94315" cy="255499"/>
+            <a:chOff x="4433963" y="2986850"/>
+            <a:chExt cx="94315" cy="255499"/>
+          </a:xfrm>
+        </p:grpSpPr>
+        <p:sp>
+          <p:nvSpPr>
+            <p:cNvPr id="62" name="Arc 61">
+              <a:extLst>
+                <a:ext uri="{FF2B5EF4-FFF2-40B4-BE49-F238E27FC236}">
+                  <a16:creationId xmlns:a16="http://schemas.microsoft.com/office/drawing/2014/main" id="{1CD745F8-E502-784C-8CDE-9A13B6BF7220}"/>
+                </a:ext>
+              </a:extLst>
+            </p:cNvPr>
+            <p:cNvSpPr/>
+            <p:nvPr/>
+          </p:nvSpPr>
+          <p:spPr>
+            <a:xfrm rot="18552311">
+              <a:off x="4353371" y="3067442"/>
+              <a:ext cx="255499" cy="94315"/>
+            </a:xfrm>
+            <a:prstGeom prst="arc">
+              <a:avLst>
+                <a:gd name="adj1" fmla="val 8899170"/>
+                <a:gd name="adj2" fmla="val 2703869"/>
+              </a:avLst>
+            </a:prstGeom>
+          </p:spPr>
+          <p:style>
+            <a:lnRef idx="1">
+              <a:schemeClr val="dk1"/>
+            </a:lnRef>
+            <a:fillRef idx="0">
+              <a:schemeClr val="dk1"/>
+            </a:fillRef>
+            <a:effectRef idx="0">
+              <a:schemeClr val="dk1"/>
+            </a:effectRef>
+            <a:fontRef idx="minor">
+              <a:schemeClr val="tx1"/>
+            </a:fontRef>
+          </p:style>
+          <p:txBody>
+            <a:bodyPr rtlCol="0" anchor="ctr"/>
+            <a:lstStyle/>
+            <a:p>
+              <a:pPr algn="ctr"/>
+              <a:endParaRPr lang="en-US"/>
+            </a:p>
+          </p:txBody>
+        </p:sp>
+        <p:sp>
+          <p:nvSpPr>
+            <p:cNvPr id="63" name="Triangle 62">
+              <a:extLst>
+                <a:ext uri="{FF2B5EF4-FFF2-40B4-BE49-F238E27FC236}">
+                  <a16:creationId xmlns:a16="http://schemas.microsoft.com/office/drawing/2014/main" id="{D4FC348E-7DFD-404E-BBFA-6F0AD2EF79CF}"/>
+                </a:ext>
+              </a:extLst>
+            </p:cNvPr>
+            <p:cNvSpPr/>
+            <p:nvPr/>
+          </p:nvSpPr>
+          <p:spPr>
+            <a:xfrm rot="2955644">
+              <a:off x="4441020" y="3167106"/>
+              <a:ext cx="45719" cy="46015"/>
+            </a:xfrm>
+            <a:prstGeom prst="triangle">
+              <a:avLst/>
+            </a:prstGeom>
+          </p:spPr>
+          <p:style>
+            <a:lnRef idx="2">
+              <a:schemeClr val="dk1">
+                <a:shade val="50000"/>
+              </a:schemeClr>
+            </a:lnRef>
+            <a:fillRef idx="1">
+              <a:schemeClr val="dk1"/>
+            </a:fillRef>
+            <a:effectRef idx="0">
+              <a:schemeClr val="dk1"/>
+            </a:effectRef>
+            <a:fontRef idx="minor">
+              <a:schemeClr val="lt1"/>
+            </a:fontRef>
+          </p:style>
+          <p:txBody>
+            <a:bodyPr rtlCol="0" anchor="ctr"/>
+            <a:lstStyle/>
+            <a:p>
+              <a:pPr algn="ctr"/>
+              <a:endParaRPr lang="en-US"/>
+            </a:p>
+          </p:txBody>
+        </p:sp>
+      </p:grpSp>
+      <p:sp>
+        <p:nvSpPr>
+          <p:cNvPr id="64" name="TextBox 63">
+            <a:extLst>
+              <a:ext uri="{FF2B5EF4-FFF2-40B4-BE49-F238E27FC236}">
+                <a16:creationId xmlns:a16="http://schemas.microsoft.com/office/drawing/2014/main" id="{C7431B74-7AD5-F949-A758-F9E1A2A84141}"/>
+              </a:ext>
+            </a:extLst>
+          </p:cNvPr>
+          <p:cNvSpPr txBox="1"/>
+          <p:nvPr/>
+        </p:nvSpPr>
+        <p:spPr>
+          <a:xfrm>
+            <a:off x="5452173" y="3523854"/>
+            <a:ext cx="522900" cy="200055"/>
+          </a:xfrm>
+          <a:prstGeom prst="rect">
+            <a:avLst/>
+          </a:prstGeom>
+          <a:noFill/>
+        </p:spPr>
+        <p:txBody>
+          <a:bodyPr wrap="none" rtlCol="0">
+            <a:spAutoFit/>
+          </a:bodyPr>
+          <a:lstStyle/>
+          <a:p>
+            <a:r>
+              <a:rPr lang="en-US" sz="700" dirty="0"/>
+              <a:t>Elevation</a:t>
+            </a:r>
+          </a:p>
+        </p:txBody>
+      </p:sp>
+      <p:sp>
+        <p:nvSpPr>
+          <p:cNvPr id="65" name="TextBox 64">
+            <a:extLst>
+              <a:ext uri="{FF2B5EF4-FFF2-40B4-BE49-F238E27FC236}">
+                <a16:creationId xmlns:a16="http://schemas.microsoft.com/office/drawing/2014/main" id="{51FA2D10-D646-1446-A0DD-2B7929F6DA85}"/>
+              </a:ext>
+            </a:extLst>
+          </p:cNvPr>
+          <p:cNvSpPr txBox="1"/>
+          <p:nvPr/>
+        </p:nvSpPr>
+        <p:spPr>
+          <a:xfrm>
+            <a:off x="4372262" y="2851363"/>
+            <a:ext cx="487634" cy="200055"/>
+          </a:xfrm>
+          <a:prstGeom prst="rect">
+            <a:avLst/>
+          </a:prstGeom>
+          <a:noFill/>
+        </p:spPr>
+        <p:txBody>
+          <a:bodyPr wrap="none" rtlCol="0">
+            <a:spAutoFit/>
+          </a:bodyPr>
+          <a:lstStyle/>
+          <a:p>
+            <a:r>
+              <a:rPr lang="en-US" sz="700" dirty="0"/>
+              <a:t>Azimuth</a:t>
+            </a:r>
+          </a:p>
+        </p:txBody>
+      </p:sp>
+    </p:spTree>
+    <p:extLst>
+      <p:ext uri="{BB962C8B-B14F-4D97-AF65-F5344CB8AC3E}">
+        <p14:creationId xmlns:p14="http://schemas.microsoft.com/office/powerpoint/2010/main" val="1715693146"/>
+      </p:ext>
+    </p:extLst>
+  </p:cSld>
+  <p:clrMapOvr>
+    <a:masterClrMapping/>
+  </p:clrMapOvr>
+</p:sld>
+</file>
+
+<file path=ppt/slides/slide6.xml><?xml version="1.0" encoding="utf-8"?>
+<p:sld xmlns:a="http://schemas.openxmlformats.org/drawingml/2006/main" xmlns:r="http://schemas.openxmlformats.org/officeDocument/2006/relationships" xmlns:p="http://schemas.openxmlformats.org/presentationml/2006/main">
+  <p:cSld>
+    <p:spTree>
+      <p:nvGrpSpPr>
+        <p:cNvPr id="1" name=""/>
+        <p:cNvGrpSpPr/>
+        <p:nvPr/>
+      </p:nvGrpSpPr>
+      <p:grpSpPr>
+        <a:xfrm>
+          <a:off x="0" y="0"/>
+          <a:ext cx="0" cy="0"/>
+          <a:chOff x="0" y="0"/>
+          <a:chExt cx="0" cy="0"/>
+        </a:xfrm>
+      </p:grpSpPr>
+      <p:sp>
+        <p:nvSpPr>
+          <p:cNvPr id="54" name="Rectangle 53">
+            <a:extLst>
+              <a:ext uri="{FF2B5EF4-FFF2-40B4-BE49-F238E27FC236}">
+                <a16:creationId xmlns:a16="http://schemas.microsoft.com/office/drawing/2014/main" id="{34AC70A8-BAB7-5E46-99A3-9FFDBA6E523D}"/>
+              </a:ext>
+            </a:extLst>
+          </p:cNvPr>
+          <p:cNvSpPr/>
+          <p:nvPr/>
+        </p:nvSpPr>
+        <p:spPr>
+          <a:xfrm>
+            <a:off x="4310743" y="1100138"/>
+            <a:ext cx="2999232" cy="2800350"/>
+          </a:xfrm>
+          <a:prstGeom prst="rect">
+            <a:avLst/>
+          </a:prstGeom>
+          <a:solidFill>
+            <a:schemeClr val="bg1">
+              <a:lumMod val="95000"/>
+            </a:schemeClr>
+          </a:solidFill>
+          <a:ln>
+            <a:noFill/>
+          </a:ln>
+        </p:spPr>
+        <p:style>
+          <a:lnRef idx="2">
+            <a:schemeClr val="accent1">
+              <a:shade val="50000"/>
+            </a:schemeClr>
+          </a:lnRef>
+          <a:fillRef idx="1">
+            <a:schemeClr val="accent1"/>
+          </a:fillRef>
+          <a:effectRef idx="0">
+            <a:schemeClr val="accent1"/>
+          </a:effectRef>
+          <a:fontRef idx="minor">
+            <a:schemeClr val="lt1"/>
+          </a:fontRef>
+        </p:style>
+        <p:txBody>
+          <a:bodyPr rtlCol="0" anchor="ctr"/>
+          <a:lstStyle/>
+          <a:p>
+            <a:pPr algn="ctr"/>
+            <a:endParaRPr lang="en-US"/>
+          </a:p>
+        </p:txBody>
+      </p:sp>
+      <p:sp>
+        <p:nvSpPr>
+          <p:cNvPr id="46" name="Oval 45">
+            <a:extLst>
+              <a:ext uri="{FF2B5EF4-FFF2-40B4-BE49-F238E27FC236}">
+                <a16:creationId xmlns:a16="http://schemas.microsoft.com/office/drawing/2014/main" id="{42BD527E-EAA0-7A4D-9A27-495644B9B2EC}"/>
+              </a:ext>
+            </a:extLst>
+          </p:cNvPr>
+          <p:cNvSpPr/>
+          <p:nvPr/>
+        </p:nvSpPr>
+        <p:spPr>
+          <a:xfrm>
+            <a:off x="4525078" y="1764067"/>
+            <a:ext cx="1122667" cy="1122667"/>
+          </a:xfrm>
+          <a:prstGeom prst="ellipse">
+            <a:avLst/>
+          </a:prstGeom>
+          <a:solidFill>
+            <a:schemeClr val="bg1">
+              <a:lumMod val="85000"/>
+            </a:schemeClr>
+          </a:solidFill>
+          <a:ln>
+            <a:noFill/>
+          </a:ln>
+        </p:spPr>
+        <p:style>
+          <a:lnRef idx="2">
+            <a:schemeClr val="accent1">
+              <a:shade val="50000"/>
+            </a:schemeClr>
+          </a:lnRef>
+          <a:fillRef idx="1">
+            <a:schemeClr val="accent1"/>
+          </a:fillRef>
+          <a:effectRef idx="0">
+            <a:schemeClr val="accent1"/>
+          </a:effectRef>
+          <a:fontRef idx="minor">
+            <a:schemeClr val="lt1"/>
+          </a:fontRef>
+        </p:style>
+        <p:txBody>
+          <a:bodyPr rtlCol="0" anchor="ctr"/>
+          <a:lstStyle/>
+          <a:p>
+            <a:pPr algn="ctr"/>
+            <a:endParaRPr lang="en-US"/>
+          </a:p>
+        </p:txBody>
+      </p:sp>
+      <p:cxnSp>
+        <p:nvCxnSpPr>
+          <p:cNvPr id="20" name="Straight Arrow Connector 19">
+            <a:extLst>
+              <a:ext uri="{FF2B5EF4-FFF2-40B4-BE49-F238E27FC236}">
+                <a16:creationId xmlns:a16="http://schemas.microsoft.com/office/drawing/2014/main" id="{830B9134-DA98-7B4C-859A-21A274189A1D}"/>
+              </a:ext>
+            </a:extLst>
+          </p:cNvPr>
+          <p:cNvCxnSpPr>
+            <a:cxnSpLocks/>
+          </p:cNvCxnSpPr>
+          <p:nvPr/>
+        </p:nvCxnSpPr>
+        <p:spPr>
+          <a:xfrm flipV="1">
+            <a:off x="5350863" y="3249906"/>
+            <a:ext cx="296882" cy="304030"/>
+          </a:xfrm>
+          <a:prstGeom prst="straightConnector1">
+            <a:avLst/>
+          </a:prstGeom>
+          <a:ln>
+            <a:tailEnd type="stealth"/>
+          </a:ln>
+        </p:spPr>
+        <p:style>
+          <a:lnRef idx="1">
+            <a:schemeClr val="dk1"/>
+          </a:lnRef>
+          <a:fillRef idx="0">
+            <a:schemeClr val="dk1"/>
+          </a:fillRef>
+          <a:effectRef idx="0">
+            <a:schemeClr val="dk1"/>
+          </a:effectRef>
+          <a:fontRef idx="minor">
+            <a:schemeClr val="tx1"/>
+          </a:fontRef>
+        </p:style>
+      </p:cxnSp>
+      <p:sp>
+        <p:nvSpPr>
+          <p:cNvPr id="32" name="Oval 31">
+            <a:extLst>
+              <a:ext uri="{FF2B5EF4-FFF2-40B4-BE49-F238E27FC236}">
+                <a16:creationId xmlns:a16="http://schemas.microsoft.com/office/drawing/2014/main" id="{27099A92-8876-404F-B4F5-6D99E4993450}"/>
+              </a:ext>
+            </a:extLst>
+          </p:cNvPr>
+          <p:cNvSpPr/>
+          <p:nvPr/>
+        </p:nvSpPr>
+        <p:spPr>
+          <a:xfrm flipV="1">
+            <a:off x="5270664" y="3433694"/>
+            <a:ext cx="187303" cy="187303"/>
+          </a:xfrm>
+          <a:prstGeom prst="ellipse">
+            <a:avLst/>
+          </a:prstGeom>
+          <a:solidFill>
+            <a:schemeClr val="dk1"/>
+          </a:solidFill>
+          <a:ln>
+            <a:noFill/>
+          </a:ln>
+        </p:spPr>
+        <p:style>
+          <a:lnRef idx="0">
+            <a:scrgbClr r="0" g="0" b="0"/>
+          </a:lnRef>
+          <a:fillRef idx="0">
+            <a:scrgbClr r="0" g="0" b="0"/>
+          </a:fillRef>
+          <a:effectRef idx="0">
+            <a:scrgbClr r="0" g="0" b="0"/>
+          </a:effectRef>
+          <a:fontRef idx="minor">
+            <a:schemeClr val="lt1"/>
+          </a:fontRef>
+        </p:style>
+        <p:txBody>
+          <a:bodyPr rtlCol="0" anchor="ctr"/>
+          <a:lstStyle/>
+          <a:p>
+            <a:pPr algn="ctr"/>
+            <a:endParaRPr lang="en-US"/>
+          </a:p>
+        </p:txBody>
+      </p:sp>
+      <p:sp>
+        <p:nvSpPr>
+          <p:cNvPr id="47" name="Oval 46">
+            <a:extLst>
+              <a:ext uri="{FF2B5EF4-FFF2-40B4-BE49-F238E27FC236}">
+                <a16:creationId xmlns:a16="http://schemas.microsoft.com/office/drawing/2014/main" id="{CD590146-F089-D04B-A839-80E9B7A7D4FE}"/>
+              </a:ext>
+            </a:extLst>
+          </p:cNvPr>
+          <p:cNvSpPr/>
+          <p:nvPr/>
+        </p:nvSpPr>
+        <p:spPr>
+          <a:xfrm>
+            <a:off x="4420184" y="2199017"/>
+            <a:ext cx="1122667" cy="1122667"/>
+          </a:xfrm>
+          <a:prstGeom prst="ellipse">
+            <a:avLst/>
+          </a:prstGeom>
+          <a:solidFill>
+            <a:schemeClr val="bg1">
+              <a:lumMod val="85000"/>
+            </a:schemeClr>
+          </a:solidFill>
+          <a:ln>
+            <a:noFill/>
+          </a:ln>
+        </p:spPr>
+        <p:style>
+          <a:lnRef idx="2">
+            <a:schemeClr val="accent1">
+              <a:shade val="50000"/>
+            </a:schemeClr>
+          </a:lnRef>
+          <a:fillRef idx="1">
+            <a:schemeClr val="accent1"/>
+          </a:fillRef>
+          <a:effectRef idx="0">
+            <a:schemeClr val="accent1"/>
+          </a:effectRef>
+          <a:fontRef idx="minor">
+            <a:schemeClr val="lt1"/>
+          </a:fontRef>
+        </p:style>
+        <p:txBody>
+          <a:bodyPr rtlCol="0" anchor="ctr"/>
+          <a:lstStyle/>
+          <a:p>
+            <a:pPr algn="ctr"/>
+            <a:endParaRPr lang="en-US"/>
+          </a:p>
+        </p:txBody>
+      </p:sp>
+      <p:sp>
+        <p:nvSpPr>
+          <p:cNvPr id="48" name="Oval 47">
+            <a:extLst>
+              <a:ext uri="{FF2B5EF4-FFF2-40B4-BE49-F238E27FC236}">
+                <a16:creationId xmlns:a16="http://schemas.microsoft.com/office/drawing/2014/main" id="{719056AD-2720-1F42-9600-EEB5A23C02C3}"/>
+              </a:ext>
+            </a:extLst>
+          </p:cNvPr>
+          <p:cNvSpPr/>
+          <p:nvPr/>
+        </p:nvSpPr>
+        <p:spPr>
+          <a:xfrm>
+            <a:off x="5709641" y="1785703"/>
+            <a:ext cx="1122667" cy="1122667"/>
+          </a:xfrm>
+          <a:prstGeom prst="ellipse">
+            <a:avLst/>
+          </a:prstGeom>
+          <a:solidFill>
+            <a:schemeClr val="bg1">
+              <a:lumMod val="85000"/>
+            </a:schemeClr>
+          </a:solidFill>
+          <a:ln>
+            <a:noFill/>
+          </a:ln>
+        </p:spPr>
+        <p:style>
+          <a:lnRef idx="2">
+            <a:schemeClr val="accent1">
+              <a:shade val="50000"/>
+            </a:schemeClr>
+          </a:lnRef>
+          <a:fillRef idx="1">
+            <a:schemeClr val="accent1"/>
+          </a:fillRef>
+          <a:effectRef idx="0">
+            <a:schemeClr val="accent1"/>
+          </a:effectRef>
+          <a:fontRef idx="minor">
+            <a:schemeClr val="lt1"/>
+          </a:fontRef>
+        </p:style>
+        <p:txBody>
+          <a:bodyPr rtlCol="0" anchor="ctr"/>
+          <a:lstStyle/>
+          <a:p>
+            <a:pPr algn="ctr"/>
+            <a:endParaRPr lang="en-US"/>
+          </a:p>
+        </p:txBody>
+      </p:sp>
+      <p:sp>
+        <p:nvSpPr>
+          <p:cNvPr id="49" name="Oval 48">
+            <a:extLst>
+              <a:ext uri="{FF2B5EF4-FFF2-40B4-BE49-F238E27FC236}">
+                <a16:creationId xmlns:a16="http://schemas.microsoft.com/office/drawing/2014/main" id="{5A70633C-E7B9-7F41-BB45-B2CEF356F52F}"/>
+              </a:ext>
+            </a:extLst>
+          </p:cNvPr>
+          <p:cNvSpPr/>
+          <p:nvPr/>
+        </p:nvSpPr>
+        <p:spPr>
+          <a:xfrm>
+            <a:off x="5497411" y="1413065"/>
+            <a:ext cx="1122667" cy="1122667"/>
+          </a:xfrm>
+          <a:prstGeom prst="ellipse">
+            <a:avLst/>
+          </a:prstGeom>
+          <a:solidFill>
+            <a:schemeClr val="bg1">
+              <a:lumMod val="85000"/>
+            </a:schemeClr>
+          </a:solidFill>
+          <a:ln>
+            <a:noFill/>
+          </a:ln>
+        </p:spPr>
+        <p:style>
+          <a:lnRef idx="2">
+            <a:schemeClr val="accent1">
+              <a:shade val="50000"/>
+            </a:schemeClr>
+          </a:lnRef>
+          <a:fillRef idx="1">
+            <a:schemeClr val="accent1"/>
+          </a:fillRef>
+          <a:effectRef idx="0">
+            <a:schemeClr val="accent1"/>
+          </a:effectRef>
+          <a:fontRef idx="minor">
+            <a:schemeClr val="lt1"/>
+          </a:fontRef>
+        </p:style>
+        <p:txBody>
+          <a:bodyPr rtlCol="0" anchor="ctr"/>
+          <a:lstStyle/>
+          <a:p>
+            <a:pPr algn="ctr"/>
+            <a:endParaRPr lang="en-US"/>
+          </a:p>
+        </p:txBody>
+      </p:sp>
+      <p:sp>
+        <p:nvSpPr>
+          <p:cNvPr id="50" name="Oval 49">
+            <a:extLst>
+              <a:ext uri="{FF2B5EF4-FFF2-40B4-BE49-F238E27FC236}">
+                <a16:creationId xmlns:a16="http://schemas.microsoft.com/office/drawing/2014/main" id="{56B42E29-30AA-5D43-B657-095C769C1F91}"/>
+              </a:ext>
+            </a:extLst>
+          </p:cNvPr>
+          <p:cNvSpPr/>
+          <p:nvPr/>
+        </p:nvSpPr>
+        <p:spPr>
+          <a:xfrm>
+            <a:off x="6081149" y="1965115"/>
+            <a:ext cx="1122667" cy="1122667"/>
+          </a:xfrm>
+          <a:prstGeom prst="ellipse">
+            <a:avLst/>
+          </a:prstGeom>
+          <a:solidFill>
+            <a:schemeClr val="bg1">
+              <a:lumMod val="85000"/>
+            </a:schemeClr>
+          </a:solidFill>
+          <a:ln>
+            <a:noFill/>
+          </a:ln>
+        </p:spPr>
+        <p:style>
+          <a:lnRef idx="2">
+            <a:schemeClr val="accent1">
+              <a:shade val="50000"/>
+            </a:schemeClr>
+          </a:lnRef>
+          <a:fillRef idx="1">
+            <a:schemeClr val="accent1"/>
+          </a:fillRef>
+          <a:effectRef idx="0">
+            <a:schemeClr val="accent1"/>
+          </a:effectRef>
+          <a:fontRef idx="minor">
+            <a:schemeClr val="lt1"/>
+          </a:fontRef>
+        </p:style>
+        <p:txBody>
+          <a:bodyPr rtlCol="0" anchor="ctr"/>
+          <a:lstStyle/>
+          <a:p>
+            <a:pPr algn="ctr"/>
+            <a:endParaRPr lang="en-US"/>
+          </a:p>
+        </p:txBody>
+      </p:sp>
+      <p:sp>
+        <p:nvSpPr>
+          <p:cNvPr id="51" name="Oval 50">
+            <a:extLst>
+              <a:ext uri="{FF2B5EF4-FFF2-40B4-BE49-F238E27FC236}">
+                <a16:creationId xmlns:a16="http://schemas.microsoft.com/office/drawing/2014/main" id="{18D88DF4-5417-3E42-8A55-C96DC8AD6F73}"/>
+              </a:ext>
+            </a:extLst>
+          </p:cNvPr>
+          <p:cNvSpPr/>
+          <p:nvPr/>
+        </p:nvSpPr>
+        <p:spPr>
+          <a:xfrm>
+            <a:off x="6065888" y="1594066"/>
+            <a:ext cx="1122667" cy="1122667"/>
+          </a:xfrm>
+          <a:prstGeom prst="ellipse">
+            <a:avLst/>
+          </a:prstGeom>
+          <a:solidFill>
+            <a:schemeClr val="bg1">
+              <a:lumMod val="85000"/>
+            </a:schemeClr>
+          </a:solidFill>
+          <a:ln>
+            <a:noFill/>
+          </a:ln>
+        </p:spPr>
+        <p:style>
+          <a:lnRef idx="2">
+            <a:schemeClr val="accent1">
+              <a:shade val="50000"/>
+            </a:schemeClr>
+          </a:lnRef>
+          <a:fillRef idx="1">
+            <a:schemeClr val="accent1"/>
+          </a:fillRef>
+          <a:effectRef idx="0">
+            <a:schemeClr val="accent1"/>
+          </a:effectRef>
+          <a:fontRef idx="minor">
+            <a:schemeClr val="lt1"/>
+          </a:fontRef>
+        </p:style>
+        <p:txBody>
+          <a:bodyPr rtlCol="0" anchor="ctr"/>
+          <a:lstStyle/>
+          <a:p>
+            <a:pPr algn="ctr"/>
+            <a:endParaRPr lang="en-US"/>
+          </a:p>
+        </p:txBody>
+      </p:sp>
+      <p:sp>
+        <p:nvSpPr>
+          <p:cNvPr id="52" name="Oval 51">
+            <a:extLst>
+              <a:ext uri="{FF2B5EF4-FFF2-40B4-BE49-F238E27FC236}">
+                <a16:creationId xmlns:a16="http://schemas.microsoft.com/office/drawing/2014/main" id="{7020D850-63EE-BE43-AF7E-D8C9B71EBB3E}"/>
+              </a:ext>
+            </a:extLst>
+          </p:cNvPr>
+          <p:cNvSpPr/>
+          <p:nvPr/>
+        </p:nvSpPr>
+        <p:spPr>
+          <a:xfrm>
+            <a:off x="5869830" y="1342950"/>
+            <a:ext cx="1122667" cy="1122667"/>
+          </a:xfrm>
+          <a:prstGeom prst="ellipse">
+            <a:avLst/>
+          </a:prstGeom>
+          <a:solidFill>
+            <a:schemeClr val="bg1">
+              <a:lumMod val="85000"/>
+            </a:schemeClr>
+          </a:solidFill>
+          <a:ln>
+            <a:noFill/>
+          </a:ln>
+        </p:spPr>
+        <p:style>
+          <a:lnRef idx="2">
+            <a:schemeClr val="accent1">
+              <a:shade val="50000"/>
+            </a:schemeClr>
+          </a:lnRef>
+          <a:fillRef idx="1">
+            <a:schemeClr val="accent1"/>
+          </a:fillRef>
+          <a:effectRef idx="0">
+            <a:schemeClr val="accent1"/>
+          </a:effectRef>
+          <a:fontRef idx="minor">
+            <a:schemeClr val="lt1"/>
+          </a:fontRef>
+        </p:style>
+        <p:txBody>
+          <a:bodyPr rtlCol="0" anchor="ctr"/>
+          <a:lstStyle/>
+          <a:p>
+            <a:pPr algn="ctr"/>
+            <a:endParaRPr lang="en-US"/>
+          </a:p>
+        </p:txBody>
+      </p:sp>
+      <p:grpSp>
+        <p:nvGrpSpPr>
+          <p:cNvPr id="53" name="Group 52">
+            <a:extLst>
+              <a:ext uri="{FF2B5EF4-FFF2-40B4-BE49-F238E27FC236}">
+                <a16:creationId xmlns:a16="http://schemas.microsoft.com/office/drawing/2014/main" id="{9B58DE4D-47A6-3E4C-832D-19EFF89D4262}"/>
+              </a:ext>
+            </a:extLst>
+          </p:cNvPr>
+          <p:cNvGrpSpPr/>
+          <p:nvPr/>
+        </p:nvGrpSpPr>
+        <p:grpSpPr>
+          <a:xfrm>
+            <a:off x="4671539" y="1561483"/>
+            <a:ext cx="2269895" cy="1519433"/>
+            <a:chOff x="4671539" y="1561483"/>
+            <a:chExt cx="2269895" cy="1519433"/>
+          </a:xfrm>
+        </p:grpSpPr>
+        <p:sp>
+          <p:nvSpPr>
+            <p:cNvPr id="40" name="Oval 39">
+              <a:extLst>
+                <a:ext uri="{FF2B5EF4-FFF2-40B4-BE49-F238E27FC236}">
+                  <a16:creationId xmlns:a16="http://schemas.microsoft.com/office/drawing/2014/main" id="{44C2B326-6937-874A-AE8D-6F5E1DDC5AD7}"/>
+                </a:ext>
+              </a:extLst>
+            </p:cNvPr>
+            <p:cNvSpPr/>
+            <p:nvPr/>
+          </p:nvSpPr>
+          <p:spPr>
+            <a:xfrm>
+              <a:off x="4671539" y="2460957"/>
+              <a:ext cx="619959" cy="619959"/>
+            </a:xfrm>
+            <a:prstGeom prst="ellipse">
+              <a:avLst/>
+            </a:prstGeom>
+            <a:solidFill>
+              <a:schemeClr val="bg1">
+                <a:lumMod val="75000"/>
+              </a:schemeClr>
+            </a:solidFill>
+            <a:ln>
+              <a:noFill/>
+            </a:ln>
+          </p:spPr>
+          <p:style>
+            <a:lnRef idx="2">
+              <a:schemeClr val="accent1">
+                <a:shade val="50000"/>
+              </a:schemeClr>
+            </a:lnRef>
+            <a:fillRef idx="1">
+              <a:schemeClr val="accent1"/>
+            </a:fillRef>
+            <a:effectRef idx="0">
+              <a:schemeClr val="accent1"/>
+            </a:effectRef>
+            <a:fontRef idx="minor">
+              <a:schemeClr val="lt1"/>
+            </a:fontRef>
+          </p:style>
+          <p:txBody>
+            <a:bodyPr rtlCol="0" anchor="ctr"/>
+            <a:lstStyle/>
+            <a:p>
+              <a:pPr algn="ctr"/>
+              <a:endParaRPr lang="en-US"/>
+            </a:p>
+          </p:txBody>
+        </p:sp>
+        <p:sp>
+          <p:nvSpPr>
+            <p:cNvPr id="39" name="Oval 38">
+              <a:extLst>
+                <a:ext uri="{FF2B5EF4-FFF2-40B4-BE49-F238E27FC236}">
+                  <a16:creationId xmlns:a16="http://schemas.microsoft.com/office/drawing/2014/main" id="{69F04052-B8C3-0F42-8A96-94D0F357FD41}"/>
+                </a:ext>
+              </a:extLst>
+            </p:cNvPr>
+            <p:cNvSpPr/>
+            <p:nvPr/>
+          </p:nvSpPr>
+          <p:spPr>
+            <a:xfrm>
+              <a:off x="4786001" y="2022445"/>
+              <a:ext cx="619959" cy="619959"/>
+            </a:xfrm>
+            <a:prstGeom prst="ellipse">
+              <a:avLst/>
+            </a:prstGeom>
+            <a:solidFill>
+              <a:schemeClr val="bg1">
+                <a:lumMod val="75000"/>
+              </a:schemeClr>
+            </a:solidFill>
+            <a:ln>
+              <a:noFill/>
+            </a:ln>
+          </p:spPr>
+          <p:style>
+            <a:lnRef idx="2">
+              <a:schemeClr val="accent1">
+                <a:shade val="50000"/>
+              </a:schemeClr>
+            </a:lnRef>
+            <a:fillRef idx="1">
+              <a:schemeClr val="accent1"/>
+            </a:fillRef>
+            <a:effectRef idx="0">
+              <a:schemeClr val="accent1"/>
+            </a:effectRef>
+            <a:fontRef idx="minor">
+              <a:schemeClr val="lt1"/>
+            </a:fontRef>
+          </p:style>
+          <p:txBody>
+            <a:bodyPr rtlCol="0" anchor="ctr"/>
+            <a:lstStyle/>
+            <a:p>
+              <a:pPr algn="ctr"/>
+              <a:endParaRPr lang="en-US"/>
+            </a:p>
+          </p:txBody>
+        </p:sp>
+        <p:sp>
+          <p:nvSpPr>
+            <p:cNvPr id="7" name="Oval 6">
+              <a:extLst>
+                <a:ext uri="{FF2B5EF4-FFF2-40B4-BE49-F238E27FC236}">
+                  <a16:creationId xmlns:a16="http://schemas.microsoft.com/office/drawing/2014/main" id="{4136BF85-F796-BB4B-BA9F-E1418E2F6BB8}"/>
+                </a:ext>
+              </a:extLst>
+            </p:cNvPr>
+            <p:cNvSpPr/>
+            <p:nvPr/>
+          </p:nvSpPr>
+          <p:spPr>
+            <a:xfrm flipV="1">
+              <a:off x="5002330" y="2238249"/>
+              <a:ext cx="187303" cy="187303"/>
+            </a:xfrm>
+            <a:prstGeom prst="ellipse">
+              <a:avLst/>
+            </a:prstGeom>
+            <a:solidFill>
+              <a:schemeClr val="accent1"/>
+            </a:solidFill>
+            <a:ln>
+              <a:noFill/>
+            </a:ln>
+          </p:spPr>
+          <p:style>
+            <a:lnRef idx="2">
+              <a:schemeClr val="dk1">
+                <a:shade val="50000"/>
+              </a:schemeClr>
+            </a:lnRef>
+            <a:fillRef idx="1">
+              <a:schemeClr val="dk1"/>
+            </a:fillRef>
+            <a:effectRef idx="0">
+              <a:schemeClr val="dk1"/>
+            </a:effectRef>
+            <a:fontRef idx="minor">
+              <a:schemeClr val="lt1"/>
+            </a:fontRef>
+          </p:style>
+          <p:txBody>
+            <a:bodyPr rtlCol="0" anchor="ctr"/>
+            <a:lstStyle/>
+            <a:p>
+              <a:pPr algn="ctr"/>
+              <a:endParaRPr lang="en-US"/>
+            </a:p>
+          </p:txBody>
+        </p:sp>
+        <p:sp>
+          <p:nvSpPr>
+            <p:cNvPr id="13" name="Oval 12">
+              <a:extLst>
+                <a:ext uri="{FF2B5EF4-FFF2-40B4-BE49-F238E27FC236}">
+                  <a16:creationId xmlns:a16="http://schemas.microsoft.com/office/drawing/2014/main" id="{7012AA88-58A6-024B-AB50-4DB36F16323E}"/>
+                </a:ext>
+              </a:extLst>
+            </p:cNvPr>
+            <p:cNvSpPr/>
+            <p:nvPr/>
+          </p:nvSpPr>
+          <p:spPr>
+            <a:xfrm flipV="1">
+              <a:off x="4893802" y="2689055"/>
+              <a:ext cx="187303" cy="187303"/>
+            </a:xfrm>
+            <a:prstGeom prst="ellipse">
+              <a:avLst/>
+            </a:prstGeom>
+            <a:solidFill>
+              <a:schemeClr val="accent1"/>
+            </a:solidFill>
+            <a:ln>
+              <a:noFill/>
+            </a:ln>
+          </p:spPr>
+          <p:style>
+            <a:lnRef idx="2">
+              <a:schemeClr val="dk1">
+                <a:shade val="50000"/>
+              </a:schemeClr>
+            </a:lnRef>
+            <a:fillRef idx="1">
+              <a:schemeClr val="dk1"/>
+            </a:fillRef>
+            <a:effectRef idx="0">
+              <a:schemeClr val="dk1"/>
+            </a:effectRef>
+            <a:fontRef idx="minor">
+              <a:schemeClr val="lt1"/>
+            </a:fontRef>
+          </p:style>
+          <p:txBody>
+            <a:bodyPr rtlCol="0" anchor="ctr"/>
+            <a:lstStyle/>
+            <a:p>
+              <a:pPr algn="ctr"/>
+              <a:endParaRPr lang="en-US"/>
+            </a:p>
+          </p:txBody>
+        </p:sp>
+        <p:sp>
+          <p:nvSpPr>
+            <p:cNvPr id="41" name="Oval 40">
+              <a:extLst>
+                <a:ext uri="{FF2B5EF4-FFF2-40B4-BE49-F238E27FC236}">
+                  <a16:creationId xmlns:a16="http://schemas.microsoft.com/office/drawing/2014/main" id="{D9A01D7D-899E-2241-B2C2-0BC028EB2BC7}"/>
+                </a:ext>
+              </a:extLst>
+            </p:cNvPr>
+            <p:cNvSpPr/>
+            <p:nvPr/>
+          </p:nvSpPr>
+          <p:spPr>
+            <a:xfrm>
+              <a:off x="5723399" y="1655135"/>
+              <a:ext cx="619959" cy="619959"/>
+            </a:xfrm>
+            <a:prstGeom prst="ellipse">
+              <a:avLst/>
+            </a:prstGeom>
+            <a:solidFill>
+              <a:schemeClr val="bg1">
+                <a:lumMod val="75000"/>
+              </a:schemeClr>
+            </a:solidFill>
+            <a:ln>
+              <a:noFill/>
+            </a:ln>
+          </p:spPr>
+          <p:style>
+            <a:lnRef idx="2">
+              <a:schemeClr val="accent1">
+                <a:shade val="50000"/>
+              </a:schemeClr>
+            </a:lnRef>
+            <a:fillRef idx="1">
+              <a:schemeClr val="accent1"/>
+            </a:fillRef>
+            <a:effectRef idx="0">
+              <a:schemeClr val="accent1"/>
+            </a:effectRef>
+            <a:fontRef idx="minor">
+              <a:schemeClr val="lt1"/>
+            </a:fontRef>
+          </p:style>
+          <p:txBody>
+            <a:bodyPr rtlCol="0" anchor="ctr"/>
+            <a:lstStyle/>
+            <a:p>
+              <a:pPr algn="ctr"/>
+              <a:endParaRPr lang="en-US" b="1" dirty="0"/>
+            </a:p>
+          </p:txBody>
+        </p:sp>
+        <p:sp>
+          <p:nvSpPr>
+            <p:cNvPr id="42" name="Oval 41">
+              <a:extLst>
+                <a:ext uri="{FF2B5EF4-FFF2-40B4-BE49-F238E27FC236}">
+                  <a16:creationId xmlns:a16="http://schemas.microsoft.com/office/drawing/2014/main" id="{2AB46461-E0BD-244A-ACA0-76768AC92BD6}"/>
+                </a:ext>
+              </a:extLst>
+            </p:cNvPr>
+            <p:cNvSpPr/>
+            <p:nvPr/>
+          </p:nvSpPr>
+          <p:spPr>
+            <a:xfrm>
+              <a:off x="6130602" y="1561483"/>
+              <a:ext cx="619959" cy="619959"/>
+            </a:xfrm>
+            <a:prstGeom prst="ellipse">
+              <a:avLst/>
+            </a:prstGeom>
+            <a:solidFill>
+              <a:schemeClr val="bg1">
+                <a:lumMod val="75000"/>
+              </a:schemeClr>
+            </a:solidFill>
+            <a:ln>
+              <a:noFill/>
+            </a:ln>
+          </p:spPr>
+          <p:style>
+            <a:lnRef idx="2">
+              <a:schemeClr val="accent1">
+                <a:shade val="50000"/>
+              </a:schemeClr>
+            </a:lnRef>
+            <a:fillRef idx="1">
+              <a:schemeClr val="accent1"/>
+            </a:fillRef>
+            <a:effectRef idx="0">
+              <a:schemeClr val="accent1"/>
+            </a:effectRef>
+            <a:fontRef idx="minor">
+              <a:schemeClr val="lt1"/>
+            </a:fontRef>
+          </p:style>
+          <p:txBody>
+            <a:bodyPr rtlCol="0" anchor="ctr"/>
+            <a:lstStyle/>
+            <a:p>
+              <a:pPr algn="ctr"/>
+              <a:endParaRPr lang="en-US"/>
+            </a:p>
+          </p:txBody>
+        </p:sp>
+        <p:sp>
+          <p:nvSpPr>
+            <p:cNvPr id="14" name="Oval 13">
+              <a:extLst>
+                <a:ext uri="{FF2B5EF4-FFF2-40B4-BE49-F238E27FC236}">
+                  <a16:creationId xmlns:a16="http://schemas.microsoft.com/office/drawing/2014/main" id="{707D907E-D89C-3341-98B7-DC1A8189BC34}"/>
+                </a:ext>
+              </a:extLst>
+            </p:cNvPr>
+            <p:cNvSpPr/>
+            <p:nvPr/>
+          </p:nvSpPr>
+          <p:spPr>
+            <a:xfrm flipV="1">
+              <a:off x="5946208" y="1863675"/>
+              <a:ext cx="187303" cy="187303"/>
+            </a:xfrm>
+            <a:prstGeom prst="ellipse">
+              <a:avLst/>
+            </a:prstGeom>
+            <a:solidFill>
+              <a:schemeClr val="accent1"/>
+            </a:solidFill>
+            <a:ln>
+              <a:noFill/>
+            </a:ln>
+          </p:spPr>
+          <p:style>
+            <a:lnRef idx="2">
+              <a:schemeClr val="dk1">
+                <a:shade val="50000"/>
+              </a:schemeClr>
+            </a:lnRef>
+            <a:fillRef idx="1">
+              <a:schemeClr val="dk1"/>
+            </a:fillRef>
+            <a:effectRef idx="0">
+              <a:schemeClr val="dk1"/>
+            </a:effectRef>
+            <a:fontRef idx="minor">
+              <a:schemeClr val="lt1"/>
+            </a:fontRef>
+          </p:style>
+          <p:txBody>
+            <a:bodyPr rtlCol="0" anchor="ctr"/>
+            <a:lstStyle/>
+            <a:p>
+              <a:pPr algn="ctr"/>
+              <a:endParaRPr lang="en-US"/>
+            </a:p>
+          </p:txBody>
+        </p:sp>
+        <p:sp>
+          <p:nvSpPr>
+            <p:cNvPr id="43" name="Oval 42">
+              <a:extLst>
+                <a:ext uri="{FF2B5EF4-FFF2-40B4-BE49-F238E27FC236}">
+                  <a16:creationId xmlns:a16="http://schemas.microsoft.com/office/drawing/2014/main" id="{28BED563-C50E-F74A-A95F-37FC71E679EE}"/>
+                </a:ext>
+              </a:extLst>
+            </p:cNvPr>
+            <p:cNvSpPr/>
+            <p:nvPr/>
+          </p:nvSpPr>
+          <p:spPr>
+            <a:xfrm>
+              <a:off x="5946870" y="2025445"/>
+              <a:ext cx="619959" cy="619959"/>
+            </a:xfrm>
+            <a:prstGeom prst="ellipse">
+              <a:avLst/>
+            </a:prstGeom>
+            <a:solidFill>
+              <a:schemeClr val="bg1">
+                <a:lumMod val="75000"/>
+              </a:schemeClr>
+            </a:solidFill>
+            <a:ln>
+              <a:noFill/>
+            </a:ln>
+          </p:spPr>
+          <p:style>
+            <a:lnRef idx="2">
+              <a:schemeClr val="accent1">
+                <a:shade val="50000"/>
+              </a:schemeClr>
+            </a:lnRef>
+            <a:fillRef idx="1">
+              <a:schemeClr val="accent1"/>
+            </a:fillRef>
+            <a:effectRef idx="0">
+              <a:schemeClr val="accent1"/>
+            </a:effectRef>
+            <a:fontRef idx="minor">
+              <a:schemeClr val="lt1"/>
+            </a:fontRef>
+          </p:style>
+          <p:txBody>
+            <a:bodyPr rtlCol="0" anchor="ctr"/>
+            <a:lstStyle/>
+            <a:p>
+              <a:pPr algn="ctr"/>
+              <a:endParaRPr lang="en-US"/>
+            </a:p>
+          </p:txBody>
+        </p:sp>
+        <p:sp>
+          <p:nvSpPr>
+            <p:cNvPr id="44" name="Oval 43">
+              <a:extLst>
+                <a:ext uri="{FF2B5EF4-FFF2-40B4-BE49-F238E27FC236}">
+                  <a16:creationId xmlns:a16="http://schemas.microsoft.com/office/drawing/2014/main" id="{3DEB9043-F944-9C4C-AEE3-B2937B49FD53}"/>
+                </a:ext>
+              </a:extLst>
+            </p:cNvPr>
+            <p:cNvSpPr/>
+            <p:nvPr/>
+          </p:nvSpPr>
+          <p:spPr>
+            <a:xfrm>
+              <a:off x="6317243" y="1845421"/>
+              <a:ext cx="619959" cy="619959"/>
+            </a:xfrm>
+            <a:prstGeom prst="ellipse">
+              <a:avLst/>
+            </a:prstGeom>
+            <a:solidFill>
+              <a:schemeClr val="bg1">
+                <a:lumMod val="75000"/>
+              </a:schemeClr>
+            </a:solidFill>
+            <a:ln>
+              <a:noFill/>
+            </a:ln>
+          </p:spPr>
+          <p:style>
+            <a:lnRef idx="2">
+              <a:schemeClr val="accent1">
+                <a:shade val="50000"/>
+              </a:schemeClr>
+            </a:lnRef>
+            <a:fillRef idx="1">
+              <a:schemeClr val="accent1"/>
+            </a:fillRef>
+            <a:effectRef idx="0">
+              <a:schemeClr val="accent1"/>
+            </a:effectRef>
+            <a:fontRef idx="minor">
+              <a:schemeClr val="lt1"/>
+            </a:fontRef>
+          </p:style>
+          <p:txBody>
+            <a:bodyPr rtlCol="0" anchor="ctr"/>
+            <a:lstStyle/>
+            <a:p>
+              <a:pPr algn="ctr"/>
+              <a:endParaRPr lang="en-US"/>
+            </a:p>
+          </p:txBody>
+        </p:sp>
+        <p:sp>
+          <p:nvSpPr>
+            <p:cNvPr id="45" name="Oval 44">
+              <a:extLst>
+                <a:ext uri="{FF2B5EF4-FFF2-40B4-BE49-F238E27FC236}">
+                  <a16:creationId xmlns:a16="http://schemas.microsoft.com/office/drawing/2014/main" id="{4EAC39A2-5A7E-E74D-B9BE-8182850D1C55}"/>
+                </a:ext>
+              </a:extLst>
+            </p:cNvPr>
+            <p:cNvSpPr/>
+            <p:nvPr/>
+          </p:nvSpPr>
+          <p:spPr>
+            <a:xfrm>
+              <a:off x="6321475" y="2227636"/>
+              <a:ext cx="619959" cy="619959"/>
+            </a:xfrm>
+            <a:prstGeom prst="ellipse">
+              <a:avLst/>
+            </a:prstGeom>
+            <a:solidFill>
+              <a:schemeClr val="bg1">
+                <a:lumMod val="75000"/>
+              </a:schemeClr>
+            </a:solidFill>
+            <a:ln>
+              <a:noFill/>
+            </a:ln>
+          </p:spPr>
+          <p:style>
+            <a:lnRef idx="2">
+              <a:schemeClr val="accent1">
+                <a:shade val="50000"/>
+              </a:schemeClr>
+            </a:lnRef>
+            <a:fillRef idx="1">
+              <a:schemeClr val="accent1"/>
+            </a:fillRef>
+            <a:effectRef idx="0">
+              <a:schemeClr val="accent1"/>
+            </a:effectRef>
+            <a:fontRef idx="minor">
+              <a:schemeClr val="lt1"/>
+            </a:fontRef>
+          </p:style>
+          <p:txBody>
+            <a:bodyPr rtlCol="0" anchor="ctr"/>
+            <a:lstStyle/>
+            <a:p>
+              <a:pPr algn="ctr"/>
+              <a:endParaRPr lang="en-US"/>
+            </a:p>
+          </p:txBody>
+        </p:sp>
+        <p:sp>
+          <p:nvSpPr>
+            <p:cNvPr id="17" name="Oval 16">
+              <a:extLst>
+                <a:ext uri="{FF2B5EF4-FFF2-40B4-BE49-F238E27FC236}">
+                  <a16:creationId xmlns:a16="http://schemas.microsoft.com/office/drawing/2014/main" id="{9B1A2CE6-13C7-1E44-BCB9-8C15C7F3DE1B}"/>
+                </a:ext>
+              </a:extLst>
+            </p:cNvPr>
+            <p:cNvSpPr/>
+            <p:nvPr/>
+          </p:nvSpPr>
+          <p:spPr>
+            <a:xfrm flipV="1">
+              <a:off x="6537804" y="2050217"/>
+              <a:ext cx="187303" cy="187303"/>
+            </a:xfrm>
+            <a:prstGeom prst="ellipse">
+              <a:avLst/>
+            </a:prstGeom>
+            <a:solidFill>
+              <a:schemeClr val="accent1"/>
+            </a:solidFill>
+            <a:ln>
+              <a:noFill/>
+            </a:ln>
+          </p:spPr>
+          <p:style>
+            <a:lnRef idx="2">
+              <a:schemeClr val="dk1">
+                <a:shade val="50000"/>
+              </a:schemeClr>
+            </a:lnRef>
+            <a:fillRef idx="1">
+              <a:schemeClr val="dk1"/>
+            </a:fillRef>
+            <a:effectRef idx="0">
+              <a:schemeClr val="dk1"/>
+            </a:effectRef>
+            <a:fontRef idx="minor">
+              <a:schemeClr val="lt1"/>
+            </a:fontRef>
+          </p:style>
+          <p:txBody>
+            <a:bodyPr rtlCol="0" anchor="ctr"/>
+            <a:lstStyle/>
+            <a:p>
+              <a:pPr algn="ctr"/>
+              <a:endParaRPr lang="en-US"/>
+            </a:p>
+          </p:txBody>
+        </p:sp>
+        <p:sp>
+          <p:nvSpPr>
+            <p:cNvPr id="18" name="Oval 17">
+              <a:extLst>
+                <a:ext uri="{FF2B5EF4-FFF2-40B4-BE49-F238E27FC236}">
+                  <a16:creationId xmlns:a16="http://schemas.microsoft.com/office/drawing/2014/main" id="{312970C8-C3A6-1A48-877B-39F485C77BEB}"/>
+                </a:ext>
+              </a:extLst>
+            </p:cNvPr>
+            <p:cNvSpPr/>
+            <p:nvPr/>
+          </p:nvSpPr>
+          <p:spPr>
+            <a:xfrm flipV="1">
+              <a:off x="6163199" y="2237520"/>
+              <a:ext cx="187303" cy="187303"/>
+            </a:xfrm>
+            <a:prstGeom prst="ellipse">
+              <a:avLst/>
+            </a:prstGeom>
+            <a:solidFill>
+              <a:schemeClr val="accent1"/>
+            </a:solidFill>
+            <a:ln>
+              <a:noFill/>
+            </a:ln>
+          </p:spPr>
+          <p:style>
+            <a:lnRef idx="0">
+              <a:scrgbClr r="0" g="0" b="0"/>
+            </a:lnRef>
+            <a:fillRef idx="0">
+              <a:scrgbClr r="0" g="0" b="0"/>
+            </a:fillRef>
+            <a:effectRef idx="0">
+              <a:scrgbClr r="0" g="0" b="0"/>
+            </a:effectRef>
+            <a:fontRef idx="minor">
+              <a:schemeClr val="lt1"/>
+            </a:fontRef>
+          </p:style>
+          <p:txBody>
+            <a:bodyPr rtlCol="0" anchor="ctr"/>
+            <a:lstStyle/>
+            <a:p>
+              <a:pPr algn="ctr"/>
+              <a:endParaRPr lang="en-US"/>
+            </a:p>
+          </p:txBody>
+        </p:sp>
+        <p:sp>
+          <p:nvSpPr>
+            <p:cNvPr id="19" name="Oval 18">
+              <a:extLst>
+                <a:ext uri="{FF2B5EF4-FFF2-40B4-BE49-F238E27FC236}">
+                  <a16:creationId xmlns:a16="http://schemas.microsoft.com/office/drawing/2014/main" id="{B420A82C-C45A-3345-B22B-E08F7B02ECFA}"/>
+                </a:ext>
+              </a:extLst>
+            </p:cNvPr>
+            <p:cNvSpPr/>
+            <p:nvPr/>
+          </p:nvSpPr>
+          <p:spPr>
+            <a:xfrm flipV="1">
+              <a:off x="6543029" y="2443937"/>
+              <a:ext cx="187303" cy="187303"/>
+            </a:xfrm>
+            <a:prstGeom prst="ellipse">
+              <a:avLst/>
+            </a:prstGeom>
+            <a:solidFill>
+              <a:schemeClr val="accent1"/>
+            </a:solidFill>
+            <a:ln>
+              <a:noFill/>
+            </a:ln>
+          </p:spPr>
+          <p:style>
+            <a:lnRef idx="2">
+              <a:schemeClr val="dk1">
+                <a:shade val="50000"/>
+              </a:schemeClr>
+            </a:lnRef>
+            <a:fillRef idx="1">
+              <a:schemeClr val="dk1"/>
+            </a:fillRef>
+            <a:effectRef idx="0">
+              <a:schemeClr val="dk1"/>
+            </a:effectRef>
+            <a:fontRef idx="minor">
+              <a:schemeClr val="lt1"/>
+            </a:fontRef>
+          </p:style>
+          <p:txBody>
+            <a:bodyPr rtlCol="0" anchor="ctr"/>
+            <a:lstStyle/>
+            <a:p>
+              <a:pPr algn="ctr"/>
+              <a:endParaRPr lang="en-US"/>
+            </a:p>
+          </p:txBody>
+        </p:sp>
+        <p:sp>
+          <p:nvSpPr>
+            <p:cNvPr id="16" name="Oval 15">
+              <a:extLst>
+                <a:ext uri="{FF2B5EF4-FFF2-40B4-BE49-F238E27FC236}">
+                  <a16:creationId xmlns:a16="http://schemas.microsoft.com/office/drawing/2014/main" id="{B5AB0B3D-7F3B-7A4D-A985-B9873E9BF8F9}"/>
+                </a:ext>
+              </a:extLst>
+            </p:cNvPr>
+            <p:cNvSpPr/>
+            <p:nvPr/>
+          </p:nvSpPr>
+          <p:spPr>
+            <a:xfrm flipV="1">
+              <a:off x="6350502" y="1777812"/>
+              <a:ext cx="187303" cy="187303"/>
+            </a:xfrm>
+            <a:prstGeom prst="ellipse">
+              <a:avLst/>
+            </a:prstGeom>
+            <a:solidFill>
+              <a:schemeClr val="accent1"/>
+            </a:solidFill>
+            <a:ln>
+              <a:noFill/>
+            </a:ln>
+          </p:spPr>
+          <p:style>
+            <a:lnRef idx="2">
+              <a:schemeClr val="dk1">
+                <a:shade val="50000"/>
+              </a:schemeClr>
+            </a:lnRef>
+            <a:fillRef idx="1">
+              <a:schemeClr val="dk1"/>
+            </a:fillRef>
+            <a:effectRef idx="0">
+              <a:schemeClr val="dk1"/>
+            </a:effectRef>
+            <a:fontRef idx="minor">
+              <a:schemeClr val="lt1"/>
+            </a:fontRef>
+          </p:style>
+          <p:txBody>
+            <a:bodyPr rtlCol="0" anchor="ctr"/>
+            <a:lstStyle/>
+            <a:p>
+              <a:pPr algn="ctr"/>
+              <a:endParaRPr lang="en-US"/>
+            </a:p>
+          </p:txBody>
+        </p:sp>
+      </p:grpSp>
+      <p:sp>
+        <p:nvSpPr>
+          <p:cNvPr id="59" name="Rectangle 58">
+            <a:extLst>
+              <a:ext uri="{FF2B5EF4-FFF2-40B4-BE49-F238E27FC236}">
+                <a16:creationId xmlns:a16="http://schemas.microsoft.com/office/drawing/2014/main" id="{B959F95F-39F7-BE46-8EE1-6E740EDAA6A7}"/>
+              </a:ext>
+            </a:extLst>
+          </p:cNvPr>
+          <p:cNvSpPr/>
+          <p:nvPr/>
+        </p:nvSpPr>
+        <p:spPr>
+          <a:xfrm>
+            <a:off x="7420359" y="1516889"/>
+            <a:ext cx="250807" cy="146304"/>
+          </a:xfrm>
+          <a:prstGeom prst="rect">
+            <a:avLst/>
+          </a:prstGeom>
+          <a:solidFill>
+            <a:schemeClr val="bg1">
+              <a:lumMod val="95000"/>
+            </a:schemeClr>
+          </a:solidFill>
+          <a:ln>
+            <a:noFill/>
+          </a:ln>
+        </p:spPr>
+        <p:style>
+          <a:lnRef idx="2">
+            <a:schemeClr val="accent1">
+              <a:shade val="50000"/>
+            </a:schemeClr>
+          </a:lnRef>
+          <a:fillRef idx="1">
+            <a:schemeClr val="accent1"/>
+          </a:fillRef>
+          <a:effectRef idx="0">
+            <a:schemeClr val="accent1"/>
+          </a:effectRef>
+          <a:fontRef idx="minor">
+            <a:schemeClr val="lt1"/>
+          </a:fontRef>
+        </p:style>
+        <p:txBody>
+          <a:bodyPr rtlCol="0" anchor="ctr"/>
+          <a:lstStyle/>
+          <a:p>
+            <a:pPr algn="ctr"/>
+            <a:endParaRPr lang="en-US"/>
+          </a:p>
+        </p:txBody>
+      </p:sp>
+      <p:sp>
+        <p:nvSpPr>
+          <p:cNvPr id="60" name="TextBox 59">
+            <a:extLst>
+              <a:ext uri="{FF2B5EF4-FFF2-40B4-BE49-F238E27FC236}">
+                <a16:creationId xmlns:a16="http://schemas.microsoft.com/office/drawing/2014/main" id="{40F8BE98-D02F-A846-8602-1E07B3C56BA6}"/>
+              </a:ext>
+            </a:extLst>
+          </p:cNvPr>
+          <p:cNvSpPr txBox="1"/>
+          <p:nvPr/>
+        </p:nvSpPr>
+        <p:spPr>
+          <a:xfrm>
+            <a:off x="7639585" y="1486344"/>
+            <a:ext cx="986167" cy="215444"/>
+          </a:xfrm>
+          <a:prstGeom prst="rect">
+            <a:avLst/>
+          </a:prstGeom>
+          <a:noFill/>
+        </p:spPr>
+        <p:txBody>
+          <a:bodyPr wrap="none" rtlCol="0">
+            <a:spAutoFit/>
+          </a:bodyPr>
+          <a:lstStyle/>
+          <a:p>
+            <a:r>
+              <a:rPr lang="en-US" sz="800" dirty="0"/>
+              <a:t>Target Search Zone</a:t>
+            </a:r>
+          </a:p>
+        </p:txBody>
+      </p:sp>
+      <p:sp>
+        <p:nvSpPr>
+          <p:cNvPr id="61" name="Rectangle 60">
+            <a:extLst>
+              <a:ext uri="{FF2B5EF4-FFF2-40B4-BE49-F238E27FC236}">
+                <a16:creationId xmlns:a16="http://schemas.microsoft.com/office/drawing/2014/main" id="{BE0586D2-FD9B-554A-9141-E7DD7AC4F51B}"/>
+              </a:ext>
+            </a:extLst>
+          </p:cNvPr>
+          <p:cNvSpPr/>
+          <p:nvPr/>
+        </p:nvSpPr>
+        <p:spPr>
+          <a:xfrm>
+            <a:off x="7417780" y="1786498"/>
+            <a:ext cx="250807" cy="146304"/>
+          </a:xfrm>
+          <a:prstGeom prst="rect">
+            <a:avLst/>
+          </a:prstGeom>
+          <a:solidFill>
+            <a:schemeClr val="bg1">
+              <a:lumMod val="85000"/>
+            </a:schemeClr>
+          </a:solidFill>
+          <a:ln>
+            <a:noFill/>
+          </a:ln>
+        </p:spPr>
+        <p:style>
+          <a:lnRef idx="2">
+            <a:schemeClr val="accent1">
+              <a:shade val="50000"/>
+            </a:schemeClr>
+          </a:lnRef>
+          <a:fillRef idx="1">
+            <a:schemeClr val="accent1"/>
+          </a:fillRef>
+          <a:effectRef idx="0">
+            <a:schemeClr val="accent1"/>
+          </a:effectRef>
+          <a:fontRef idx="minor">
+            <a:schemeClr val="lt1"/>
+          </a:fontRef>
+        </p:style>
+        <p:txBody>
+          <a:bodyPr rtlCol="0" anchor="ctr"/>
+          <a:lstStyle/>
+          <a:p>
+            <a:pPr algn="ctr"/>
+            <a:endParaRPr lang="en-US"/>
+          </a:p>
+        </p:txBody>
+      </p:sp>
+      <p:sp>
+        <p:nvSpPr>
+          <p:cNvPr id="62" name="TextBox 61">
+            <a:extLst>
+              <a:ext uri="{FF2B5EF4-FFF2-40B4-BE49-F238E27FC236}">
+                <a16:creationId xmlns:a16="http://schemas.microsoft.com/office/drawing/2014/main" id="{4F02BC99-7B97-E34F-A9AE-F6799A1D3BA4}"/>
+              </a:ext>
+            </a:extLst>
+          </p:cNvPr>
+          <p:cNvSpPr txBox="1"/>
+          <p:nvPr/>
+        </p:nvSpPr>
+        <p:spPr>
+          <a:xfrm>
+            <a:off x="7637006" y="1755953"/>
+            <a:ext cx="678391" cy="215444"/>
+          </a:xfrm>
+          <a:prstGeom prst="rect">
+            <a:avLst/>
+          </a:prstGeom>
+          <a:noFill/>
+        </p:spPr>
+        <p:txBody>
+          <a:bodyPr wrap="none" rtlCol="0">
+            <a:spAutoFit/>
+          </a:bodyPr>
+          <a:lstStyle/>
+          <a:p>
+            <a:r>
+              <a:rPr lang="en-US" sz="800" dirty="0"/>
+              <a:t>Mixed Zone</a:t>
+            </a:r>
+          </a:p>
+        </p:txBody>
+      </p:sp>
+      <p:sp>
+        <p:nvSpPr>
+          <p:cNvPr id="63" name="Rectangle 62">
+            <a:extLst>
+              <a:ext uri="{FF2B5EF4-FFF2-40B4-BE49-F238E27FC236}">
+                <a16:creationId xmlns:a16="http://schemas.microsoft.com/office/drawing/2014/main" id="{8F7D8C72-C76B-2E46-AF80-21B7147382EA}"/>
+              </a:ext>
+            </a:extLst>
+          </p:cNvPr>
+          <p:cNvSpPr/>
+          <p:nvPr/>
+        </p:nvSpPr>
+        <p:spPr>
+          <a:xfrm>
+            <a:off x="7424437" y="2055990"/>
+            <a:ext cx="250807" cy="146304"/>
+          </a:xfrm>
+          <a:prstGeom prst="rect">
+            <a:avLst/>
+          </a:prstGeom>
+          <a:solidFill>
+            <a:schemeClr val="bg1">
+              <a:lumMod val="75000"/>
+            </a:schemeClr>
+          </a:solidFill>
+          <a:ln>
+            <a:noFill/>
+          </a:ln>
+        </p:spPr>
+        <p:style>
+          <a:lnRef idx="2">
+            <a:schemeClr val="accent1">
+              <a:shade val="50000"/>
+            </a:schemeClr>
+          </a:lnRef>
+          <a:fillRef idx="1">
+            <a:schemeClr val="accent1"/>
+          </a:fillRef>
+          <a:effectRef idx="0">
+            <a:schemeClr val="accent1"/>
+          </a:effectRef>
+          <a:fontRef idx="minor">
+            <a:schemeClr val="lt1"/>
+          </a:fontRef>
+        </p:style>
+        <p:txBody>
+          <a:bodyPr rtlCol="0" anchor="ctr"/>
+          <a:lstStyle/>
+          <a:p>
+            <a:pPr algn="ctr"/>
+            <a:endParaRPr lang="en-US"/>
+          </a:p>
+        </p:txBody>
+      </p:sp>
+      <p:sp>
+        <p:nvSpPr>
+          <p:cNvPr id="64" name="TextBox 63">
+            <a:extLst>
+              <a:ext uri="{FF2B5EF4-FFF2-40B4-BE49-F238E27FC236}">
+                <a16:creationId xmlns:a16="http://schemas.microsoft.com/office/drawing/2014/main" id="{1F13C22B-40FB-B641-A64E-5EB076CD5ACD}"/>
+              </a:ext>
+            </a:extLst>
+          </p:cNvPr>
+          <p:cNvSpPr txBox="1"/>
+          <p:nvPr/>
+        </p:nvSpPr>
+        <p:spPr>
+          <a:xfrm>
+            <a:off x="7643663" y="1973195"/>
+            <a:ext cx="1008609" cy="338554"/>
+          </a:xfrm>
+          <a:prstGeom prst="rect">
+            <a:avLst/>
+          </a:prstGeom>
+          <a:noFill/>
+        </p:spPr>
+        <p:txBody>
+          <a:bodyPr wrap="none" rtlCol="0">
+            <a:spAutoFit/>
+          </a:bodyPr>
+          <a:lstStyle/>
+          <a:p>
+            <a:r>
+              <a:rPr lang="en-US" sz="800" dirty="0"/>
+              <a:t>Obstacle Avoidance</a:t>
+            </a:r>
+          </a:p>
+          <a:p>
+            <a:r>
+              <a:rPr lang="en-US" sz="800" dirty="0"/>
+              <a:t>Zone</a:t>
+            </a:r>
+          </a:p>
+        </p:txBody>
+      </p:sp>
+      <p:sp>
+        <p:nvSpPr>
+          <p:cNvPr id="65" name="Oval 64">
+            <a:extLst>
+              <a:ext uri="{FF2B5EF4-FFF2-40B4-BE49-F238E27FC236}">
+                <a16:creationId xmlns:a16="http://schemas.microsoft.com/office/drawing/2014/main" id="{41CC8DE8-08B8-FA49-A992-9F1557A59DE3}"/>
+              </a:ext>
+            </a:extLst>
+          </p:cNvPr>
+          <p:cNvSpPr/>
+          <p:nvPr/>
+        </p:nvSpPr>
+        <p:spPr>
+          <a:xfrm flipV="1">
+            <a:off x="7456406" y="2329656"/>
+            <a:ext cx="187303" cy="187303"/>
+          </a:xfrm>
+          <a:prstGeom prst="ellipse">
+            <a:avLst/>
+          </a:prstGeom>
+          <a:solidFill>
+            <a:schemeClr val="accent1"/>
+          </a:solidFill>
+          <a:ln>
+            <a:noFill/>
+          </a:ln>
+        </p:spPr>
+        <p:style>
+          <a:lnRef idx="2">
+            <a:schemeClr val="dk1">
+              <a:shade val="50000"/>
+            </a:schemeClr>
+          </a:lnRef>
+          <a:fillRef idx="1">
+            <a:schemeClr val="dk1"/>
+          </a:fillRef>
+          <a:effectRef idx="0">
+            <a:schemeClr val="dk1"/>
+          </a:effectRef>
+          <a:fontRef idx="minor">
+            <a:schemeClr val="lt1"/>
+          </a:fontRef>
+        </p:style>
+        <p:txBody>
+          <a:bodyPr rtlCol="0" anchor="ctr"/>
+          <a:lstStyle/>
+          <a:p>
+            <a:pPr algn="ctr"/>
+            <a:endParaRPr lang="en-US"/>
+          </a:p>
+        </p:txBody>
+      </p:sp>
+      <p:sp>
+        <p:nvSpPr>
+          <p:cNvPr id="66" name="Oval 65">
+            <a:extLst>
+              <a:ext uri="{FF2B5EF4-FFF2-40B4-BE49-F238E27FC236}">
+                <a16:creationId xmlns:a16="http://schemas.microsoft.com/office/drawing/2014/main" id="{AE596BC2-312D-DB4B-8F6C-C37CF93D5862}"/>
+              </a:ext>
+            </a:extLst>
+          </p:cNvPr>
+          <p:cNvSpPr/>
+          <p:nvPr/>
+        </p:nvSpPr>
+        <p:spPr>
+          <a:xfrm flipV="1">
+            <a:off x="7456406" y="2623081"/>
+            <a:ext cx="187303" cy="187303"/>
+          </a:xfrm>
+          <a:prstGeom prst="ellipse">
+            <a:avLst/>
+          </a:prstGeom>
+          <a:solidFill>
+            <a:schemeClr val="dk1"/>
+          </a:solidFill>
+          <a:ln>
+            <a:noFill/>
+          </a:ln>
+        </p:spPr>
+        <p:style>
+          <a:lnRef idx="0">
+            <a:scrgbClr r="0" g="0" b="0"/>
+          </a:lnRef>
+          <a:fillRef idx="0">
+            <a:scrgbClr r="0" g="0" b="0"/>
+          </a:fillRef>
+          <a:effectRef idx="0">
+            <a:scrgbClr r="0" g="0" b="0"/>
+          </a:effectRef>
+          <a:fontRef idx="minor">
+            <a:schemeClr val="lt1"/>
+          </a:fontRef>
+        </p:style>
+        <p:txBody>
+          <a:bodyPr rtlCol="0" anchor="ctr"/>
+          <a:lstStyle/>
+          <a:p>
+            <a:pPr algn="ctr"/>
+            <a:endParaRPr lang="en-US"/>
+          </a:p>
+        </p:txBody>
+      </p:sp>
+      <p:sp>
+        <p:nvSpPr>
+          <p:cNvPr id="67" name="TextBox 66">
+            <a:extLst>
+              <a:ext uri="{FF2B5EF4-FFF2-40B4-BE49-F238E27FC236}">
+                <a16:creationId xmlns:a16="http://schemas.microsoft.com/office/drawing/2014/main" id="{F7D04926-7988-9F4A-98D4-DFA1157C2E22}"/>
+              </a:ext>
+            </a:extLst>
+          </p:cNvPr>
+          <p:cNvSpPr txBox="1"/>
+          <p:nvPr/>
+        </p:nvSpPr>
+        <p:spPr>
+          <a:xfrm>
+            <a:off x="7637005" y="2314637"/>
+            <a:ext cx="588623" cy="215444"/>
+          </a:xfrm>
+          <a:prstGeom prst="rect">
+            <a:avLst/>
+          </a:prstGeom>
+          <a:noFill/>
+        </p:spPr>
+        <p:txBody>
+          <a:bodyPr wrap="none" rtlCol="0">
+            <a:spAutoFit/>
+          </a:bodyPr>
+          <a:lstStyle/>
+          <a:p>
+            <a:r>
+              <a:rPr lang="en-US" sz="800" dirty="0"/>
+              <a:t>Obstacles</a:t>
+            </a:r>
+          </a:p>
+        </p:txBody>
+      </p:sp>
+      <p:sp>
+        <p:nvSpPr>
+          <p:cNvPr id="68" name="TextBox 67">
+            <a:extLst>
+              <a:ext uri="{FF2B5EF4-FFF2-40B4-BE49-F238E27FC236}">
+                <a16:creationId xmlns:a16="http://schemas.microsoft.com/office/drawing/2014/main" id="{1914C3AC-DEF5-B049-AEEF-58FD9E42DF50}"/>
+              </a:ext>
+            </a:extLst>
+          </p:cNvPr>
+          <p:cNvSpPr txBox="1"/>
+          <p:nvPr/>
+        </p:nvSpPr>
+        <p:spPr>
+          <a:xfrm>
+            <a:off x="7643061" y="2609010"/>
+            <a:ext cx="324128" cy="215444"/>
+          </a:xfrm>
+          <a:prstGeom prst="rect">
+            <a:avLst/>
+          </a:prstGeom>
+          <a:noFill/>
+        </p:spPr>
+        <p:txBody>
+          <a:bodyPr wrap="none" rtlCol="0">
+            <a:spAutoFit/>
+          </a:bodyPr>
+          <a:lstStyle/>
+          <a:p>
+            <a:r>
+              <a:rPr lang="en-US" sz="800" dirty="0"/>
+              <a:t>Bat</a:t>
+            </a:r>
+          </a:p>
+        </p:txBody>
+      </p:sp>
+    </p:spTree>
+    <p:extLst>
+      <p:ext uri="{BB962C8B-B14F-4D97-AF65-F5344CB8AC3E}">
+        <p14:creationId xmlns:p14="http://schemas.microsoft.com/office/powerpoint/2010/main" val="3825720270"/>
+      </p:ext>
+    </p:extLst>
+  </p:cSld>
+  <p:clrMapOvr>
+    <a:masterClrMapping/>
+  </p:clrMapOvr>
+</p:sld>
+</file>
+
 <file path=ppt/theme/theme1.xml><?xml version="1.0" encoding="utf-8"?>
 <a:theme xmlns:a="http://schemas.openxmlformats.org/drawingml/2006/main" name="Office Theme">
   <a:themeElements>
